--- a/ppt/2020/实战项目.pptx
+++ b/ppt/2020/实战项目.pptx
@@ -218,7 +218,7 @@
             <a:fld id="{5F920F0F-0E56-2B45-B1BF-268524318682}" type="datetimeFigureOut">
               <a:rPr kumimoji="1" lang="zh-CN" altLang="en-US" smtClean="0"/>
               <a:pPr/>
-              <a:t>2020/3/18</a:t>
+              <a:t>2020/3/20</a:t>
             </a:fld>
             <a:endParaRPr kumimoji="1" lang="zh-CN" altLang="en-US"/>
           </a:p>
@@ -294,7 +294,7 @@
     </p:spTree>
     <p:extLst>
       <p:ext uri="{BB962C8B-B14F-4D97-AF65-F5344CB8AC3E}">
-        <p14:creationId xmlns="" xmlns:p14="http://schemas.microsoft.com/office/powerpoint/2010/main" val="3407571201"/>
+        <p14:creationId xmlns:p14="http://schemas.microsoft.com/office/powerpoint/2010/main" xmlns="" val="3407571201"/>
       </p:ext>
     </p:extLst>
   </p:cSld>
@@ -386,7 +386,7 @@
             <a:fld id="{FB86081A-1E41-D34E-AC33-11FD77CCCD8D}" type="datetimeFigureOut">
               <a:rPr kumimoji="1" lang="zh-CN" altLang="en-US" smtClean="0"/>
               <a:pPr/>
-              <a:t>2020/3/18</a:t>
+              <a:t>2020/3/20</a:t>
             </a:fld>
             <a:endParaRPr kumimoji="1" lang="zh-CN" altLang="en-US"/>
           </a:p>
@@ -555,7 +555,7 @@
     </p:spTree>
     <p:extLst>
       <p:ext uri="{BB962C8B-B14F-4D97-AF65-F5344CB8AC3E}">
-        <p14:creationId xmlns="" xmlns:p14="http://schemas.microsoft.com/office/powerpoint/2010/main" val="2106316760"/>
+        <p14:creationId xmlns:p14="http://schemas.microsoft.com/office/powerpoint/2010/main" xmlns="" val="2106316760"/>
       </p:ext>
     </p:extLst>
   </p:cSld>
@@ -1266,7 +1266,7 @@
     </p:spTree>
     <p:extLst>
       <p:ext uri="{BB962C8B-B14F-4D97-AF65-F5344CB8AC3E}">
-        <p14:creationId xmlns="" xmlns:p14="http://schemas.microsoft.com/office/powerpoint/2010/main" val="347096014"/>
+        <p14:creationId xmlns:p14="http://schemas.microsoft.com/office/powerpoint/2010/main" xmlns="" val="347096014"/>
       </p:ext>
     </p:extLst>
   </p:cSld>
@@ -1357,7 +1357,7 @@
     </p:spTree>
     <p:extLst>
       <p:ext uri="{BB962C8B-B14F-4D97-AF65-F5344CB8AC3E}">
-        <p14:creationId xmlns="" xmlns:p14="http://schemas.microsoft.com/office/powerpoint/2010/main" val="855118000"/>
+        <p14:creationId xmlns:p14="http://schemas.microsoft.com/office/powerpoint/2010/main" xmlns="" val="855118000"/>
       </p:ext>
     </p:extLst>
   </p:cSld>
@@ -1442,7 +1442,7 @@
     </p:spTree>
     <p:extLst>
       <p:ext uri="{BB962C8B-B14F-4D97-AF65-F5344CB8AC3E}">
-        <p14:creationId xmlns="" xmlns:p14="http://schemas.microsoft.com/office/powerpoint/2010/main" val="855118000"/>
+        <p14:creationId xmlns:p14="http://schemas.microsoft.com/office/powerpoint/2010/main" xmlns="" val="855118000"/>
       </p:ext>
     </p:extLst>
   </p:cSld>
@@ -1792,7 +1792,7 @@
     </p:spTree>
     <p:extLst>
       <p:ext uri="{BB962C8B-B14F-4D97-AF65-F5344CB8AC3E}">
-        <p14:creationId xmlns="" xmlns:p14="http://schemas.microsoft.com/office/powerpoint/2010/main" val="855118000"/>
+        <p14:creationId xmlns:p14="http://schemas.microsoft.com/office/powerpoint/2010/main" xmlns="" val="855118000"/>
       </p:ext>
     </p:extLst>
   </p:cSld>
@@ -2392,10 +2392,263 @@
           <a:lstStyle/>
           <a:p>
             <a:r>
+              <a:rPr lang="en-US" baseline="0" dirty="0" smtClean="0">
+                <a:hlinkClick r:id="rId3"/>
+              </a:rPr>
+              <a:t>1 </a:t>
+            </a:r>
+            <a:r>
+              <a:rPr lang="en-US" baseline="0" dirty="0" err="1" smtClean="0">
+                <a:hlinkClick r:id="rId3"/>
+              </a:rPr>
+              <a:t>jianli</a:t>
+            </a:r>
+            <a:r>
+              <a:rPr lang="en-US" baseline="0" dirty="0" smtClean="0">
+                <a:hlinkClick r:id="rId3"/>
+              </a:rPr>
+              <a:t> </a:t>
+            </a:r>
+            <a:r>
+              <a:rPr lang="en-US" baseline="0" dirty="0" err="1" smtClean="0">
+                <a:hlinkClick r:id="rId3"/>
+              </a:rPr>
+              <a:t>connent</a:t>
+            </a:r>
+            <a:r>
+              <a:rPr lang="en-US" baseline="0" dirty="0" smtClean="0">
+                <a:hlinkClick r:id="rId3"/>
+              </a:rPr>
+              <a:t> </a:t>
+            </a:r>
+          </a:p>
+          <a:p>
+            <a:r>
+              <a:rPr lang="en-US" baseline="0" dirty="0" smtClean="0">
+                <a:hlinkClick r:id="rId3"/>
+              </a:rPr>
+              <a:t>2. Slave </a:t>
+            </a:r>
+            <a:r>
+              <a:rPr lang="zh-CN" altLang="en-US" baseline="0" dirty="0" smtClean="0">
+                <a:hlinkClick r:id="rId3"/>
+              </a:rPr>
+              <a:t>主动发全量同步请求 </a:t>
+            </a:r>
+            <a:endParaRPr lang="en-US" baseline="0" dirty="0" smtClean="0">
+              <a:hlinkClick r:id="rId3"/>
+            </a:endParaRPr>
+          </a:p>
+          <a:p>
+            <a:r>
+              <a:rPr lang="en-US" baseline="0" dirty="0" smtClean="0">
+                <a:hlinkClick r:id="rId3"/>
+              </a:rPr>
+              <a:t>3 </a:t>
+            </a:r>
+            <a:r>
+              <a:rPr lang="en-US" altLang="zh-CN" baseline="0" dirty="0" smtClean="0">
+                <a:hlinkClick r:id="rId3"/>
+              </a:rPr>
+              <a:t>master 1 fork </a:t>
+            </a:r>
+            <a:r>
+              <a:rPr lang="en-US" altLang="zh-CN" baseline="0" dirty="0" err="1" smtClean="0">
+                <a:hlinkClick r:id="rId3"/>
+              </a:rPr>
+              <a:t>bgsave</a:t>
+            </a:r>
+            <a:r>
+              <a:rPr lang="en-US" altLang="zh-CN" baseline="0" dirty="0" smtClean="0">
+                <a:hlinkClick r:id="rId3"/>
+              </a:rPr>
+              <a:t>   </a:t>
+            </a:r>
+            <a:r>
+              <a:rPr lang="en-US" altLang="zh-CN" baseline="0" dirty="0" err="1" smtClean="0">
+                <a:hlinkClick r:id="rId3"/>
+              </a:rPr>
+              <a:t>rdb</a:t>
+            </a:r>
+            <a:r>
+              <a:rPr lang="zh-CN" altLang="en-US" baseline="0" dirty="0" smtClean="0">
+                <a:hlinkClick r:id="rId3"/>
+              </a:rPr>
+              <a:t>文件 </a:t>
+            </a:r>
+            <a:r>
+              <a:rPr lang="en-US" altLang="zh-CN" baseline="0" dirty="0" smtClean="0">
+                <a:hlinkClick r:id="rId3"/>
+              </a:rPr>
+              <a:t>2 </a:t>
+            </a:r>
+            <a:r>
+              <a:rPr lang="zh-CN" altLang="en-US" baseline="0" dirty="0" smtClean="0">
+                <a:hlinkClick r:id="rId3"/>
+              </a:rPr>
+              <a:t>同时</a:t>
+            </a:r>
+            <a:r>
+              <a:rPr lang="en-US" altLang="zh-CN" baseline="0" dirty="0" smtClean="0">
+                <a:hlinkClick r:id="rId3"/>
+              </a:rPr>
+              <a:t>new client </a:t>
+            </a:r>
+            <a:r>
+              <a:rPr lang="zh-CN" altLang="en-US" baseline="0" dirty="0" smtClean="0">
+                <a:hlinkClick r:id="rId3"/>
+              </a:rPr>
+              <a:t>命令存储到起来 </a:t>
+            </a:r>
+            <a:endParaRPr lang="en-US" altLang="zh-CN" baseline="0" dirty="0" smtClean="0">
+              <a:hlinkClick r:id="rId3"/>
+            </a:endParaRPr>
+          </a:p>
+          <a:p>
+            <a:r>
+              <a:rPr lang="en-US" baseline="0" dirty="0" smtClean="0">
+                <a:hlinkClick r:id="rId3"/>
+              </a:rPr>
+              <a:t> </a:t>
+            </a:r>
+            <a:r>
+              <a:rPr lang="en-US" altLang="zh-CN" baseline="0" dirty="0" smtClean="0">
+                <a:hlinkClick r:id="rId3"/>
+              </a:rPr>
+              <a:t>master slave</a:t>
+            </a:r>
+            <a:r>
+              <a:rPr lang="zh-CN" altLang="en-US" baseline="0" dirty="0" smtClean="0">
+                <a:hlinkClick r:id="rId3"/>
+              </a:rPr>
+              <a:t>客户端 </a:t>
+            </a:r>
+            <a:r>
+              <a:rPr lang="en-US" altLang="zh-CN" baseline="0" dirty="0" err="1" smtClean="0">
+                <a:hlinkClick r:id="rId3"/>
+              </a:rPr>
+              <a:t>rdb</a:t>
+            </a:r>
+            <a:r>
+              <a:rPr lang="zh-CN" altLang="en-US" baseline="0" dirty="0" smtClean="0">
+                <a:hlinkClick r:id="rId3"/>
+              </a:rPr>
+              <a:t>穿上比，全面输出过去</a:t>
+            </a:r>
+            <a:endParaRPr lang="en-US" altLang="zh-CN" baseline="0" dirty="0" smtClean="0">
+              <a:hlinkClick r:id="rId3"/>
+            </a:endParaRPr>
+          </a:p>
+          <a:p>
+            <a:endParaRPr lang="en-US" baseline="0" dirty="0" smtClean="0">
+              <a:hlinkClick r:id="rId3"/>
+            </a:endParaRPr>
+          </a:p>
+          <a:p>
+            <a:r>
+              <a:rPr lang="en-US" baseline="0" dirty="0" smtClean="0">
+                <a:hlinkClick r:id="rId3"/>
+              </a:rPr>
+              <a:t>3 master new </a:t>
+            </a:r>
+            <a:r>
+              <a:rPr lang="zh-CN" altLang="en-US" baseline="0" dirty="0" smtClean="0">
+                <a:hlinkClick r:id="rId3"/>
+              </a:rPr>
+              <a:t>命令 发送</a:t>
+            </a:r>
+            <a:r>
+              <a:rPr lang="en-US" altLang="zh-CN" baseline="0" dirty="0" smtClean="0">
+                <a:hlinkClick r:id="rId3"/>
+              </a:rPr>
+              <a:t>salve</a:t>
+            </a:r>
+            <a:r>
+              <a:rPr lang="zh-CN" altLang="en-US" baseline="0" dirty="0" smtClean="0">
+                <a:hlinkClick r:id="rId3"/>
+              </a:rPr>
+              <a:t>，</a:t>
+            </a:r>
+            <a:endParaRPr lang="en-US" altLang="zh-CN" baseline="0" dirty="0" smtClean="0">
+              <a:hlinkClick r:id="rId3"/>
+            </a:endParaRPr>
+          </a:p>
+          <a:p>
+            <a:r>
+              <a:rPr lang="en-US" baseline="0" dirty="0" smtClean="0">
+                <a:hlinkClick r:id="rId3"/>
+              </a:rPr>
+              <a:t> </a:t>
+            </a:r>
+            <a:r>
+              <a:rPr lang="en-US" altLang="zh-CN" baseline="0" dirty="0" smtClean="0">
+                <a:hlinkClick r:id="rId3"/>
+              </a:rPr>
+              <a:t>backlog</a:t>
+            </a:r>
+            <a:r>
+              <a:rPr lang="zh-CN" altLang="en-US" baseline="0" dirty="0" smtClean="0">
+                <a:hlinkClick r:id="rId3"/>
+              </a:rPr>
+              <a:t>队列中，</a:t>
+            </a:r>
+            <a:endParaRPr lang="en-US" altLang="zh-CN" baseline="0" dirty="0" smtClean="0">
+              <a:hlinkClick r:id="rId3"/>
+            </a:endParaRPr>
+          </a:p>
+          <a:p>
+            <a:r>
+              <a:rPr lang="en-US" altLang="zh-CN" baseline="0" dirty="0" smtClean="0">
+                <a:hlinkClick r:id="rId3"/>
+              </a:rPr>
+              <a:t>4 </a:t>
+            </a:r>
+            <a:r>
+              <a:rPr lang="zh-CN" altLang="en-US" baseline="0" dirty="0" smtClean="0">
+                <a:hlinkClick r:id="rId3"/>
+              </a:rPr>
+              <a:t>。</a:t>
+            </a:r>
+            <a:r>
+              <a:rPr lang="en-US" altLang="zh-CN" baseline="0" dirty="0" err="1" smtClean="0">
+                <a:hlinkClick r:id="rId3"/>
+              </a:rPr>
+              <a:t>Savle</a:t>
+            </a:r>
+            <a:r>
+              <a:rPr lang="en-US" altLang="zh-CN" baseline="0" dirty="0" smtClean="0">
+                <a:hlinkClick r:id="rId3"/>
+              </a:rPr>
+              <a:t> </a:t>
+            </a:r>
+            <a:r>
+              <a:rPr lang="zh-CN" altLang="en-US" baseline="0" dirty="0" smtClean="0">
+                <a:hlinkClick r:id="rId3"/>
+              </a:rPr>
+              <a:t>重启或者其他故障，回复后发现 重复</a:t>
+            </a:r>
+            <a:r>
+              <a:rPr lang="en-US" altLang="zh-CN" baseline="0" dirty="0" smtClean="0">
+                <a:hlinkClick r:id="rId3"/>
+              </a:rPr>
+              <a:t> </a:t>
+            </a:r>
+            <a:endParaRPr lang="en-US" dirty="0" smtClean="0">
+              <a:hlinkClick r:id="rId3"/>
+            </a:endParaRPr>
+          </a:p>
+          <a:p>
+            <a:r>
               <a:rPr lang="en-US" dirty="0" smtClean="0">
                 <a:hlinkClick r:id="rId3"/>
               </a:rPr>
-              <a:t>https://redis.io/topics/replication</a:t>
+              <a:t>https</a:t>
+            </a:r>
+            <a:r>
+              <a:rPr lang="en-US" dirty="0" smtClean="0">
+                <a:hlinkClick r:id="rId3"/>
+              </a:rPr>
+              <a:t>://redis.io/topics/replication</a:t>
             </a:r>
             <a:endParaRPr lang="en-US" dirty="0" smtClean="0"/>
           </a:p>
@@ -3580,7 +3833,7 @@
     </p:spTree>
     <p:extLst>
       <p:ext uri="{BB962C8B-B14F-4D97-AF65-F5344CB8AC3E}">
-        <p14:creationId xmlns="" xmlns:p14="http://schemas.microsoft.com/office/powerpoint/2010/main" val="347096014"/>
+        <p14:creationId xmlns:p14="http://schemas.microsoft.com/office/powerpoint/2010/main" xmlns="" val="347096014"/>
       </p:ext>
     </p:extLst>
   </p:cSld>
@@ -3619,7 +3872,7 @@
           <a:blip r:embed="rId2">
             <a:extLst>
               <a:ext uri="{28A0092B-C50C-407E-A947-70E740481C1C}">
-                <a14:useLocalDpi xmlns="" xmlns:a14="http://schemas.microsoft.com/office/drawing/2010/main" val="0"/>
+                <a14:useLocalDpi xmlns:a14="http://schemas.microsoft.com/office/drawing/2010/main" xmlns="" val="0"/>
               </a:ext>
             </a:extLst>
           </a:blip>
@@ -3908,7 +4161,7 @@
           <a:blip r:embed="rId3">
             <a:extLst>
               <a:ext uri="{28A0092B-C50C-407E-A947-70E740481C1C}">
-                <a14:useLocalDpi xmlns="" xmlns:a14="http://schemas.microsoft.com/office/drawing/2010/main" val="0"/>
+                <a14:useLocalDpi xmlns:a14="http://schemas.microsoft.com/office/drawing/2010/main" xmlns="" val="0"/>
               </a:ext>
             </a:extLst>
           </a:blip>
@@ -4204,7 +4457,7 @@
           <a:blip r:embed="rId2">
             <a:extLst>
               <a:ext uri="{28A0092B-C50C-407E-A947-70E740481C1C}">
-                <a14:useLocalDpi xmlns="" xmlns:a14="http://schemas.microsoft.com/office/drawing/2010/main" val="0"/>
+                <a14:useLocalDpi xmlns:a14="http://schemas.microsoft.com/office/drawing/2010/main" xmlns="" val="0"/>
               </a:ext>
             </a:extLst>
           </a:blip>
@@ -4234,7 +4487,7 @@
           <a:blip r:embed="rId3">
             <a:extLst>
               <a:ext uri="{28A0092B-C50C-407E-A947-70E740481C1C}">
-                <a14:useLocalDpi xmlns="" xmlns:a14="http://schemas.microsoft.com/office/drawing/2010/main" val="0"/>
+                <a14:useLocalDpi xmlns:a14="http://schemas.microsoft.com/office/drawing/2010/main" xmlns="" val="0"/>
               </a:ext>
             </a:extLst>
           </a:blip>
@@ -4506,7 +4759,7 @@
           <a:blip r:embed="rId2">
             <a:extLst>
               <a:ext uri="{28A0092B-C50C-407E-A947-70E740481C1C}">
-                <a14:useLocalDpi xmlns="" xmlns:a14="http://schemas.microsoft.com/office/drawing/2010/main" val="0"/>
+                <a14:useLocalDpi xmlns:a14="http://schemas.microsoft.com/office/drawing/2010/main" xmlns="" val="0"/>
               </a:ext>
             </a:extLst>
           </a:blip>
@@ -4536,7 +4789,7 @@
           <a:blip r:embed="rId3">
             <a:extLst>
               <a:ext uri="{28A0092B-C50C-407E-A947-70E740481C1C}">
-                <a14:useLocalDpi xmlns="" xmlns:a14="http://schemas.microsoft.com/office/drawing/2010/main" val="0"/>
+                <a14:useLocalDpi xmlns:a14="http://schemas.microsoft.com/office/drawing/2010/main" xmlns="" val="0"/>
               </a:ext>
             </a:extLst>
           </a:blip>
@@ -4872,7 +5125,7 @@
           <a:blip r:embed="rId2">
             <a:extLst>
               <a:ext uri="{28A0092B-C50C-407E-A947-70E740481C1C}">
-                <a14:useLocalDpi xmlns="" xmlns:a14="http://schemas.microsoft.com/office/drawing/2010/main" val="0"/>
+                <a14:useLocalDpi xmlns:a14="http://schemas.microsoft.com/office/drawing/2010/main" xmlns="" val="0"/>
               </a:ext>
             </a:extLst>
           </a:blip>
@@ -4902,7 +5155,7 @@
           <a:blip r:embed="rId3">
             <a:extLst>
               <a:ext uri="{28A0092B-C50C-407E-A947-70E740481C1C}">
-                <a14:useLocalDpi xmlns="" xmlns:a14="http://schemas.microsoft.com/office/drawing/2010/main" val="0"/>
+                <a14:useLocalDpi xmlns:a14="http://schemas.microsoft.com/office/drawing/2010/main" xmlns="" val="0"/>
               </a:ext>
             </a:extLst>
           </a:blip>
@@ -5217,7 +5470,7 @@
           <a:blip r:embed="rId2">
             <a:extLst>
               <a:ext uri="{28A0092B-C50C-407E-A947-70E740481C1C}">
-                <a14:useLocalDpi xmlns="" xmlns:a14="http://schemas.microsoft.com/office/drawing/2010/main" val="0"/>
+                <a14:useLocalDpi xmlns:a14="http://schemas.microsoft.com/office/drawing/2010/main" xmlns="" val="0"/>
               </a:ext>
             </a:extLst>
           </a:blip>
@@ -5247,7 +5500,7 @@
           <a:blip r:embed="rId3">
             <a:extLst>
               <a:ext uri="{28A0092B-C50C-407E-A947-70E740481C1C}">
-                <a14:useLocalDpi xmlns="" xmlns:a14="http://schemas.microsoft.com/office/drawing/2010/main" val="0"/>
+                <a14:useLocalDpi xmlns:a14="http://schemas.microsoft.com/office/drawing/2010/main" xmlns="" val="0"/>
               </a:ext>
             </a:extLst>
           </a:blip>
@@ -5439,7 +5692,7 @@
             <a:fld id="{7BC3C6E0-25AE-8A44-A617-CADD813DE539}" type="datetime1">
               <a:rPr lang="zh-CN" altLang="en-US" smtClean="0"/>
               <a:pPr/>
-              <a:t>2020/3/18</a:t>
+              <a:t>2020/3/20</a:t>
             </a:fld>
             <a:endParaRPr lang="zh-CN" altLang="en-US" dirty="0"/>
           </a:p>
@@ -5663,7 +5916,7 @@
           <a:blip r:embed="rId2">
             <a:extLst>
               <a:ext uri="{28A0092B-C50C-407E-A947-70E740481C1C}">
-                <a14:useLocalDpi xmlns="" xmlns:a14="http://schemas.microsoft.com/office/drawing/2010/main" val="0"/>
+                <a14:useLocalDpi xmlns:a14="http://schemas.microsoft.com/office/drawing/2010/main" xmlns="" val="0"/>
               </a:ext>
             </a:extLst>
           </a:blip>
@@ -5849,7 +6102,7 @@
             <a:fld id="{B8DE94C4-0AC0-E74D-83DE-D1778C094258}" type="datetime1">
               <a:rPr lang="zh-CN" altLang="en-US" smtClean="0"/>
               <a:pPr/>
-              <a:t>2020/3/18</a:t>
+              <a:t>2020/3/20</a:t>
             </a:fld>
             <a:endParaRPr lang="zh-CN" altLang="en-US" dirty="0"/>
           </a:p>
@@ -6620,7 +6873,7 @@
     <a:masterClrMapping/>
   </p:clrMapOvr>
   <mc:AlternateContent xmlns:mc="http://schemas.openxmlformats.org/markup-compatibility/2006">
-    <mc:Choice xmlns="" xmlns:p14="http://schemas.microsoft.com/office/powerpoint/2010/main" Requires="p14">
+    <mc:Choice xmlns:p14="http://schemas.microsoft.com/office/powerpoint/2010/main" xmlns="" Requires="p14">
       <p:transition spd="slow" p14:dur="2000"/>
     </mc:Choice>
     <mc:Fallback>
@@ -6738,6 +6991,22 @@
             <a:endParaRPr lang="en-US" dirty="0" smtClean="0"/>
           </a:p>
           <a:p>
+            <a:r>
+              <a:rPr lang="en-US" dirty="0" smtClean="0"/>
+              <a:t> </a:t>
+            </a:r>
+            <a:r>
+              <a:rPr lang="en-US" altLang="zh-CN" dirty="0" smtClean="0"/>
+              <a:t>【</a:t>
+            </a:r>
+            <a:r>
+              <a:rPr dirty="0" smtClean="0"/>
+              <a:t>同步增量日志回访的方式。</a:t>
+            </a:r>
+            <a:r>
+              <a:rPr lang="en-US" altLang="zh-CN" dirty="0" smtClean="0"/>
+              <a:t>】</a:t>
+            </a:r>
             <a:endParaRPr lang="en-US" dirty="0"/>
           </a:p>
           <a:p>
@@ -6824,7 +7093,7 @@
     <a:masterClrMapping/>
   </p:clrMapOvr>
   <mc:AlternateContent xmlns:mc="http://schemas.openxmlformats.org/markup-compatibility/2006">
-    <mc:Choice xmlns="" xmlns:p14="http://schemas.microsoft.com/office/powerpoint/2010/main" Requires="p14">
+    <mc:Choice xmlns:p14="http://schemas.microsoft.com/office/powerpoint/2010/main" xmlns="" Requires="p14">
       <p:transition spd="slow" p14:dur="2000"/>
     </mc:Choice>
     <mc:Fallback>
@@ -6985,7 +7254,7 @@
           </a:p>
           <a:p>
             <a:r>
-              <a:rPr smtClean="0"/>
+              <a:rPr dirty="0" smtClean="0"/>
               <a:t>内存管理</a:t>
             </a:r>
             <a:endParaRPr dirty="0"/>
@@ -7012,7 +7281,19 @@
           <a:p>
             <a:r>
               <a:rPr lang="en-US" altLang="zh-CN" dirty="0" smtClean="0"/>
-              <a:t> MDB</a:t>
+              <a:t> </a:t>
+            </a:r>
+            <a:r>
+              <a:rPr lang="en-US" altLang="zh-CN" dirty="0" smtClean="0"/>
+              <a:t>MDB 【5</a:t>
+            </a:r>
+            <a:r>
+              <a:rPr lang="zh-CN" altLang="en-US" dirty="0" smtClean="0"/>
+              <a:t>分钟</a:t>
+            </a:r>
+            <a:r>
+              <a:rPr lang="en-US" altLang="zh-CN" dirty="0" smtClean="0"/>
+              <a:t>】</a:t>
             </a:r>
             <a:endParaRPr lang="zh-CN" altLang="en-US" dirty="0"/>
           </a:p>
@@ -7024,7 +7305,7 @@
     <a:masterClrMapping/>
   </p:clrMapOvr>
   <mc:AlternateContent xmlns:mc="http://schemas.openxmlformats.org/markup-compatibility/2006">
-    <mc:Choice xmlns="" xmlns:p14="http://schemas.microsoft.com/office/powerpoint/2010/main" Requires="p14">
+    <mc:Choice xmlns:p14="http://schemas.microsoft.com/office/powerpoint/2010/main" xmlns="" Requires="p14">
       <p:transition spd="slow" p14:dur="2000"/>
     </mc:Choice>
     <mc:Fallback>
@@ -7137,7 +7418,7 @@
     <a:masterClrMapping/>
   </p:clrMapOvr>
   <mc:AlternateContent xmlns:mc="http://schemas.openxmlformats.org/markup-compatibility/2006">
-    <mc:Choice xmlns="" xmlns:p14="http://schemas.microsoft.com/office/powerpoint/2010/main" Requires="p14">
+    <mc:Choice xmlns:p14="http://schemas.microsoft.com/office/powerpoint/2010/main" xmlns="" Requires="p14">
       <p:transition spd="slow" p14:dur="2000"/>
     </mc:Choice>
     <mc:Fallback>
@@ -7428,7 +7709,7 @@
     </p:spTree>
     <p:extLst>
       <p:ext uri="{BB962C8B-B14F-4D97-AF65-F5344CB8AC3E}">
-        <p14:creationId xmlns="" xmlns:p14="http://schemas.microsoft.com/office/powerpoint/2010/main" val="3313057596"/>
+        <p14:creationId xmlns:p14="http://schemas.microsoft.com/office/powerpoint/2010/main" xmlns="" val="3313057596"/>
       </p:ext>
     </p:extLst>
   </p:cSld>
@@ -8455,7 +8736,7 @@
     </p:spTree>
     <p:extLst>
       <p:ext uri="{BB962C8B-B14F-4D97-AF65-F5344CB8AC3E}">
-        <p14:creationId xmlns="" xmlns:p14="http://schemas.microsoft.com/office/powerpoint/2010/main" val="2327649552"/>
+        <p14:creationId xmlns:p14="http://schemas.microsoft.com/office/powerpoint/2010/main" xmlns="" val="2327649552"/>
       </p:ext>
     </p:extLst>
   </p:cSld>
@@ -10164,7 +10445,7 @@
     </p:spTree>
     <p:extLst>
       <p:ext uri="{BB962C8B-B14F-4D97-AF65-F5344CB8AC3E}">
-        <p14:creationId xmlns="" xmlns:p14="http://schemas.microsoft.com/office/powerpoint/2010/main" val="1923392337"/>
+        <p14:creationId xmlns:p14="http://schemas.microsoft.com/office/powerpoint/2010/main" xmlns="" val="1923392337"/>
       </p:ext>
     </p:extLst>
   </p:cSld>
@@ -10280,7 +10561,7 @@
     </p:spTree>
     <p:extLst>
       <p:ext uri="{BB962C8B-B14F-4D97-AF65-F5344CB8AC3E}">
-        <p14:creationId xmlns="" xmlns:p14="http://schemas.microsoft.com/office/powerpoint/2010/main" val="1923392337"/>
+        <p14:creationId xmlns:p14="http://schemas.microsoft.com/office/powerpoint/2010/main" xmlns="" val="1923392337"/>
       </p:ext>
     </p:extLst>
   </p:cSld>
@@ -10409,7 +10690,7 @@
     </p:spTree>
     <p:extLst>
       <p:ext uri="{BB962C8B-B14F-4D97-AF65-F5344CB8AC3E}">
-        <p14:creationId xmlns="" xmlns:p14="http://schemas.microsoft.com/office/powerpoint/2010/main" val="1923392337"/>
+        <p14:creationId xmlns:p14="http://schemas.microsoft.com/office/powerpoint/2010/main" xmlns="" val="1923392337"/>
       </p:ext>
     </p:extLst>
   </p:cSld>
@@ -10631,7 +10912,7 @@
     </p:spTree>
     <p:extLst>
       <p:ext uri="{BB962C8B-B14F-4D97-AF65-F5344CB8AC3E}">
-        <p14:creationId xmlns="" xmlns:p14="http://schemas.microsoft.com/office/powerpoint/2010/main" val="4095532216"/>
+        <p14:creationId xmlns:p14="http://schemas.microsoft.com/office/powerpoint/2010/main" xmlns="" val="4095532216"/>
       </p:ext>
     </p:extLst>
   </p:cSld>
@@ -11040,7 +11321,7 @@
     </p:spTree>
     <p:extLst>
       <p:ext uri="{BB962C8B-B14F-4D97-AF65-F5344CB8AC3E}">
-        <p14:creationId xmlns="" xmlns:p14="http://schemas.microsoft.com/office/powerpoint/2010/main" val="4095532216"/>
+        <p14:creationId xmlns:p14="http://schemas.microsoft.com/office/powerpoint/2010/main" xmlns="" val="4095532216"/>
       </p:ext>
     </p:extLst>
   </p:cSld>
@@ -11436,7 +11717,7 @@
     <a:masterClrMapping/>
   </p:clrMapOvr>
   <mc:AlternateContent xmlns:mc="http://schemas.openxmlformats.org/markup-compatibility/2006">
-    <mc:Choice xmlns="" xmlns:p14="http://schemas.microsoft.com/office/powerpoint/2010/main" Requires="p14">
+    <mc:Choice xmlns:p14="http://schemas.microsoft.com/office/powerpoint/2010/main" xmlns="" Requires="p14">
       <p:transition spd="slow" p14:dur="2000"/>
     </mc:Choice>
     <mc:Fallback>
@@ -11539,7 +11820,7 @@
     <a:masterClrMapping/>
   </p:clrMapOvr>
   <mc:AlternateContent xmlns:mc="http://schemas.openxmlformats.org/markup-compatibility/2006">
-    <mc:Choice xmlns="" xmlns:p14="http://schemas.microsoft.com/office/powerpoint/2010/main" Requires="p14">
+    <mc:Choice xmlns:p14="http://schemas.microsoft.com/office/powerpoint/2010/main" xmlns="" Requires="p14">
       <p:transition spd="slow" p14:dur="2000"/>
     </mc:Choice>
     <mc:Fallback>
@@ -11657,7 +11938,7 @@
     <a:masterClrMapping/>
   </p:clrMapOvr>
   <mc:AlternateContent xmlns:mc="http://schemas.openxmlformats.org/markup-compatibility/2006">
-    <mc:Choice xmlns="" xmlns:p14="http://schemas.microsoft.com/office/powerpoint/2010/main" Requires="p14">
+    <mc:Choice xmlns:p14="http://schemas.microsoft.com/office/powerpoint/2010/main" xmlns="" Requires="p14">
       <p:transition spd="slow" p14:dur="2000"/>
     </mc:Choice>
     <mc:Fallback>
@@ -11856,12 +12137,64 @@
         </p:nvSpPr>
         <p:spPr/>
         <p:txBody>
-          <a:bodyPr/>
+          <a:bodyPr>
+            <a:normAutofit fontScale="92500" lnSpcReduction="10000"/>
+          </a:bodyPr>
           <a:lstStyle/>
           <a:p>
             <a:r>
               <a:rPr altLang="en-US" dirty="0" smtClean="0"/>
-              <a:t>碎片：新来业务阻塞吗？</a:t>
+              <a:t>碎片：新来业务阻塞吗</a:t>
+            </a:r>
+            <a:r>
+              <a:rPr altLang="en-US" dirty="0" smtClean="0"/>
+              <a:t>？</a:t>
+            </a:r>
+            <a:endParaRPr lang="en-US" altLang="en-US" dirty="0" smtClean="0"/>
+          </a:p>
+          <a:p>
+            <a:pPr>
+              <a:buNone/>
+            </a:pPr>
+            <a:r>
+              <a:rPr lang="en-US" altLang="en-US" dirty="0"/>
+              <a:t> </a:t>
+            </a:r>
+            <a:r>
+              <a:rPr altLang="en-US" dirty="0" smtClean="0"/>
+              <a:t>在还没有确立</a:t>
+            </a:r>
+            <a:r>
+              <a:rPr lang="en-US" altLang="zh-CN" dirty="0" smtClean="0"/>
+              <a:t>new master</a:t>
+            </a:r>
+            <a:r>
+              <a:rPr dirty="0" smtClean="0"/>
+              <a:t>之前阻塞的，之后不阻塞，同步数据 </a:t>
+            </a:r>
+            <a:r>
+              <a:rPr lang="en-US" dirty="0" smtClean="0"/>
+              <a:t>1 </a:t>
+            </a:r>
+            <a:r>
+              <a:rPr dirty="0" smtClean="0"/>
+              <a:t>新建立不阻塞 </a:t>
+            </a:r>
+            <a:r>
+              <a:rPr lang="en-US" dirty="0" smtClean="0"/>
+              <a:t>3</a:t>
+            </a:r>
+            <a:r>
+              <a:rPr dirty="0" smtClean="0"/>
+              <a:t>全量同步阻塞 </a:t>
+            </a:r>
+            <a:r>
+              <a:rPr lang="en-US" dirty="0" smtClean="0"/>
+              <a:t>3 </a:t>
+            </a:r>
+            <a:r>
+              <a:rPr dirty="0" smtClean="0"/>
+              <a:t>命令同步或者异步传输，更阻塞</a:t>
             </a:r>
             <a:endParaRPr lang="en-US" altLang="en-US" dirty="0" smtClean="0"/>
           </a:p>
@@ -11883,9 +12216,333 @@
               <a:t>。</a:t>
             </a:r>
             <a:r>
-              <a:rPr lang="en-US" dirty="0" smtClean="0"/>
-              <a:t>	</a:t>
-            </a:r>
+              <a:rPr lang="en-US" altLang="zh-CN" dirty="0" smtClean="0"/>
+              <a:t>【new </a:t>
+            </a:r>
+            <a:r>
+              <a:rPr dirty="0" smtClean="0"/>
+              <a:t>不维护</a:t>
+            </a:r>
+            <a:r>
+              <a:rPr lang="en-US" altLang="zh-CN" dirty="0" smtClean="0"/>
+              <a:t>slave</a:t>
+            </a:r>
+            <a:r>
+              <a:rPr dirty="0" smtClean="0"/>
+              <a:t>一致性，</a:t>
+            </a:r>
+            <a:r>
+              <a:rPr lang="en-US" altLang="zh-CN" dirty="0" smtClean="0"/>
+              <a:t>salve</a:t>
+            </a:r>
+            <a:r>
+              <a:rPr dirty="0" smtClean="0"/>
+              <a:t>发起请</a:t>
+            </a:r>
+            <a:r>
+              <a:rPr lang="en-US" altLang="zh-CN" dirty="0" smtClean="0"/>
+              <a:t>】</a:t>
+            </a:r>
+          </a:p>
+          <a:p>
+            <a:endParaRPr lang="en-US" dirty="0"/>
+          </a:p>
+          <a:p>
+            <a:pPr>
+              <a:buNone/>
+            </a:pPr>
+            <a:r>
+              <a:rPr sz="1200" dirty="0" smtClean="0"/>
+              <a:t>同步方式：维护过，</a:t>
+            </a:r>
+            <a:r>
+              <a:rPr lang="en-US" altLang="zh-CN" sz="1200" dirty="0" err="1" smtClean="0"/>
+              <a:t>mysql</a:t>
+            </a:r>
+            <a:r>
+              <a:rPr lang="en-US" altLang="zh-CN" sz="1200" dirty="0" smtClean="0"/>
+              <a:t> oracle</a:t>
+            </a:r>
+            <a:r>
+              <a:rPr sz="1200" dirty="0" smtClean="0"/>
+              <a:t>肯定知道。</a:t>
+            </a:r>
+            <a:r>
+              <a:rPr sz="1200" dirty="0"/>
+              <a:t>全量，增量 </a:t>
+            </a:r>
+            <a:endParaRPr lang="en-US" altLang="zh-CN" sz="1200" dirty="0" smtClean="0"/>
+          </a:p>
+          <a:p>
+            <a:pPr>
+              <a:buNone/>
+            </a:pPr>
+            <a:r>
+              <a:rPr lang="en-US" altLang="zh-CN" sz="1200" dirty="0" err="1" smtClean="0"/>
+              <a:t>Redis</a:t>
+            </a:r>
+            <a:r>
+              <a:rPr sz="1200" dirty="0"/>
+              <a:t>在</a:t>
+            </a:r>
+            <a:endParaRPr lang="en-US" sz="1200" dirty="0" smtClean="0"/>
+          </a:p>
+          <a:p>
+            <a:pPr>
+              <a:buNone/>
+            </a:pPr>
+            <a:r>
+              <a:rPr sz="1200" dirty="0" smtClean="0"/>
+              <a:t>新的</a:t>
+            </a:r>
+            <a:r>
+              <a:rPr lang="en-US" altLang="zh-CN" sz="1200" dirty="0" smtClean="0"/>
+              <a:t>master</a:t>
+            </a:r>
+            <a:r>
+              <a:rPr sz="1200" dirty="0" smtClean="0"/>
+              <a:t>在选举成功之后，就可以为提供服务了，不阻塞</a:t>
+            </a:r>
+            <a:r>
+              <a:rPr lang="en-US" altLang="zh-CN" sz="1200" dirty="0" smtClean="0"/>
+              <a:t>client</a:t>
+            </a:r>
+            <a:r>
+              <a:rPr sz="1200" dirty="0" smtClean="0"/>
+              <a:t>请求。</a:t>
+            </a:r>
+            <a:endParaRPr lang="en-US" sz="1200" dirty="0" smtClean="0"/>
+          </a:p>
+          <a:p>
+            <a:pPr>
+              <a:buNone/>
+            </a:pPr>
+            <a:r>
+              <a:rPr sz="1200" dirty="0" smtClean="0"/>
+              <a:t>在数据不一致方面，依赖</a:t>
+            </a:r>
+            <a:r>
+              <a:rPr lang="en-US" altLang="zh-CN" sz="1200" dirty="0" smtClean="0"/>
+              <a:t>replication</a:t>
+            </a:r>
+            <a:r>
+              <a:rPr sz="1200" dirty="0" smtClean="0"/>
+              <a:t>过程。</a:t>
+            </a:r>
+            <a:endParaRPr lang="en-US" sz="1200" dirty="0" smtClean="0"/>
+          </a:p>
+          <a:p>
+            <a:pPr>
+              <a:buAutoNum type="arabicPeriod"/>
+            </a:pPr>
+            <a:r>
+              <a:rPr lang="en-US" altLang="zh-CN" sz="1200" dirty="0" smtClean="0"/>
+              <a:t>Salve</a:t>
+            </a:r>
+            <a:r>
+              <a:rPr sz="1200" dirty="0" smtClean="0"/>
+              <a:t>发起</a:t>
+            </a:r>
+            <a:r>
+              <a:rPr lang="en-US" altLang="zh-CN" sz="1200" dirty="0" err="1" smtClean="0"/>
+              <a:t>slaveof</a:t>
+            </a:r>
+            <a:r>
+              <a:rPr sz="1200" dirty="0" smtClean="0"/>
+              <a:t>命令建立链接 ，然后发起完全同步请求</a:t>
+            </a:r>
+            <a:r>
+              <a:rPr lang="en-US" sz="1200" dirty="0" smtClean="0"/>
+              <a:t>—</a:t>
+            </a:r>
+            <a:r>
+              <a:rPr sz="1200" dirty="0" smtClean="0">
+                <a:solidFill>
+                  <a:srgbClr val="FF0000"/>
+                </a:solidFill>
+              </a:rPr>
+              <a:t>建立链接</a:t>
+            </a:r>
+            <a:endParaRPr lang="en-US" sz="1200" dirty="0" smtClean="0">
+              <a:solidFill>
+                <a:srgbClr val="FF0000"/>
+              </a:solidFill>
+            </a:endParaRPr>
+          </a:p>
+          <a:p>
+            <a:pPr>
+              <a:buAutoNum type="arabicPeriod"/>
+            </a:pPr>
+            <a:r>
+              <a:rPr lang="en-US" altLang="zh-CN" sz="1200" dirty="0" smtClean="0"/>
+              <a:t>Master </a:t>
+            </a:r>
+            <a:r>
+              <a:rPr lang="en-US" altLang="zh-CN" sz="1200" dirty="0"/>
+              <a:t> </a:t>
+            </a:r>
+            <a:r>
+              <a:rPr sz="1200" dirty="0"/>
+              <a:t>传输</a:t>
+            </a:r>
+            <a:r>
+              <a:rPr lang="en-US" altLang="zh-CN" sz="1200" dirty="0" smtClean="0"/>
+              <a:t>fork</a:t>
+            </a:r>
+            <a:r>
+              <a:rPr sz="1200" dirty="0" smtClean="0"/>
+              <a:t>进程 产生</a:t>
+            </a:r>
+            <a:r>
+              <a:rPr lang="en-US" altLang="zh-CN" sz="1200" dirty="0" err="1" smtClean="0"/>
+              <a:t>rdb</a:t>
+            </a:r>
+            <a:r>
+              <a:rPr sz="1200" dirty="0" smtClean="0"/>
+              <a:t>文件后，在期间的命令作为客户端全部发送大</a:t>
+            </a:r>
+            <a:r>
+              <a:rPr lang="en-US" altLang="zh-CN" sz="1200" dirty="0" smtClean="0"/>
+              <a:t>slave</a:t>
+            </a:r>
+            <a:r>
+              <a:rPr lang="en-US" altLang="zh-CN" sz="1200" dirty="0"/>
+              <a:t>-</a:t>
+            </a:r>
+            <a:r>
+              <a:rPr sz="1200" dirty="0" smtClean="0">
+                <a:solidFill>
+                  <a:srgbClr val="FF0000"/>
+                </a:solidFill>
+              </a:rPr>
+              <a:t>完全同步（全量</a:t>
+            </a:r>
+            <a:r>
+              <a:rPr sz="1200" dirty="0">
+                <a:solidFill>
+                  <a:srgbClr val="FF0000"/>
+                </a:solidFill>
+              </a:rPr>
+              <a:t>文件</a:t>
+            </a:r>
+            <a:r>
+              <a:rPr lang="en-US" sz="1200" dirty="0" smtClean="0">
+                <a:solidFill>
+                  <a:srgbClr val="FF0000"/>
+                </a:solidFill>
+              </a:rPr>
+              <a:t>+</a:t>
+            </a:r>
+            <a:r>
+              <a:rPr sz="1200" dirty="0" smtClean="0">
+                <a:solidFill>
+                  <a:srgbClr val="FF0000"/>
+                </a:solidFill>
+              </a:rPr>
+              <a:t>全部增量命令）</a:t>
+            </a:r>
+            <a:endParaRPr lang="en-US" sz="1200" dirty="0" smtClean="0">
+              <a:solidFill>
+                <a:srgbClr val="FF0000"/>
+              </a:solidFill>
+            </a:endParaRPr>
+          </a:p>
+          <a:p>
+            <a:pPr>
+              <a:buAutoNum type="arabicPeriod"/>
+            </a:pPr>
+            <a:r>
+              <a:rPr sz="1200" dirty="0" smtClean="0">
+                <a:solidFill>
+                  <a:srgbClr val="FF0000"/>
+                </a:solidFill>
+              </a:rPr>
+              <a:t>在数据完一致后，</a:t>
+            </a:r>
+            <a:r>
+              <a:rPr lang="en-US" altLang="zh-CN" sz="1200" dirty="0" smtClean="0">
+                <a:solidFill>
+                  <a:srgbClr val="FF0000"/>
+                </a:solidFill>
+              </a:rPr>
+              <a:t>master </a:t>
+            </a:r>
+            <a:r>
+              <a:rPr sz="1200" dirty="0" smtClean="0">
+                <a:solidFill>
+                  <a:srgbClr val="FF0000"/>
+                </a:solidFill>
+              </a:rPr>
+              <a:t>命令传播，根据配置完成同步或者异步的命令的复制。如果</a:t>
+            </a:r>
+            <a:r>
+              <a:rPr lang="en-US" altLang="zh-CN" sz="1200" dirty="0" smtClean="0">
+                <a:solidFill>
+                  <a:srgbClr val="FF0000"/>
+                </a:solidFill>
+              </a:rPr>
+              <a:t>backlog</a:t>
+            </a:r>
+            <a:r>
+              <a:rPr sz="1200" dirty="0" smtClean="0">
+                <a:solidFill>
+                  <a:srgbClr val="FF0000"/>
+                </a:solidFill>
+              </a:rPr>
+              <a:t>队列无法解决，重复（</a:t>
+            </a:r>
+            <a:r>
+              <a:rPr sz="1200" dirty="0">
+                <a:solidFill>
+                  <a:srgbClr val="FF0000"/>
+                </a:solidFill>
+              </a:rPr>
+              <a:t>全部</a:t>
+            </a:r>
+            <a:r>
+              <a:rPr sz="1200" dirty="0" smtClean="0">
+                <a:solidFill>
+                  <a:srgbClr val="FF0000"/>
+                </a:solidFill>
+              </a:rPr>
+              <a:t>增量命令）</a:t>
+            </a:r>
+            <a:endParaRPr lang="en-US" sz="1200" dirty="0" smtClean="0">
+              <a:solidFill>
+                <a:srgbClr val="FF0000"/>
+              </a:solidFill>
+            </a:endParaRPr>
+          </a:p>
+          <a:p>
+            <a:pPr>
+              <a:buAutoNum type="arabicPeriod"/>
+            </a:pPr>
+            <a:endParaRPr lang="en-US" sz="1200" dirty="0">
+              <a:solidFill>
+                <a:srgbClr val="FF0000"/>
+              </a:solidFill>
+            </a:endParaRPr>
+          </a:p>
+          <a:p>
+            <a:pPr>
+              <a:buAutoNum type="arabicPeriod"/>
+            </a:pPr>
+            <a:endParaRPr lang="en-US" sz="1200" dirty="0" smtClean="0">
+              <a:solidFill>
+                <a:srgbClr val="FF0000"/>
+              </a:solidFill>
+            </a:endParaRPr>
+          </a:p>
+          <a:p>
+            <a:pPr>
+              <a:buAutoNum type="arabicPeriod"/>
+            </a:pPr>
+            <a:endParaRPr lang="en-US" sz="1200" dirty="0" smtClean="0"/>
+          </a:p>
+          <a:p>
+            <a:pPr>
+              <a:buAutoNum type="arabicPeriod"/>
+            </a:pPr>
             <a:endParaRPr lang="en-US" altLang="en-US" dirty="0" smtClean="0"/>
           </a:p>
           <a:p>
@@ -11906,7 +12563,26 @@
             <p:ph type="title"/>
           </p:nvPr>
         </p:nvSpPr>
-        <p:spPr/>
+        <p:spPr>
+          <a:xfrm>
+            <a:off x="417600" y="230400"/>
+            <a:ext cx="8512118" cy="857250"/>
+          </a:xfrm>
+        </p:spPr>
+        <p:style>
+          <a:lnRef idx="3">
+            <a:schemeClr val="lt1"/>
+          </a:lnRef>
+          <a:fillRef idx="1">
+            <a:schemeClr val="accent3"/>
+          </a:fillRef>
+          <a:effectRef idx="1">
+            <a:schemeClr val="accent3"/>
+          </a:effectRef>
+          <a:fontRef idx="minor">
+            <a:schemeClr val="lt1"/>
+          </a:fontRef>
+        </p:style>
         <p:txBody>
           <a:bodyPr/>
           <a:lstStyle/>
@@ -12133,7 +12809,7 @@
     <a:masterClrMapping/>
   </p:clrMapOvr>
   <mc:AlternateContent xmlns:mc="http://schemas.openxmlformats.org/markup-compatibility/2006">
-    <mc:Choice xmlns="" xmlns:p14="http://schemas.microsoft.com/office/powerpoint/2010/main" Requires="p14">
+    <mc:Choice xmlns:p14="http://schemas.microsoft.com/office/powerpoint/2010/main" xmlns="" Requires="p14">
       <p:transition spd="slow" p14:dur="2000"/>
     </mc:Choice>
     <mc:Fallback>
@@ -12475,7 +13151,7 @@
   <a:extraClrSchemeLst/>
   <a:extLst>
     <a:ext uri="{05A4C25C-085E-4340-85A3-A5531E510DB2}">
-      <thm15:themeFamily xmlns:thm15="http://schemas.microsoft.com/office/thememl/2012/main" xmlns="" name="Office Theme" id="{62F939B6-93AF-4DB8-9C6B-D6C7DFDC589F}" vid="{4A3C46E8-61CC-4603-A589-7422A47A8E4A}"/>
+      <thm15:themeFamily xmlns="" xmlns:thm15="http://schemas.microsoft.com/office/thememl/2012/main" name="Office Theme" id="{62F939B6-93AF-4DB8-9C6B-D6C7DFDC589F}" vid="{4A3C46E8-61CC-4603-A589-7422A47A8E4A}"/>
     </a:ext>
   </a:extLst>
 </a:theme>
@@ -12736,7 +13412,7 @@
   <a:extraClrSchemeLst/>
   <a:extLst>
     <a:ext uri="{05A4C25C-085E-4340-85A3-A5531E510DB2}">
-      <thm15:themeFamily xmlns:thm15="http://schemas.microsoft.com/office/thememl/2012/main" xmlns="" name="Office Theme" id="{62F939B6-93AF-4DB8-9C6B-D6C7DFDC589F}" vid="{4A3C46E8-61CC-4603-A589-7422A47A8E4A}"/>
+      <thm15:themeFamily xmlns="" xmlns:thm15="http://schemas.microsoft.com/office/thememl/2012/main" name="Office Theme" id="{62F939B6-93AF-4DB8-9C6B-D6C7DFDC589F}" vid="{4A3C46E8-61CC-4603-A589-7422A47A8E4A}"/>
     </a:ext>
   </a:extLst>
 </a:theme>

--- a/ppt/2020/实战项目.pptx
+++ b/ppt/2020/实战项目.pptx
@@ -218,7 +218,7 @@
             <a:fld id="{5F920F0F-0E56-2B45-B1BF-268524318682}" type="datetimeFigureOut">
               <a:rPr kumimoji="1" lang="zh-CN" altLang="en-US" smtClean="0"/>
               <a:pPr/>
-              <a:t>2020/3/20</a:t>
+              <a:t>2020/3/25</a:t>
             </a:fld>
             <a:endParaRPr kumimoji="1" lang="zh-CN" altLang="en-US"/>
           </a:p>
@@ -294,7 +294,7 @@
     </p:spTree>
     <p:extLst>
       <p:ext uri="{BB962C8B-B14F-4D97-AF65-F5344CB8AC3E}">
-        <p14:creationId xmlns:p14="http://schemas.microsoft.com/office/powerpoint/2010/main" xmlns="" val="3407571201"/>
+        <p14:creationId xmlns="" xmlns:p14="http://schemas.microsoft.com/office/powerpoint/2010/main" val="3407571201"/>
       </p:ext>
     </p:extLst>
   </p:cSld>
@@ -386,7 +386,7 @@
             <a:fld id="{FB86081A-1E41-D34E-AC33-11FD77CCCD8D}" type="datetimeFigureOut">
               <a:rPr kumimoji="1" lang="zh-CN" altLang="en-US" smtClean="0"/>
               <a:pPr/>
-              <a:t>2020/3/20</a:t>
+              <a:t>2020/3/25</a:t>
             </a:fld>
             <a:endParaRPr kumimoji="1" lang="zh-CN" altLang="en-US"/>
           </a:p>
@@ -555,7 +555,7 @@
     </p:spTree>
     <p:extLst>
       <p:ext uri="{BB962C8B-B14F-4D97-AF65-F5344CB8AC3E}">
-        <p14:creationId xmlns:p14="http://schemas.microsoft.com/office/powerpoint/2010/main" xmlns="" val="2106316760"/>
+        <p14:creationId xmlns="" xmlns:p14="http://schemas.microsoft.com/office/powerpoint/2010/main" val="2106316760"/>
       </p:ext>
     </p:extLst>
   </p:cSld>
@@ -1266,7 +1266,7 @@
     </p:spTree>
     <p:extLst>
       <p:ext uri="{BB962C8B-B14F-4D97-AF65-F5344CB8AC3E}">
-        <p14:creationId xmlns:p14="http://schemas.microsoft.com/office/powerpoint/2010/main" xmlns="" val="347096014"/>
+        <p14:creationId xmlns="" xmlns:p14="http://schemas.microsoft.com/office/powerpoint/2010/main" val="347096014"/>
       </p:ext>
     </p:extLst>
   </p:cSld>
@@ -1357,7 +1357,7 @@
     </p:spTree>
     <p:extLst>
       <p:ext uri="{BB962C8B-B14F-4D97-AF65-F5344CB8AC3E}">
-        <p14:creationId xmlns:p14="http://schemas.microsoft.com/office/powerpoint/2010/main" xmlns="" val="855118000"/>
+        <p14:creationId xmlns="" xmlns:p14="http://schemas.microsoft.com/office/powerpoint/2010/main" val="855118000"/>
       </p:ext>
     </p:extLst>
   </p:cSld>
@@ -1411,6 +1411,409 @@
           <a:bodyPr/>
           <a:lstStyle/>
           <a:p>
+            <a:endParaRPr lang="en-US" altLang="zh-CN" sz="1200" b="1" i="0" kern="1200" dirty="0" smtClean="0">
+              <a:solidFill>
+                <a:schemeClr val="tx1"/>
+              </a:solidFill>
+              <a:latin typeface="+mn-lt"/>
+              <a:ea typeface="+mn-ea"/>
+              <a:cs typeface="+mn-cs"/>
+            </a:endParaRPr>
+          </a:p>
+          <a:p>
+            <a:r>
+              <a:rPr lang="zh-CN" altLang="en-US" sz="1200" b="1" i="0" kern="1200" dirty="0" smtClean="0">
+                <a:solidFill>
+                  <a:schemeClr val="tx1"/>
+                </a:solidFill>
+                <a:latin typeface="+mn-lt"/>
+                <a:ea typeface="+mn-ea"/>
+                <a:cs typeface="+mn-cs"/>
+              </a:rPr>
+              <a:t>措施一：功能分离</a:t>
+            </a:r>
+            <a:endParaRPr lang="en-US" altLang="zh-CN" sz="1200" b="1" i="0" kern="1200" dirty="0" smtClean="0">
+              <a:solidFill>
+                <a:schemeClr val="tx1"/>
+              </a:solidFill>
+              <a:latin typeface="+mn-lt"/>
+              <a:ea typeface="+mn-ea"/>
+              <a:cs typeface="+mn-cs"/>
+            </a:endParaRPr>
+          </a:p>
+          <a:p>
+            <a:r>
+              <a:rPr lang="zh-CN" altLang="en-US" sz="1200" b="1" i="0" kern="1200" dirty="0" smtClean="0">
+                <a:solidFill>
+                  <a:schemeClr val="tx1"/>
+                </a:solidFill>
+                <a:latin typeface="+mn-lt"/>
+                <a:ea typeface="+mn-ea"/>
+                <a:cs typeface="+mn-cs"/>
+              </a:rPr>
+              <a:t>措施二：就绪列表 </a:t>
+            </a:r>
+            <a:endParaRPr lang="en-US" altLang="zh-CN" sz="1200" b="1" i="0" kern="1200" dirty="0" smtClean="0">
+              <a:solidFill>
+                <a:schemeClr val="tx1"/>
+              </a:solidFill>
+              <a:latin typeface="+mn-lt"/>
+              <a:ea typeface="+mn-ea"/>
+              <a:cs typeface="+mn-cs"/>
+            </a:endParaRPr>
+          </a:p>
+          <a:p>
+            <a:r>
+              <a:rPr lang="zh-CN" altLang="en-US" sz="1200" b="1" i="0" kern="1200" dirty="0" smtClean="0">
+                <a:solidFill>
+                  <a:schemeClr val="tx1"/>
+                </a:solidFill>
+                <a:latin typeface="+mn-lt"/>
+                <a:ea typeface="+mn-ea"/>
+                <a:cs typeface="+mn-cs"/>
+              </a:rPr>
+              <a:t>措施三：用户</a:t>
+            </a:r>
+            <a:r>
+              <a:rPr lang="en-US" altLang="zh-CN" sz="1200" b="1" i="0" kern="1200" dirty="0" err="1" smtClean="0">
+                <a:solidFill>
+                  <a:schemeClr val="tx1"/>
+                </a:solidFill>
+                <a:latin typeface="+mn-lt"/>
+                <a:ea typeface="+mn-ea"/>
+                <a:cs typeface="+mn-cs"/>
+              </a:rPr>
+              <a:t>epoll</a:t>
+            </a:r>
+            <a:r>
+              <a:rPr lang="zh-CN" altLang="en-US" sz="1200" b="1" i="0" kern="1200" dirty="0" smtClean="0">
+                <a:solidFill>
+                  <a:schemeClr val="tx1"/>
+                </a:solidFill>
+                <a:latin typeface="+mn-lt"/>
+                <a:ea typeface="+mn-ea"/>
+                <a:cs typeface="+mn-cs"/>
+              </a:rPr>
+              <a:t>处理期间，内核继续响应软终端。</a:t>
+            </a:r>
+            <a:endParaRPr lang="en-US" altLang="zh-CN" sz="1200" b="1" i="0" kern="1200" dirty="0" smtClean="0">
+              <a:solidFill>
+                <a:schemeClr val="tx1"/>
+              </a:solidFill>
+              <a:latin typeface="+mn-lt"/>
+              <a:ea typeface="+mn-ea"/>
+              <a:cs typeface="+mn-cs"/>
+            </a:endParaRPr>
+          </a:p>
+          <a:p>
+            <a:endParaRPr lang="en-US" altLang="zh-CN" sz="1200" b="1" i="0" kern="1200" dirty="0" smtClean="0">
+              <a:solidFill>
+                <a:schemeClr val="tx1"/>
+              </a:solidFill>
+              <a:latin typeface="+mn-lt"/>
+              <a:ea typeface="+mn-ea"/>
+              <a:cs typeface="+mn-cs"/>
+            </a:endParaRPr>
+          </a:p>
+          <a:p>
+            <a:r>
+              <a:rPr lang="en-US" sz="1200" b="0" i="0" kern="1200" dirty="0" err="1" smtClean="0">
+                <a:solidFill>
+                  <a:schemeClr val="tx1"/>
+                </a:solidFill>
+                <a:latin typeface="+mn-lt"/>
+                <a:ea typeface="+mn-ea"/>
+                <a:cs typeface="+mn-cs"/>
+              </a:rPr>
+              <a:t>epoll</a:t>
+            </a:r>
+            <a:r>
+              <a:rPr lang="en-US" sz="1200" b="0" i="0" kern="1200" dirty="0" smtClean="0">
+                <a:solidFill>
+                  <a:schemeClr val="tx1"/>
+                </a:solidFill>
+                <a:latin typeface="+mn-lt"/>
+                <a:ea typeface="+mn-ea"/>
+                <a:cs typeface="+mn-cs"/>
+              </a:rPr>
+              <a:t> </a:t>
+            </a:r>
+            <a:r>
+              <a:rPr lang="zh-CN" altLang="en-US" sz="1200" b="0" i="0" kern="1200" dirty="0" smtClean="0">
+                <a:solidFill>
+                  <a:schemeClr val="tx1"/>
+                </a:solidFill>
+                <a:latin typeface="+mn-lt"/>
+                <a:ea typeface="+mn-ea"/>
+                <a:cs typeface="+mn-cs"/>
+              </a:rPr>
+              <a:t>在 </a:t>
+            </a:r>
+            <a:r>
+              <a:rPr lang="en-US" sz="1200" b="0" i="0" kern="1200" dirty="0" smtClean="0">
+                <a:solidFill>
+                  <a:schemeClr val="tx1"/>
+                </a:solidFill>
+                <a:latin typeface="+mn-lt"/>
+                <a:ea typeface="+mn-ea"/>
+                <a:cs typeface="+mn-cs"/>
+              </a:rPr>
+              <a:t>select </a:t>
+            </a:r>
+            <a:r>
+              <a:rPr lang="zh-CN" altLang="en-US" sz="1200" b="0" i="0" kern="1200" dirty="0" smtClean="0">
+                <a:solidFill>
+                  <a:schemeClr val="tx1"/>
+                </a:solidFill>
+                <a:latin typeface="+mn-lt"/>
+                <a:ea typeface="+mn-ea"/>
+                <a:cs typeface="+mn-cs"/>
+              </a:rPr>
+              <a:t>和 </a:t>
+            </a:r>
+            <a:r>
+              <a:rPr lang="en-US" sz="1200" b="0" i="0" kern="1200" dirty="0" err="1" smtClean="0">
+                <a:solidFill>
+                  <a:schemeClr val="tx1"/>
+                </a:solidFill>
+                <a:latin typeface="+mn-lt"/>
+                <a:ea typeface="+mn-ea"/>
+                <a:cs typeface="+mn-cs"/>
+              </a:rPr>
+              <a:t>poll（poll</a:t>
+            </a:r>
+            <a:r>
+              <a:rPr lang="en-US" sz="1200" b="0" i="0" kern="1200" dirty="0" smtClean="0">
+                <a:solidFill>
+                  <a:schemeClr val="tx1"/>
+                </a:solidFill>
+                <a:latin typeface="+mn-lt"/>
+                <a:ea typeface="+mn-ea"/>
+                <a:cs typeface="+mn-cs"/>
+              </a:rPr>
+              <a:t> </a:t>
+            </a:r>
+            <a:r>
+              <a:rPr lang="zh-CN" altLang="en-US" sz="1200" b="0" i="0" kern="1200" dirty="0" smtClean="0">
+                <a:solidFill>
+                  <a:schemeClr val="tx1"/>
+                </a:solidFill>
+                <a:latin typeface="+mn-lt"/>
+                <a:ea typeface="+mn-ea"/>
+                <a:cs typeface="+mn-cs"/>
+              </a:rPr>
+              <a:t>和 </a:t>
+            </a:r>
+            <a:r>
+              <a:rPr lang="en-US" sz="1200" b="0" i="0" kern="1200" dirty="0" smtClean="0">
+                <a:solidFill>
+                  <a:schemeClr val="tx1"/>
+                </a:solidFill>
+                <a:latin typeface="+mn-lt"/>
+                <a:ea typeface="+mn-ea"/>
+                <a:cs typeface="+mn-cs"/>
+              </a:rPr>
+              <a:t>select </a:t>
+            </a:r>
+            <a:r>
+              <a:rPr lang="zh-CN" altLang="en-US" sz="1200" b="0" i="0" kern="1200" dirty="0" smtClean="0">
+                <a:solidFill>
+                  <a:schemeClr val="tx1"/>
+                </a:solidFill>
+                <a:latin typeface="+mn-lt"/>
+                <a:ea typeface="+mn-ea"/>
+                <a:cs typeface="+mn-cs"/>
+              </a:rPr>
+              <a:t>基本一样，有少量改进）的基础引入了 </a:t>
+            </a:r>
+            <a:r>
+              <a:rPr lang="en-US" sz="1200" b="0" i="0" kern="1200" dirty="0" err="1" smtClean="0">
+                <a:solidFill>
+                  <a:schemeClr val="tx1"/>
+                </a:solidFill>
+                <a:latin typeface="+mn-lt"/>
+                <a:ea typeface="+mn-ea"/>
+                <a:cs typeface="+mn-cs"/>
+              </a:rPr>
+              <a:t>eventpoll</a:t>
+            </a:r>
+            <a:r>
+              <a:rPr lang="en-US" sz="1200" b="0" i="0" kern="1200" dirty="0" smtClean="0">
+                <a:solidFill>
+                  <a:schemeClr val="tx1"/>
+                </a:solidFill>
+                <a:latin typeface="+mn-lt"/>
+                <a:ea typeface="+mn-ea"/>
+                <a:cs typeface="+mn-cs"/>
+              </a:rPr>
+              <a:t> </a:t>
+            </a:r>
+            <a:r>
+              <a:rPr lang="zh-CN" altLang="en-US" sz="1200" b="0" i="0" kern="1200" dirty="0" smtClean="0">
+                <a:solidFill>
+                  <a:schemeClr val="tx1"/>
+                </a:solidFill>
+                <a:latin typeface="+mn-lt"/>
+                <a:ea typeface="+mn-ea"/>
+                <a:cs typeface="+mn-cs"/>
+              </a:rPr>
+              <a:t>作为中间层，使用了先进的数据结构，是一种高效的多路复用技术。</a:t>
+            </a:r>
+            <a:endParaRPr lang="en-US" altLang="zh-CN" sz="1200" b="0" i="0" kern="1200" smtClean="0">
+              <a:solidFill>
+                <a:schemeClr val="tx1"/>
+              </a:solidFill>
+              <a:latin typeface="+mn-lt"/>
+              <a:ea typeface="+mn-ea"/>
+              <a:cs typeface="+mn-cs"/>
+            </a:endParaRPr>
+          </a:p>
+          <a:p>
+            <a:endParaRPr lang="en-US" dirty="0" smtClean="0">
+              <a:hlinkClick r:id="rId3"/>
+            </a:endParaRPr>
+          </a:p>
+          <a:p>
+            <a:r>
+              <a:rPr lang="en-US" dirty="0" smtClean="0">
+                <a:hlinkClick r:id="rId3"/>
+              </a:rPr>
+              <a:t>https://www.6aiq.com/article/1564634702930</a:t>
+            </a:r>
+            <a:endParaRPr lang="en-US" dirty="0" smtClean="0">
+              <a:hlinkClick r:id="rId4"/>
+            </a:endParaRPr>
+          </a:p>
+          <a:p>
+            <a:r>
+              <a:rPr lang="en-US" dirty="0" smtClean="0">
+                <a:hlinkClick r:id="rId4"/>
+              </a:rPr>
+              <a:t>https://idndx.com/2015/07/08/the-implementation-of-epoll-4/</a:t>
+            </a:r>
+            <a:endParaRPr lang="en-US" dirty="0" smtClean="0">
+              <a:hlinkClick r:id="rId5"/>
+            </a:endParaRPr>
+          </a:p>
+          <a:p>
+            <a:r>
+              <a:rPr lang="en-US" dirty="0" smtClean="0">
+                <a:hlinkClick r:id="rId5"/>
+              </a:rPr>
+              <a:t>https://zhuanlan.zhihu.com/p/93609693</a:t>
+            </a:r>
+            <a:endParaRPr lang="en-US" dirty="0" smtClean="0"/>
+          </a:p>
+          <a:p>
+            <a:endParaRPr lang="en-US" altLang="zh-CN" sz="1200" b="0" i="0" kern="1200" dirty="0" smtClean="0">
+              <a:solidFill>
+                <a:schemeClr val="tx1"/>
+              </a:solidFill>
+              <a:latin typeface="+mn-lt"/>
+              <a:ea typeface="+mn-ea"/>
+              <a:cs typeface="+mn-cs"/>
+            </a:endParaRPr>
+          </a:p>
+          <a:p>
+            <a:r>
+              <a:rPr lang="zh-CN" altLang="en-US" sz="1200" b="0" i="0" kern="1200" dirty="0" smtClean="0">
+                <a:solidFill>
+                  <a:schemeClr val="tx1"/>
+                </a:solidFill>
+                <a:latin typeface="+mn-lt"/>
+                <a:ea typeface="+mn-ea"/>
+                <a:cs typeface="+mn-cs"/>
+              </a:rPr>
+              <a:t>一个连接的内存消耗是</a:t>
+            </a:r>
+            <a:r>
+              <a:rPr lang="en-US" altLang="zh-CN" sz="1200" b="0" i="0" kern="1200" dirty="0" smtClean="0">
+                <a:solidFill>
+                  <a:schemeClr val="tx1"/>
+                </a:solidFill>
+                <a:latin typeface="+mn-lt"/>
+                <a:ea typeface="+mn-ea"/>
+                <a:cs typeface="+mn-cs"/>
+              </a:rPr>
+              <a:t>4+4+4+4=16K</a:t>
+            </a:r>
+            <a:r>
+              <a:rPr lang="zh-CN" altLang="en-US" dirty="0" smtClean="0"/>
+              <a:t/>
+            </a:r>
+            <a:br>
+              <a:rPr lang="zh-CN" altLang="en-US" dirty="0" smtClean="0"/>
+            </a:br>
+            <a:r>
+              <a:rPr lang="en-US" altLang="zh-CN" sz="1200" b="1" i="0" kern="1200" dirty="0" smtClean="0">
+                <a:solidFill>
+                  <a:schemeClr val="tx1"/>
+                </a:solidFill>
+                <a:latin typeface="+mn-lt"/>
+                <a:ea typeface="+mn-ea"/>
+                <a:cs typeface="+mn-cs"/>
+              </a:rPr>
+              <a:t>4G/16K=26.2</a:t>
+            </a:r>
+            <a:r>
+              <a:rPr lang="zh-CN" altLang="en-US" sz="1200" b="1" i="0" kern="1200" dirty="0" smtClean="0">
+                <a:solidFill>
+                  <a:schemeClr val="tx1"/>
+                </a:solidFill>
+                <a:latin typeface="+mn-lt"/>
+                <a:ea typeface="+mn-ea"/>
+                <a:cs typeface="+mn-cs"/>
+              </a:rPr>
+              <a:t>万并发</a:t>
+            </a:r>
+            <a:endParaRPr lang="en-US" altLang="zh-CN" sz="1200" b="1" i="0" kern="1200" dirty="0" smtClean="0">
+              <a:solidFill>
+                <a:schemeClr val="tx1"/>
+              </a:solidFill>
+              <a:latin typeface="+mn-lt"/>
+              <a:ea typeface="+mn-ea"/>
+              <a:cs typeface="+mn-cs"/>
+            </a:endParaRPr>
+          </a:p>
+          <a:p>
+            <a:r>
+              <a:rPr lang="en-US" dirty="0" smtClean="0">
+                <a:hlinkClick r:id="rId6"/>
+              </a:rPr>
+              <a:t>https://www.zhihu.com/question/30772664</a:t>
+            </a:r>
+            <a:endParaRPr lang="en-US" dirty="0" smtClean="0"/>
+          </a:p>
+          <a:p>
+            <a:endParaRPr lang="en-US" altLang="zh-CN" dirty="0" smtClean="0"/>
+          </a:p>
+          <a:p>
+            <a:r>
+              <a:rPr lang="en-US" dirty="0" smtClean="0">
+                <a:hlinkClick r:id="rId5"/>
+              </a:rPr>
+              <a:t>https://zhuanlan.zhihu.com</a:t>
+            </a:r>
+          </a:p>
+          <a:p>
+            <a:r>
+              <a:rPr lang="en-US" dirty="0" smtClean="0">
+                <a:hlinkClick r:id="rId5"/>
+              </a:rPr>
+              <a:t>/p/93609693</a:t>
+            </a:r>
+            <a:endParaRPr lang="en-US" dirty="0" smtClean="0"/>
+          </a:p>
+          <a:p>
+            <a:endParaRPr lang="en-US" altLang="zh-CN" dirty="0" smtClean="0"/>
+          </a:p>
+          <a:p>
+            <a:r>
+              <a:rPr lang="en-US" dirty="0" smtClean="0">
+                <a:hlinkClick r:id="rId7"/>
+              </a:rPr>
+              <a:t>https://idndx.com/2014/09/01/the-implementation-of-epoll-1/</a:t>
+            </a:r>
             <a:endParaRPr lang="zh-CN" altLang="en-US" dirty="0"/>
           </a:p>
         </p:txBody>
@@ -1442,7 +1845,7 @@
     </p:spTree>
     <p:extLst>
       <p:ext uri="{BB962C8B-B14F-4D97-AF65-F5344CB8AC3E}">
-        <p14:creationId xmlns:p14="http://schemas.microsoft.com/office/powerpoint/2010/main" xmlns="" val="855118000"/>
+        <p14:creationId xmlns="" xmlns:p14="http://schemas.microsoft.com/office/powerpoint/2010/main" val="855118000"/>
       </p:ext>
     </p:extLst>
   </p:cSld>
@@ -1792,7 +2195,7 @@
     </p:spTree>
     <p:extLst>
       <p:ext uri="{BB962C8B-B14F-4D97-AF65-F5344CB8AC3E}">
-        <p14:creationId xmlns:p14="http://schemas.microsoft.com/office/powerpoint/2010/main" xmlns="" val="855118000"/>
+        <p14:creationId xmlns="" xmlns:p14="http://schemas.microsoft.com/office/powerpoint/2010/main" val="855118000"/>
       </p:ext>
     </p:extLst>
   </p:cSld>
@@ -2642,13 +3045,7 @@
               <a:rPr lang="en-US" dirty="0" smtClean="0">
                 <a:hlinkClick r:id="rId3"/>
               </a:rPr>
-              <a:t>https</a:t>
-            </a:r>
-            <a:r>
-              <a:rPr lang="en-US" dirty="0" smtClean="0">
-                <a:hlinkClick r:id="rId3"/>
-              </a:rPr>
-              <a:t>://redis.io/topics/replication</a:t>
+              <a:t>https://redis.io/topics/replication</a:t>
             </a:r>
             <a:endParaRPr lang="en-US" dirty="0" smtClean="0"/>
           </a:p>
@@ -3833,7 +4230,7 @@
     </p:spTree>
     <p:extLst>
       <p:ext uri="{BB962C8B-B14F-4D97-AF65-F5344CB8AC3E}">
-        <p14:creationId xmlns:p14="http://schemas.microsoft.com/office/powerpoint/2010/main" xmlns="" val="347096014"/>
+        <p14:creationId xmlns="" xmlns:p14="http://schemas.microsoft.com/office/powerpoint/2010/main" val="347096014"/>
       </p:ext>
     </p:extLst>
   </p:cSld>
@@ -3872,7 +4269,7 @@
           <a:blip r:embed="rId2">
             <a:extLst>
               <a:ext uri="{28A0092B-C50C-407E-A947-70E740481C1C}">
-                <a14:useLocalDpi xmlns:a14="http://schemas.microsoft.com/office/drawing/2010/main" xmlns="" val="0"/>
+                <a14:useLocalDpi xmlns="" xmlns:a14="http://schemas.microsoft.com/office/drawing/2010/main" val="0"/>
               </a:ext>
             </a:extLst>
           </a:blip>
@@ -4161,7 +4558,7 @@
           <a:blip r:embed="rId3">
             <a:extLst>
               <a:ext uri="{28A0092B-C50C-407E-A947-70E740481C1C}">
-                <a14:useLocalDpi xmlns:a14="http://schemas.microsoft.com/office/drawing/2010/main" xmlns="" val="0"/>
+                <a14:useLocalDpi xmlns="" xmlns:a14="http://schemas.microsoft.com/office/drawing/2010/main" val="0"/>
               </a:ext>
             </a:extLst>
           </a:blip>
@@ -4457,7 +4854,7 @@
           <a:blip r:embed="rId2">
             <a:extLst>
               <a:ext uri="{28A0092B-C50C-407E-A947-70E740481C1C}">
-                <a14:useLocalDpi xmlns:a14="http://schemas.microsoft.com/office/drawing/2010/main" xmlns="" val="0"/>
+                <a14:useLocalDpi xmlns="" xmlns:a14="http://schemas.microsoft.com/office/drawing/2010/main" val="0"/>
               </a:ext>
             </a:extLst>
           </a:blip>
@@ -4487,7 +4884,7 @@
           <a:blip r:embed="rId3">
             <a:extLst>
               <a:ext uri="{28A0092B-C50C-407E-A947-70E740481C1C}">
-                <a14:useLocalDpi xmlns:a14="http://schemas.microsoft.com/office/drawing/2010/main" xmlns="" val="0"/>
+                <a14:useLocalDpi xmlns="" xmlns:a14="http://schemas.microsoft.com/office/drawing/2010/main" val="0"/>
               </a:ext>
             </a:extLst>
           </a:blip>
@@ -4759,7 +5156,7 @@
           <a:blip r:embed="rId2">
             <a:extLst>
               <a:ext uri="{28A0092B-C50C-407E-A947-70E740481C1C}">
-                <a14:useLocalDpi xmlns:a14="http://schemas.microsoft.com/office/drawing/2010/main" xmlns="" val="0"/>
+                <a14:useLocalDpi xmlns="" xmlns:a14="http://schemas.microsoft.com/office/drawing/2010/main" val="0"/>
               </a:ext>
             </a:extLst>
           </a:blip>
@@ -4789,7 +5186,7 @@
           <a:blip r:embed="rId3">
             <a:extLst>
               <a:ext uri="{28A0092B-C50C-407E-A947-70E740481C1C}">
-                <a14:useLocalDpi xmlns:a14="http://schemas.microsoft.com/office/drawing/2010/main" xmlns="" val="0"/>
+                <a14:useLocalDpi xmlns="" xmlns:a14="http://schemas.microsoft.com/office/drawing/2010/main" val="0"/>
               </a:ext>
             </a:extLst>
           </a:blip>
@@ -5125,7 +5522,7 @@
           <a:blip r:embed="rId2">
             <a:extLst>
               <a:ext uri="{28A0092B-C50C-407E-A947-70E740481C1C}">
-                <a14:useLocalDpi xmlns:a14="http://schemas.microsoft.com/office/drawing/2010/main" xmlns="" val="0"/>
+                <a14:useLocalDpi xmlns="" xmlns:a14="http://schemas.microsoft.com/office/drawing/2010/main" val="0"/>
               </a:ext>
             </a:extLst>
           </a:blip>
@@ -5155,7 +5552,7 @@
           <a:blip r:embed="rId3">
             <a:extLst>
               <a:ext uri="{28A0092B-C50C-407E-A947-70E740481C1C}">
-                <a14:useLocalDpi xmlns:a14="http://schemas.microsoft.com/office/drawing/2010/main" xmlns="" val="0"/>
+                <a14:useLocalDpi xmlns="" xmlns:a14="http://schemas.microsoft.com/office/drawing/2010/main" val="0"/>
               </a:ext>
             </a:extLst>
           </a:blip>
@@ -5470,7 +5867,7 @@
           <a:blip r:embed="rId2">
             <a:extLst>
               <a:ext uri="{28A0092B-C50C-407E-A947-70E740481C1C}">
-                <a14:useLocalDpi xmlns:a14="http://schemas.microsoft.com/office/drawing/2010/main" xmlns="" val="0"/>
+                <a14:useLocalDpi xmlns="" xmlns:a14="http://schemas.microsoft.com/office/drawing/2010/main" val="0"/>
               </a:ext>
             </a:extLst>
           </a:blip>
@@ -5500,7 +5897,7 @@
           <a:blip r:embed="rId3">
             <a:extLst>
               <a:ext uri="{28A0092B-C50C-407E-A947-70E740481C1C}">
-                <a14:useLocalDpi xmlns:a14="http://schemas.microsoft.com/office/drawing/2010/main" xmlns="" val="0"/>
+                <a14:useLocalDpi xmlns="" xmlns:a14="http://schemas.microsoft.com/office/drawing/2010/main" val="0"/>
               </a:ext>
             </a:extLst>
           </a:blip>
@@ -5692,7 +6089,7 @@
             <a:fld id="{7BC3C6E0-25AE-8A44-A617-CADD813DE539}" type="datetime1">
               <a:rPr lang="zh-CN" altLang="en-US" smtClean="0"/>
               <a:pPr/>
-              <a:t>2020/3/20</a:t>
+              <a:t>2020/3/25</a:t>
             </a:fld>
             <a:endParaRPr lang="zh-CN" altLang="en-US" dirty="0"/>
           </a:p>
@@ -5916,7 +6313,7 @@
           <a:blip r:embed="rId2">
             <a:extLst>
               <a:ext uri="{28A0092B-C50C-407E-A947-70E740481C1C}">
-                <a14:useLocalDpi xmlns:a14="http://schemas.microsoft.com/office/drawing/2010/main" xmlns="" val="0"/>
+                <a14:useLocalDpi xmlns="" xmlns:a14="http://schemas.microsoft.com/office/drawing/2010/main" val="0"/>
               </a:ext>
             </a:extLst>
           </a:blip>
@@ -6102,7 +6499,7 @@
             <a:fld id="{B8DE94C4-0AC0-E74D-83DE-D1778C094258}" type="datetime1">
               <a:rPr lang="zh-CN" altLang="en-US" smtClean="0"/>
               <a:pPr/>
-              <a:t>2020/3/20</a:t>
+              <a:t>2020/3/25</a:t>
             </a:fld>
             <a:endParaRPr lang="zh-CN" altLang="en-US" dirty="0"/>
           </a:p>
@@ -6873,7 +7270,7 @@
     <a:masterClrMapping/>
   </p:clrMapOvr>
   <mc:AlternateContent xmlns:mc="http://schemas.openxmlformats.org/markup-compatibility/2006">
-    <mc:Choice xmlns:p14="http://schemas.microsoft.com/office/powerpoint/2010/main" xmlns="" Requires="p14">
+    <mc:Choice xmlns="" xmlns:p14="http://schemas.microsoft.com/office/powerpoint/2010/main" Requires="p14">
       <p:transition spd="slow" p14:dur="2000"/>
     </mc:Choice>
     <mc:Fallback>
@@ -7093,7 +7490,7 @@
     <a:masterClrMapping/>
   </p:clrMapOvr>
   <mc:AlternateContent xmlns:mc="http://schemas.openxmlformats.org/markup-compatibility/2006">
-    <mc:Choice xmlns:p14="http://schemas.microsoft.com/office/powerpoint/2010/main" xmlns="" Requires="p14">
+    <mc:Choice xmlns="" xmlns:p14="http://schemas.microsoft.com/office/powerpoint/2010/main" Requires="p14">
       <p:transition spd="slow" p14:dur="2000"/>
     </mc:Choice>
     <mc:Fallback>
@@ -7281,11 +7678,7 @@
           <a:p>
             <a:r>
               <a:rPr lang="en-US" altLang="zh-CN" dirty="0" smtClean="0"/>
-              <a:t> </a:t>
-            </a:r>
-            <a:r>
-              <a:rPr lang="en-US" altLang="zh-CN" dirty="0" smtClean="0"/>
-              <a:t>MDB 【5</a:t>
+              <a:t> MDB 【5</a:t>
             </a:r>
             <a:r>
               <a:rPr lang="zh-CN" altLang="en-US" dirty="0" smtClean="0"/>
@@ -7305,7 +7698,7 @@
     <a:masterClrMapping/>
   </p:clrMapOvr>
   <mc:AlternateContent xmlns:mc="http://schemas.openxmlformats.org/markup-compatibility/2006">
-    <mc:Choice xmlns:p14="http://schemas.microsoft.com/office/powerpoint/2010/main" xmlns="" Requires="p14">
+    <mc:Choice xmlns="" xmlns:p14="http://schemas.microsoft.com/office/powerpoint/2010/main" Requires="p14">
       <p:transition spd="slow" p14:dur="2000"/>
     </mc:Choice>
     <mc:Fallback>
@@ -7418,7 +7811,7 @@
     <a:masterClrMapping/>
   </p:clrMapOvr>
   <mc:AlternateContent xmlns:mc="http://schemas.openxmlformats.org/markup-compatibility/2006">
-    <mc:Choice xmlns:p14="http://schemas.microsoft.com/office/powerpoint/2010/main" xmlns="" Requires="p14">
+    <mc:Choice xmlns="" xmlns:p14="http://schemas.microsoft.com/office/powerpoint/2010/main" Requires="p14">
       <p:transition spd="slow" p14:dur="2000"/>
     </mc:Choice>
     <mc:Fallback>
@@ -7709,7 +8102,7 @@
     </p:spTree>
     <p:extLst>
       <p:ext uri="{BB962C8B-B14F-4D97-AF65-F5344CB8AC3E}">
-        <p14:creationId xmlns:p14="http://schemas.microsoft.com/office/powerpoint/2010/main" xmlns="" val="3313057596"/>
+        <p14:creationId xmlns="" xmlns:p14="http://schemas.microsoft.com/office/powerpoint/2010/main" val="3313057596"/>
       </p:ext>
     </p:extLst>
   </p:cSld>
@@ -8736,7 +9129,7 @@
     </p:spTree>
     <p:extLst>
       <p:ext uri="{BB962C8B-B14F-4D97-AF65-F5344CB8AC3E}">
-        <p14:creationId xmlns:p14="http://schemas.microsoft.com/office/powerpoint/2010/main" xmlns="" val="2327649552"/>
+        <p14:creationId xmlns="" xmlns:p14="http://schemas.microsoft.com/office/powerpoint/2010/main" val="2327649552"/>
       </p:ext>
     </p:extLst>
   </p:cSld>
@@ -10445,7 +10838,7 @@
     </p:spTree>
     <p:extLst>
       <p:ext uri="{BB962C8B-B14F-4D97-AF65-F5344CB8AC3E}">
-        <p14:creationId xmlns:p14="http://schemas.microsoft.com/office/powerpoint/2010/main" xmlns="" val="1923392337"/>
+        <p14:creationId xmlns="" xmlns:p14="http://schemas.microsoft.com/office/powerpoint/2010/main" val="1923392337"/>
       </p:ext>
     </p:extLst>
   </p:cSld>
@@ -10494,6 +10887,68 @@
           <a:bodyPr/>
           <a:lstStyle/>
           <a:p>
+            <a:pPr>
+              <a:buNone/>
+            </a:pPr>
+            <a:r>
+              <a:rPr altLang="en-US" dirty="0" smtClean="0"/>
+              <a:t>假设你业务已经完成，并且没有问题，不需要在这方面优化</a:t>
+            </a:r>
+            <a:endParaRPr lang="en-US" altLang="en-US" dirty="0" smtClean="0"/>
+          </a:p>
+          <a:p>
+            <a:pPr>
+              <a:buFontTx/>
+              <a:buChar char="-"/>
+            </a:pPr>
+            <a:r>
+              <a:rPr altLang="en-US" dirty="0" smtClean="0"/>
+              <a:t>单机并发 </a:t>
+            </a:r>
+            <a:r>
+              <a:rPr lang="en-US" altLang="en-US" dirty="0"/>
+              <a:t> </a:t>
+            </a:r>
+            <a:r>
+              <a:rPr lang="en-US" altLang="zh-CN" dirty="0" err="1" smtClean="0"/>
+              <a:t>st</a:t>
+            </a:r>
+            <a:r>
+              <a:rPr lang="en-US" altLang="zh-CN" dirty="0" smtClean="0"/>
+              <a:t>/</a:t>
+            </a:r>
+            <a:r>
+              <a:rPr lang="en-US" altLang="zh-CN" dirty="0" err="1" smtClean="0"/>
+              <a:t>epoll</a:t>
+            </a:r>
+            <a:r>
+              <a:rPr lang="en-US" altLang="zh-CN" dirty="0" smtClean="0"/>
+              <a:t> </a:t>
+            </a:r>
+            <a:r>
+              <a:rPr dirty="0" smtClean="0"/>
+              <a:t>并发限制</a:t>
+            </a:r>
+            <a:endParaRPr lang="en-US" dirty="0" smtClean="0"/>
+          </a:p>
+          <a:p>
+            <a:pPr>
+              <a:buNone/>
+            </a:pPr>
+            <a:r>
+              <a:rPr lang="en-US" dirty="0" smtClean="0"/>
+              <a:t> #</a:t>
+            </a:r>
+            <a:r>
+              <a:rPr lang="en-US" dirty="0"/>
+              <a:t>define ST_EPOLL_EVTLIST_SIZE 4096</a:t>
+            </a:r>
+          </a:p>
+          <a:p>
+            <a:pPr>
+              <a:buFontTx/>
+              <a:buChar char="-"/>
+            </a:pPr>
             <a:endParaRPr lang="en-US" altLang="en-US" dirty="0" smtClean="0"/>
           </a:p>
         </p:txBody>
@@ -10561,7 +11016,7 @@
     </p:spTree>
     <p:extLst>
       <p:ext uri="{BB962C8B-B14F-4D97-AF65-F5344CB8AC3E}">
-        <p14:creationId xmlns:p14="http://schemas.microsoft.com/office/powerpoint/2010/main" xmlns="" val="1923392337"/>
+        <p14:creationId xmlns="" xmlns:p14="http://schemas.microsoft.com/office/powerpoint/2010/main" val="1923392337"/>
       </p:ext>
     </p:extLst>
   </p:cSld>
@@ -10690,7 +11145,7 @@
     </p:spTree>
     <p:extLst>
       <p:ext uri="{BB962C8B-B14F-4D97-AF65-F5344CB8AC3E}">
-        <p14:creationId xmlns:p14="http://schemas.microsoft.com/office/powerpoint/2010/main" xmlns="" val="1923392337"/>
+        <p14:creationId xmlns="" xmlns:p14="http://schemas.microsoft.com/office/powerpoint/2010/main" val="1923392337"/>
       </p:ext>
     </p:extLst>
   </p:cSld>
@@ -10912,7 +11367,7 @@
     </p:spTree>
     <p:extLst>
       <p:ext uri="{BB962C8B-B14F-4D97-AF65-F5344CB8AC3E}">
-        <p14:creationId xmlns:p14="http://schemas.microsoft.com/office/powerpoint/2010/main" xmlns="" val="4095532216"/>
+        <p14:creationId xmlns="" xmlns:p14="http://schemas.microsoft.com/office/powerpoint/2010/main" val="4095532216"/>
       </p:ext>
     </p:extLst>
   </p:cSld>
@@ -11321,7 +11776,7 @@
     </p:spTree>
     <p:extLst>
       <p:ext uri="{BB962C8B-B14F-4D97-AF65-F5344CB8AC3E}">
-        <p14:creationId xmlns:p14="http://schemas.microsoft.com/office/powerpoint/2010/main" xmlns="" val="4095532216"/>
+        <p14:creationId xmlns="" xmlns:p14="http://schemas.microsoft.com/office/powerpoint/2010/main" val="4095532216"/>
       </p:ext>
     </p:extLst>
   </p:cSld>
@@ -11717,7 +12172,7 @@
     <a:masterClrMapping/>
   </p:clrMapOvr>
   <mc:AlternateContent xmlns:mc="http://schemas.openxmlformats.org/markup-compatibility/2006">
-    <mc:Choice xmlns:p14="http://schemas.microsoft.com/office/powerpoint/2010/main" xmlns="" Requires="p14">
+    <mc:Choice xmlns="" xmlns:p14="http://schemas.microsoft.com/office/powerpoint/2010/main" Requires="p14">
       <p:transition spd="slow" p14:dur="2000"/>
     </mc:Choice>
     <mc:Fallback>
@@ -11820,7 +12275,7 @@
     <a:masterClrMapping/>
   </p:clrMapOvr>
   <mc:AlternateContent xmlns:mc="http://schemas.openxmlformats.org/markup-compatibility/2006">
-    <mc:Choice xmlns:p14="http://schemas.microsoft.com/office/powerpoint/2010/main" xmlns="" Requires="p14">
+    <mc:Choice xmlns="" xmlns:p14="http://schemas.microsoft.com/office/powerpoint/2010/main" Requires="p14">
       <p:transition spd="slow" p14:dur="2000"/>
     </mc:Choice>
     <mc:Fallback>
@@ -11938,7 +12393,7 @@
     <a:masterClrMapping/>
   </p:clrMapOvr>
   <mc:AlternateContent xmlns:mc="http://schemas.openxmlformats.org/markup-compatibility/2006">
-    <mc:Choice xmlns:p14="http://schemas.microsoft.com/office/powerpoint/2010/main" xmlns="" Requires="p14">
+    <mc:Choice xmlns="" xmlns:p14="http://schemas.microsoft.com/office/powerpoint/2010/main" Requires="p14">
       <p:transition spd="slow" p14:dur="2000"/>
     </mc:Choice>
     <mc:Fallback>
@@ -12144,11 +12599,7 @@
           <a:p>
             <a:r>
               <a:rPr altLang="en-US" dirty="0" smtClean="0"/>
-              <a:t>碎片：新来业务阻塞吗</a:t>
-            </a:r>
-            <a:r>
-              <a:rPr altLang="en-US" dirty="0" smtClean="0"/>
-              <a:t>？</a:t>
+              <a:t>碎片：新来业务阻塞吗？</a:t>
             </a:r>
             <a:endParaRPr lang="en-US" altLang="en-US" dirty="0" smtClean="0"/>
           </a:p>
@@ -12809,7 +13260,7 @@
     <a:masterClrMapping/>
   </p:clrMapOvr>
   <mc:AlternateContent xmlns:mc="http://schemas.openxmlformats.org/markup-compatibility/2006">
-    <mc:Choice xmlns:p14="http://schemas.microsoft.com/office/powerpoint/2010/main" xmlns="" Requires="p14">
+    <mc:Choice xmlns="" xmlns:p14="http://schemas.microsoft.com/office/powerpoint/2010/main" Requires="p14">
       <p:transition spd="slow" p14:dur="2000"/>
     </mc:Choice>
     <mc:Fallback>
@@ -13151,7 +13602,7 @@
   <a:extraClrSchemeLst/>
   <a:extLst>
     <a:ext uri="{05A4C25C-085E-4340-85A3-A5531E510DB2}">
-      <thm15:themeFamily xmlns="" xmlns:thm15="http://schemas.microsoft.com/office/thememl/2012/main" name="Office Theme" id="{62F939B6-93AF-4DB8-9C6B-D6C7DFDC589F}" vid="{4A3C46E8-61CC-4603-A589-7422A47A8E4A}"/>
+      <thm15:themeFamily xmlns:thm15="http://schemas.microsoft.com/office/thememl/2012/main" xmlns="" name="Office Theme" id="{62F939B6-93AF-4DB8-9C6B-D6C7DFDC589F}" vid="{4A3C46E8-61CC-4603-A589-7422A47A8E4A}"/>
     </a:ext>
   </a:extLst>
 </a:theme>
@@ -13412,7 +13863,7 @@
   <a:extraClrSchemeLst/>
   <a:extLst>
     <a:ext uri="{05A4C25C-085E-4340-85A3-A5531E510DB2}">
-      <thm15:themeFamily xmlns="" xmlns:thm15="http://schemas.microsoft.com/office/thememl/2012/main" name="Office Theme" id="{62F939B6-93AF-4DB8-9C6B-D6C7DFDC589F}" vid="{4A3C46E8-61CC-4603-A589-7422A47A8E4A}"/>
+      <thm15:themeFamily xmlns:thm15="http://schemas.microsoft.com/office/thememl/2012/main" xmlns="" name="Office Theme" id="{62F939B6-93AF-4DB8-9C6B-D6C7DFDC589F}" vid="{4A3C46E8-61CC-4603-A589-7422A47A8E4A}"/>
     </a:ext>
   </a:extLst>
 </a:theme>

--- a/ppt/2020/实战项目.pptx
+++ b/ppt/2020/实战项目.pptx
@@ -215,7 +215,7 @@
             <a:fld id="{5F920F0F-0E56-2B45-B1BF-268524318682}" type="datetimeFigureOut">
               <a:rPr kumimoji="1" lang="zh-CN" altLang="en-US" smtClean="0"/>
               <a:pPr/>
-              <a:t>2020/4/6</a:t>
+              <a:t>2020/4/29</a:t>
             </a:fld>
             <a:endParaRPr kumimoji="1" lang="zh-CN" altLang="en-US"/>
           </a:p>
@@ -291,7 +291,7 @@
     </p:spTree>
     <p:extLst>
       <p:ext uri="{BB962C8B-B14F-4D97-AF65-F5344CB8AC3E}">
-        <p14:creationId xmlns:p14="http://schemas.microsoft.com/office/powerpoint/2010/main" val="3407571201"/>
+        <p14:creationId xmlns:p14="http://schemas.microsoft.com/office/powerpoint/2010/main" xmlns="" val="3407571201"/>
       </p:ext>
     </p:extLst>
   </p:cSld>
@@ -383,7 +383,7 @@
             <a:fld id="{FB86081A-1E41-D34E-AC33-11FD77CCCD8D}" type="datetimeFigureOut">
               <a:rPr kumimoji="1" lang="zh-CN" altLang="en-US" smtClean="0"/>
               <a:pPr/>
-              <a:t>2020/4/6</a:t>
+              <a:t>2020/4/29</a:t>
             </a:fld>
             <a:endParaRPr kumimoji="1" lang="zh-CN" altLang="en-US"/>
           </a:p>
@@ -552,7 +552,7 @@
     </p:spTree>
     <p:extLst>
       <p:ext uri="{BB962C8B-B14F-4D97-AF65-F5344CB8AC3E}">
-        <p14:creationId xmlns:p14="http://schemas.microsoft.com/office/powerpoint/2010/main" val="2106316760"/>
+        <p14:creationId xmlns:p14="http://schemas.microsoft.com/office/powerpoint/2010/main" xmlns="" val="2106316760"/>
       </p:ext>
     </p:extLst>
   </p:cSld>
@@ -2049,7 +2049,7 @@
     </p:spTree>
     <p:extLst>
       <p:ext uri="{BB962C8B-B14F-4D97-AF65-F5344CB8AC3E}">
-        <p14:creationId xmlns:p14="http://schemas.microsoft.com/office/powerpoint/2010/main" val="347096014"/>
+        <p14:creationId xmlns:p14="http://schemas.microsoft.com/office/powerpoint/2010/main" xmlns="" val="347096014"/>
       </p:ext>
     </p:extLst>
   </p:cSld>
@@ -2479,7 +2479,7 @@
     </p:spTree>
     <p:extLst>
       <p:ext uri="{BB962C8B-B14F-4D97-AF65-F5344CB8AC3E}">
-        <p14:creationId xmlns:p14="http://schemas.microsoft.com/office/powerpoint/2010/main" val="347096014"/>
+        <p14:creationId xmlns:p14="http://schemas.microsoft.com/office/powerpoint/2010/main" xmlns="" val="347096014"/>
       </p:ext>
     </p:extLst>
   </p:cSld>
@@ -2533,13 +2533,7 @@
           <a:bodyPr/>
           <a:lstStyle/>
           <a:p>
-            <a:r>
-              <a:rPr lang="en-US" altLang="zh-CN" smtClean="0">
-                <a:hlinkClick r:id="rId3"/>
-              </a:rPr>
-              <a:t>https://www.infoq.cn/article/UiKyF*4zxplSrpWZ5km1</a:t>
-            </a:r>
-            <a:endParaRPr lang="zh-CN" altLang="en-US"/>
+            <a:endParaRPr lang="zh-CN" altLang="en-US" dirty="0"/>
           </a:p>
         </p:txBody>
       </p:sp>
@@ -2570,7 +2564,7 @@
     </p:spTree>
     <p:extLst>
       <p:ext uri="{BB962C8B-B14F-4D97-AF65-F5344CB8AC3E}">
-        <p14:creationId xmlns:p14="http://schemas.microsoft.com/office/powerpoint/2010/main" val="855118000"/>
+        <p14:creationId xmlns:p14="http://schemas.microsoft.com/office/powerpoint/2010/main" xmlns="" val="855118000"/>
       </p:ext>
     </p:extLst>
   </p:cSld>
@@ -2625,12 +2619,90 @@
           <a:lstStyle/>
           <a:p>
             <a:r>
-              <a:rPr lang="en-US" altLang="zh-CN" smtClean="0">
+              <a:rPr lang="en-US" altLang="zh-CN" dirty="0" smtClean="0">
                 <a:hlinkClick r:id="rId3"/>
               </a:rPr>
-              <a:t>https://www.infoq.cn/article/UiKyF*4zxplSrpWZ5km1</a:t>
-            </a:r>
-            <a:endParaRPr lang="zh-CN" altLang="en-US"/>
+              <a:t>https://</a:t>
+            </a:r>
+            <a:r>
+              <a:rPr lang="en-US" altLang="zh-CN" dirty="0" smtClean="0">
+                <a:hlinkClick r:id="rId3"/>
+              </a:rPr>
+              <a:t>www.infoq.cn/article/UiKyF*4zxplSrpWZ5km1</a:t>
+            </a:r>
+            <a:endParaRPr lang="en-US" altLang="zh-CN" dirty="0" smtClean="0"/>
+          </a:p>
+          <a:p>
+            <a:endParaRPr lang="en-US" altLang="zh-CN" dirty="0" smtClean="0"/>
+          </a:p>
+          <a:p>
+            <a:endParaRPr lang="en-US" altLang="zh-CN" dirty="0" smtClean="0"/>
+          </a:p>
+          <a:p>
+            <a:pPr marL="0" marR="0" indent="0" algn="l" defTabSz="914400" rtl="0" eaLnBrk="1" fontAlgn="auto" latinLnBrk="0" hangingPunct="1">
+              <a:lnSpc>
+                <a:spcPct val="100000"/>
+              </a:lnSpc>
+              <a:spcBef>
+                <a:spcPts val="0"/>
+              </a:spcBef>
+              <a:spcAft>
+                <a:spcPts val="0"/>
+              </a:spcAft>
+              <a:buClrTx/>
+              <a:buSzTx/>
+              <a:buFontTx/>
+              <a:buNone/>
+              <a:tabLst/>
+              <a:defRPr/>
+            </a:pPr>
+            <a:r>
+              <a:rPr lang="en-US" altLang="zh-CN" sz="1200" b="1" i="0" kern="1200" dirty="0" smtClean="0">
+                <a:solidFill>
+                  <a:schemeClr val="tx1"/>
+                </a:solidFill>
+                <a:latin typeface="+mn-lt"/>
+                <a:ea typeface="+mn-ea"/>
+                <a:cs typeface="+mn-cs"/>
+              </a:rPr>
+              <a:t>TCP/IP</a:t>
+            </a:r>
+            <a:r>
+              <a:rPr lang="zh-CN" altLang="en-US" sz="1200" b="1" i="0" kern="1200" dirty="0" smtClean="0">
+                <a:solidFill>
+                  <a:schemeClr val="tx1"/>
+                </a:solidFill>
+                <a:latin typeface="+mn-lt"/>
+                <a:ea typeface="+mn-ea"/>
+                <a:cs typeface="+mn-cs"/>
+              </a:rPr>
+              <a:t>详解 卷</a:t>
+            </a:r>
+            <a:r>
+              <a:rPr lang="en-US" altLang="zh-CN" sz="1200" b="1" i="0" kern="1200" dirty="0" smtClean="0">
+                <a:solidFill>
+                  <a:schemeClr val="tx1"/>
+                </a:solidFill>
+                <a:latin typeface="+mn-lt"/>
+                <a:ea typeface="+mn-ea"/>
+                <a:cs typeface="+mn-cs"/>
+              </a:rPr>
+              <a:t>2</a:t>
+            </a:r>
+            <a:r>
+              <a:rPr lang="zh-CN" altLang="en-US" sz="1200" b="1" i="0" kern="1200" dirty="0" smtClean="0">
+                <a:solidFill>
+                  <a:schemeClr val="tx1"/>
+                </a:solidFill>
+                <a:latin typeface="+mn-lt"/>
+                <a:ea typeface="+mn-ea"/>
+                <a:cs typeface="+mn-cs"/>
+              </a:rPr>
+              <a:t>：实现</a:t>
+            </a:r>
+          </a:p>
+          <a:p>
+            <a:endParaRPr lang="zh-CN" altLang="en-US" dirty="0"/>
           </a:p>
         </p:txBody>
       </p:sp>
@@ -2661,7 +2733,7 @@
     </p:spTree>
     <p:extLst>
       <p:ext uri="{BB962C8B-B14F-4D97-AF65-F5344CB8AC3E}">
-        <p14:creationId xmlns:p14="http://schemas.microsoft.com/office/powerpoint/2010/main" val="855118000"/>
+        <p14:creationId xmlns:p14="http://schemas.microsoft.com/office/powerpoint/2010/main" xmlns="" val="855118000"/>
       </p:ext>
     </p:extLst>
   </p:cSld>
@@ -2700,7 +2772,7 @@
           <a:blip r:embed="rId2">
             <a:extLst>
               <a:ext uri="{28A0092B-C50C-407E-A947-70E740481C1C}">
-                <a14:useLocalDpi xmlns:a14="http://schemas.microsoft.com/office/drawing/2010/main" val="0"/>
+                <a14:useLocalDpi xmlns:a14="http://schemas.microsoft.com/office/drawing/2010/main" xmlns="" val="0"/>
               </a:ext>
             </a:extLst>
           </a:blip>
@@ -2989,7 +3061,7 @@
           <a:blip r:embed="rId3">
             <a:extLst>
               <a:ext uri="{28A0092B-C50C-407E-A947-70E740481C1C}">
-                <a14:useLocalDpi xmlns:a14="http://schemas.microsoft.com/office/drawing/2010/main" val="0"/>
+                <a14:useLocalDpi xmlns:a14="http://schemas.microsoft.com/office/drawing/2010/main" xmlns="" val="0"/>
               </a:ext>
             </a:extLst>
           </a:blip>
@@ -3285,7 +3357,7 @@
           <a:blip r:embed="rId2">
             <a:extLst>
               <a:ext uri="{28A0092B-C50C-407E-A947-70E740481C1C}">
-                <a14:useLocalDpi xmlns:a14="http://schemas.microsoft.com/office/drawing/2010/main" val="0"/>
+                <a14:useLocalDpi xmlns:a14="http://schemas.microsoft.com/office/drawing/2010/main" xmlns="" val="0"/>
               </a:ext>
             </a:extLst>
           </a:blip>
@@ -3315,7 +3387,7 @@
           <a:blip r:embed="rId3">
             <a:extLst>
               <a:ext uri="{28A0092B-C50C-407E-A947-70E740481C1C}">
-                <a14:useLocalDpi xmlns:a14="http://schemas.microsoft.com/office/drawing/2010/main" val="0"/>
+                <a14:useLocalDpi xmlns:a14="http://schemas.microsoft.com/office/drawing/2010/main" xmlns="" val="0"/>
               </a:ext>
             </a:extLst>
           </a:blip>
@@ -3587,7 +3659,7 @@
           <a:blip r:embed="rId2">
             <a:extLst>
               <a:ext uri="{28A0092B-C50C-407E-A947-70E740481C1C}">
-                <a14:useLocalDpi xmlns:a14="http://schemas.microsoft.com/office/drawing/2010/main" val="0"/>
+                <a14:useLocalDpi xmlns:a14="http://schemas.microsoft.com/office/drawing/2010/main" xmlns="" val="0"/>
               </a:ext>
             </a:extLst>
           </a:blip>
@@ -3617,7 +3689,7 @@
           <a:blip r:embed="rId3">
             <a:extLst>
               <a:ext uri="{28A0092B-C50C-407E-A947-70E740481C1C}">
-                <a14:useLocalDpi xmlns:a14="http://schemas.microsoft.com/office/drawing/2010/main" val="0"/>
+                <a14:useLocalDpi xmlns:a14="http://schemas.microsoft.com/office/drawing/2010/main" xmlns="" val="0"/>
               </a:ext>
             </a:extLst>
           </a:blip>
@@ -3953,7 +4025,7 @@
           <a:blip r:embed="rId2">
             <a:extLst>
               <a:ext uri="{28A0092B-C50C-407E-A947-70E740481C1C}">
-                <a14:useLocalDpi xmlns:a14="http://schemas.microsoft.com/office/drawing/2010/main" val="0"/>
+                <a14:useLocalDpi xmlns:a14="http://schemas.microsoft.com/office/drawing/2010/main" xmlns="" val="0"/>
               </a:ext>
             </a:extLst>
           </a:blip>
@@ -3983,7 +4055,7 @@
           <a:blip r:embed="rId3">
             <a:extLst>
               <a:ext uri="{28A0092B-C50C-407E-A947-70E740481C1C}">
-                <a14:useLocalDpi xmlns:a14="http://schemas.microsoft.com/office/drawing/2010/main" val="0"/>
+                <a14:useLocalDpi xmlns:a14="http://schemas.microsoft.com/office/drawing/2010/main" xmlns="" val="0"/>
               </a:ext>
             </a:extLst>
           </a:blip>
@@ -4298,7 +4370,7 @@
           <a:blip r:embed="rId2">
             <a:extLst>
               <a:ext uri="{28A0092B-C50C-407E-A947-70E740481C1C}">
-                <a14:useLocalDpi xmlns:a14="http://schemas.microsoft.com/office/drawing/2010/main" val="0"/>
+                <a14:useLocalDpi xmlns:a14="http://schemas.microsoft.com/office/drawing/2010/main" xmlns="" val="0"/>
               </a:ext>
             </a:extLst>
           </a:blip>
@@ -4328,7 +4400,7 @@
           <a:blip r:embed="rId3">
             <a:extLst>
               <a:ext uri="{28A0092B-C50C-407E-A947-70E740481C1C}">
-                <a14:useLocalDpi xmlns:a14="http://schemas.microsoft.com/office/drawing/2010/main" val="0"/>
+                <a14:useLocalDpi xmlns:a14="http://schemas.microsoft.com/office/drawing/2010/main" xmlns="" val="0"/>
               </a:ext>
             </a:extLst>
           </a:blip>
@@ -4520,7 +4592,7 @@
             <a:fld id="{7BC3C6E0-25AE-8A44-A617-CADD813DE539}" type="datetime1">
               <a:rPr lang="zh-CN" altLang="en-US" smtClean="0"/>
               <a:pPr/>
-              <a:t>2020/4/6</a:t>
+              <a:t>2020/4/29</a:t>
             </a:fld>
             <a:endParaRPr lang="zh-CN" altLang="en-US" dirty="0"/>
           </a:p>
@@ -4744,7 +4816,7 @@
           <a:blip r:embed="rId2">
             <a:extLst>
               <a:ext uri="{28A0092B-C50C-407E-A947-70E740481C1C}">
-                <a14:useLocalDpi xmlns:a14="http://schemas.microsoft.com/office/drawing/2010/main" val="0"/>
+                <a14:useLocalDpi xmlns:a14="http://schemas.microsoft.com/office/drawing/2010/main" xmlns="" val="0"/>
               </a:ext>
             </a:extLst>
           </a:blip>
@@ -4930,7 +5002,7 @@
             <a:fld id="{B8DE94C4-0AC0-E74D-83DE-D1778C094258}" type="datetime1">
               <a:rPr lang="zh-CN" altLang="en-US" smtClean="0"/>
               <a:pPr/>
-              <a:t>2020/4/6</a:t>
+              <a:t>2020/4/29</a:t>
             </a:fld>
             <a:endParaRPr lang="zh-CN" altLang="en-US" dirty="0"/>
           </a:p>
@@ -5692,7 +5764,7 @@
     </p:spTree>
     <p:extLst>
       <p:ext uri="{BB962C8B-B14F-4D97-AF65-F5344CB8AC3E}">
-        <p14:creationId xmlns:p14="http://schemas.microsoft.com/office/powerpoint/2010/main" val="3313057596"/>
+        <p14:creationId xmlns:p14="http://schemas.microsoft.com/office/powerpoint/2010/main" xmlns="" val="3313057596"/>
       </p:ext>
     </p:extLst>
   </p:cSld>
@@ -6719,7 +6791,7 @@
     </p:spTree>
     <p:extLst>
       <p:ext uri="{BB962C8B-B14F-4D97-AF65-F5344CB8AC3E}">
-        <p14:creationId xmlns:p14="http://schemas.microsoft.com/office/powerpoint/2010/main" val="2327649552"/>
+        <p14:creationId xmlns:p14="http://schemas.microsoft.com/office/powerpoint/2010/main" xmlns="" val="2327649552"/>
       </p:ext>
     </p:extLst>
   </p:cSld>
@@ -8338,42 +8410,24 @@
           <a:p>
             <a:r>
               <a:rPr lang="zh-CN" altLang="en-US" dirty="0" smtClean="0"/>
-              <a:t>心跳检测（如何实现具体实现过程）</a:t>
+              <a:t>心跳检测（如何实现具体</a:t>
+            </a:r>
+            <a:r>
+              <a:rPr lang="zh-CN" altLang="en-US" dirty="0" smtClean="0"/>
+              <a:t>实现过程）</a:t>
             </a:r>
             <a:endParaRPr lang="en-US" altLang="zh-CN" dirty="0" smtClean="0"/>
           </a:p>
           <a:p>
             <a:r>
-              <a:rPr lang="en-US" altLang="zh-CN" dirty="0">
-                <a:hlinkClick r:id="rId3"/>
-              </a:rPr>
-              <a:t>https://</a:t>
-            </a:r>
-            <a:r>
-              <a:rPr lang="en-US" altLang="zh-CN" dirty="0" smtClean="0">
-                <a:hlinkClick r:id="rId3"/>
-              </a:rPr>
-              <a:t>www.infoq.cn/article/5NhHho2gUgvKu*iHW24E</a:t>
-            </a:r>
-            <a:endParaRPr lang="en-US" altLang="zh-CN" dirty="0" smtClean="0"/>
-          </a:p>
-          <a:p>
-            <a:r>
-              <a:rPr lang="en-US" altLang="zh-CN" dirty="0">
-                <a:hlinkClick r:id="rId4"/>
-              </a:rPr>
-              <a:t>https://cloud.tencent.com/developer/article/1444308</a:t>
-            </a:r>
-            <a:endParaRPr lang="en-US" altLang="zh-CN" dirty="0" smtClean="0"/>
-          </a:p>
-          <a:p>
-            <a:r>
-              <a:rPr lang="en-US" altLang="zh-CN" dirty="0">
-                <a:hlinkClick r:id="rId5"/>
-              </a:rPr>
-              <a:t>https://www.infoq.cn/article/UiKyF*4zxplSrpWZ5km1</a:t>
-            </a:r>
-            <a:endParaRPr lang="zh-CN" altLang="en-US" dirty="0"/>
+              <a:rPr lang="en-US" dirty="0"/>
+              <a:t>TCP </a:t>
+            </a:r>
+            <a:r>
+              <a:rPr dirty="0"/>
+              <a:t>协议栈</a:t>
+            </a:r>
+            <a:endParaRPr lang="zh-CN" altLang="en-US" dirty="0" smtClean="0"/>
           </a:p>
         </p:txBody>
       </p:sp>
@@ -8428,7 +8482,7 @@
     </p:spTree>
     <p:extLst>
       <p:ext uri="{BB962C8B-B14F-4D97-AF65-F5344CB8AC3E}">
-        <p14:creationId xmlns:p14="http://schemas.microsoft.com/office/powerpoint/2010/main" val="1923392337"/>
+        <p14:creationId xmlns:p14="http://schemas.microsoft.com/office/powerpoint/2010/main" xmlns="" val="1923392337"/>
       </p:ext>
     </p:extLst>
   </p:cSld>
@@ -8500,8 +8554,46 @@
           <a:p>
             <a:r>
               <a:rPr altLang="en-US" dirty="0" smtClean="0"/>
-              <a:t>陈浩的专栏。</a:t>
-            </a:r>
+              <a:t>陈浩的专栏</a:t>
+            </a:r>
+            <a:r>
+              <a:rPr altLang="en-US" dirty="0" smtClean="0"/>
+              <a:t>。</a:t>
+            </a:r>
+            <a:endParaRPr lang="en-US" altLang="en-US" dirty="0" smtClean="0"/>
+          </a:p>
+          <a:p>
+            <a:endParaRPr lang="en-US" altLang="en-US" dirty="0"/>
+          </a:p>
+          <a:p>
+            <a:r>
+              <a:rPr b="1" dirty="0"/>
+              <a:t>如何实现单服务器</a:t>
+            </a:r>
+            <a:r>
+              <a:rPr lang="en-US" altLang="zh-CN" b="1" dirty="0"/>
+              <a:t>300</a:t>
+            </a:r>
+            <a:r>
+              <a:rPr b="1" dirty="0"/>
+              <a:t>万个长连接的？</a:t>
+            </a:r>
+          </a:p>
+          <a:p>
+            <a:r>
+              <a:rPr dirty="0" smtClean="0"/>
+              <a:t>集团面向亿级用户 </a:t>
+            </a:r>
+            <a:r>
+              <a:rPr lang="en-US" altLang="zh-CN" dirty="0"/>
+              <a:t>IM </a:t>
+            </a:r>
+            <a:r>
+              <a:rPr dirty="0"/>
+              <a:t>长连接服务设计与实践</a:t>
+            </a:r>
+          </a:p>
+          <a:p>
             <a:endParaRPr lang="en-US" altLang="en-US" dirty="0" smtClean="0"/>
           </a:p>
         </p:txBody>
@@ -8518,8 +8610,8 @@
         </p:nvSpPr>
         <p:spPr>
           <a:xfrm>
-            <a:off x="683568" y="267494"/>
-            <a:ext cx="8229600" cy="857250"/>
+            <a:off x="500034" y="267494"/>
+            <a:ext cx="8413134" cy="857250"/>
           </a:xfrm>
         </p:spPr>
         <p:style>
@@ -8543,21 +8635,21 @@
           <a:lstStyle/>
           <a:p>
             <a:r>
-              <a:rPr lang="en-US" altLang="zh-CN" smtClean="0"/>
+              <a:rPr lang="en-US" altLang="zh-CN" dirty="0" smtClean="0"/>
               <a:t> </a:t>
             </a:r>
             <a:r>
-              <a:rPr lang="zh-CN" altLang="en-US" smtClean="0"/>
+              <a:rPr lang="zh-CN" altLang="en-US" dirty="0" smtClean="0"/>
               <a:t>设计一个长连接的服务</a:t>
             </a:r>
-            <a:endParaRPr lang="zh-CN" altLang="en-US"/>
+            <a:endParaRPr lang="zh-CN" altLang="en-US" dirty="0"/>
           </a:p>
         </p:txBody>
       </p:sp>
     </p:spTree>
     <p:extLst>
       <p:ext uri="{BB962C8B-B14F-4D97-AF65-F5344CB8AC3E}">
-        <p14:creationId xmlns:p14="http://schemas.microsoft.com/office/powerpoint/2010/main" val="1923392337"/>
+        <p14:creationId xmlns:p14="http://schemas.microsoft.com/office/powerpoint/2010/main" xmlns="" val="1923392337"/>
       </p:ext>
     </p:extLst>
   </p:cSld>
@@ -8673,11 +8765,11 @@
   <p:clrMapOvr>
     <a:masterClrMapping/>
   </p:clrMapOvr>
-  <mc:AlternateContent xmlns:mc="http://schemas.openxmlformats.org/markup-compatibility/2006" xmlns:p14="http://schemas.microsoft.com/office/powerpoint/2010/main">
-    <mc:Choice Requires="p14">
+  <mc:AlternateContent xmlns:mc="http://schemas.openxmlformats.org/markup-compatibility/2006">
+    <mc:Choice xmlns:p14="http://schemas.microsoft.com/office/powerpoint/2010/main" xmlns="" Requires="p14">
       <p:transition spd="slow" p14:dur="2000"/>
     </mc:Choice>
-    <mc:Fallback xmlns="">
+    <mc:Fallback>
       <p:transition spd="slow"/>
     </mc:Fallback>
   </mc:AlternateContent>
@@ -8896,7 +8988,7 @@
     </p:spTree>
     <p:extLst>
       <p:ext uri="{BB962C8B-B14F-4D97-AF65-F5344CB8AC3E}">
-        <p14:creationId xmlns:p14="http://schemas.microsoft.com/office/powerpoint/2010/main" val="4095532216"/>
+        <p14:creationId xmlns:p14="http://schemas.microsoft.com/office/powerpoint/2010/main" xmlns="" val="4095532216"/>
       </p:ext>
     </p:extLst>
   </p:cSld>
@@ -9083,7 +9175,7 @@
     </p:spTree>
     <p:extLst>
       <p:ext uri="{BB962C8B-B14F-4D97-AF65-F5344CB8AC3E}">
-        <p14:creationId xmlns:p14="http://schemas.microsoft.com/office/powerpoint/2010/main" val="4095532216"/>
+        <p14:creationId xmlns:p14="http://schemas.microsoft.com/office/powerpoint/2010/main" xmlns="" val="4095532216"/>
       </p:ext>
     </p:extLst>
   </p:cSld>
@@ -9371,7 +9463,7 @@
     </p:spTree>
     <p:extLst>
       <p:ext uri="{BB962C8B-B14F-4D97-AF65-F5344CB8AC3E}">
-        <p14:creationId xmlns:p14="http://schemas.microsoft.com/office/powerpoint/2010/main" val="3575490198"/>
+        <p14:creationId xmlns:p14="http://schemas.microsoft.com/office/powerpoint/2010/main" xmlns="" val="3575490198"/>
       </p:ext>
     </p:extLst>
   </p:cSld>
@@ -9826,7 +9918,7 @@
     </p:spTree>
     <p:extLst>
       <p:ext uri="{BB962C8B-B14F-4D97-AF65-F5344CB8AC3E}">
-        <p14:creationId xmlns:p14="http://schemas.microsoft.com/office/powerpoint/2010/main" val="610401656"/>
+        <p14:creationId xmlns:p14="http://schemas.microsoft.com/office/powerpoint/2010/main" xmlns="" val="610401656"/>
       </p:ext>
     </p:extLst>
   </p:cSld>
@@ -10012,11 +10104,11 @@
   <p:clrMapOvr>
     <a:masterClrMapping/>
   </p:clrMapOvr>
-  <mc:AlternateContent xmlns:mc="http://schemas.openxmlformats.org/markup-compatibility/2006" xmlns:p14="http://schemas.microsoft.com/office/powerpoint/2010/main">
-    <mc:Choice Requires="p14">
+  <mc:AlternateContent xmlns:mc="http://schemas.openxmlformats.org/markup-compatibility/2006">
+    <mc:Choice xmlns:p14="http://schemas.microsoft.com/office/powerpoint/2010/main" xmlns="" Requires="p14">
       <p:transition spd="slow" p14:dur="2000"/>
     </mc:Choice>
-    <mc:Fallback xmlns="">
+    <mc:Fallback>
       <p:transition spd="slow"/>
     </mc:Fallback>
   </mc:AlternateContent>
@@ -10115,11 +10207,11 @@
   <p:clrMapOvr>
     <a:masterClrMapping/>
   </p:clrMapOvr>
-  <mc:AlternateContent xmlns:mc="http://schemas.openxmlformats.org/markup-compatibility/2006" xmlns:p14="http://schemas.microsoft.com/office/powerpoint/2010/main">
-    <mc:Choice Requires="p14">
+  <mc:AlternateContent xmlns:mc="http://schemas.openxmlformats.org/markup-compatibility/2006">
+    <mc:Choice xmlns:p14="http://schemas.microsoft.com/office/powerpoint/2010/main" xmlns="" Requires="p14">
       <p:transition spd="slow" p14:dur="2000"/>
     </mc:Choice>
-    <mc:Fallback xmlns="">
+    <mc:Fallback>
       <p:transition spd="slow"/>
     </mc:Fallback>
   </mc:AlternateContent>
@@ -10266,11 +10358,11 @@
   <p:clrMapOvr>
     <a:masterClrMapping/>
   </p:clrMapOvr>
-  <mc:AlternateContent xmlns:mc="http://schemas.openxmlformats.org/markup-compatibility/2006" xmlns:p14="http://schemas.microsoft.com/office/powerpoint/2010/main">
-    <mc:Choice Requires="p14">
+  <mc:AlternateContent xmlns:mc="http://schemas.openxmlformats.org/markup-compatibility/2006">
+    <mc:Choice xmlns:p14="http://schemas.microsoft.com/office/powerpoint/2010/main" xmlns="" Requires="p14">
       <p:transition spd="slow" p14:dur="2000"/>
     </mc:Choice>
-    <mc:Fallback xmlns="">
+    <mc:Fallback>
       <p:transition spd="slow"/>
     </mc:Fallback>
   </mc:AlternateContent>
@@ -10410,11 +10502,11 @@
   <p:clrMapOvr>
     <a:masterClrMapping/>
   </p:clrMapOvr>
-  <mc:AlternateContent xmlns:mc="http://schemas.openxmlformats.org/markup-compatibility/2006" xmlns:p14="http://schemas.microsoft.com/office/powerpoint/2010/main">
-    <mc:Choice Requires="p14">
+  <mc:AlternateContent xmlns:mc="http://schemas.openxmlformats.org/markup-compatibility/2006">
+    <mc:Choice xmlns:p14="http://schemas.microsoft.com/office/powerpoint/2010/main" xmlns="" Requires="p14">
       <p:transition spd="slow" p14:dur="2000"/>
     </mc:Choice>
-    <mc:Fallback xmlns="">
+    <mc:Fallback>
       <p:transition spd="slow"/>
     </mc:Fallback>
   </mc:AlternateContent>
@@ -10703,11 +10795,11 @@
   <p:clrMapOvr>
     <a:masterClrMapping/>
   </p:clrMapOvr>
-  <mc:AlternateContent xmlns:mc="http://schemas.openxmlformats.org/markup-compatibility/2006" xmlns:p14="http://schemas.microsoft.com/office/powerpoint/2010/main">
-    <mc:Choice Requires="p14">
+  <mc:AlternateContent xmlns:mc="http://schemas.openxmlformats.org/markup-compatibility/2006">
+    <mc:Choice xmlns:p14="http://schemas.microsoft.com/office/powerpoint/2010/main" xmlns="" Requires="p14">
       <p:transition spd="slow" p14:dur="2000"/>
     </mc:Choice>
-    <mc:Fallback xmlns="">
+    <mc:Fallback>
       <p:transition spd="slow"/>
     </mc:Fallback>
   </mc:AlternateContent>
@@ -10907,11 +10999,11 @@
   <p:clrMapOvr>
     <a:masterClrMapping/>
   </p:clrMapOvr>
-  <mc:AlternateContent xmlns:mc="http://schemas.openxmlformats.org/markup-compatibility/2006" xmlns:p14="http://schemas.microsoft.com/office/powerpoint/2010/main">
-    <mc:Choice Requires="p14">
+  <mc:AlternateContent xmlns:mc="http://schemas.openxmlformats.org/markup-compatibility/2006">
+    <mc:Choice xmlns:p14="http://schemas.microsoft.com/office/powerpoint/2010/main" xmlns="" Requires="p14">
       <p:transition spd="slow" p14:dur="2000"/>
     </mc:Choice>
-    <mc:Fallback xmlns="">
+    <mc:Fallback>
       <p:transition spd="slow"/>
     </mc:Fallback>
   </mc:AlternateContent>
@@ -11107,11 +11199,11 @@
   <p:clrMapOvr>
     <a:masterClrMapping/>
   </p:clrMapOvr>
-  <mc:AlternateContent xmlns:mc="http://schemas.openxmlformats.org/markup-compatibility/2006" xmlns:p14="http://schemas.microsoft.com/office/powerpoint/2010/main">
-    <mc:Choice Requires="p14">
+  <mc:AlternateContent xmlns:mc="http://schemas.openxmlformats.org/markup-compatibility/2006">
+    <mc:Choice xmlns:p14="http://schemas.microsoft.com/office/powerpoint/2010/main" xmlns="" Requires="p14">
       <p:transition spd="slow" p14:dur="2000"/>
     </mc:Choice>
-    <mc:Fallback xmlns="">
+    <mc:Fallback>
       <p:transition spd="slow"/>
     </mc:Fallback>
   </mc:AlternateContent>
@@ -11133,7 +11225,7 @@
         <a:sysClr val="windowText" lastClr="000000"/>
       </a:dk1>
       <a:lt1>
-        <a:sysClr val="window" lastClr="CCE8CF"/>
+        <a:sysClr val="window" lastClr="FFFFFF"/>
       </a:lt1>
       <a:dk2>
         <a:srgbClr val="1F497D"/>
@@ -11457,7 +11549,7 @@
   <a:extraClrSchemeLst/>
   <a:extLst>
     <a:ext uri="{05A4C25C-085E-4340-85A3-A5531E510DB2}">
-      <thm15:themeFamily xmlns:thm15="http://schemas.microsoft.com/office/thememl/2012/main" xmlns="" name="Office Theme" id="{62F939B6-93AF-4DB8-9C6B-D6C7DFDC589F}" vid="{4A3C46E8-61CC-4603-A589-7422A47A8E4A}"/>
+      <thm15:themeFamily xmlns="" xmlns:thm15="http://schemas.microsoft.com/office/thememl/2012/main" name="Office Theme" id="{62F939B6-93AF-4DB8-9C6B-D6C7DFDC589F}" vid="{4A3C46E8-61CC-4603-A589-7422A47A8E4A}"/>
     </a:ext>
   </a:extLst>
 </a:theme>
@@ -11471,7 +11563,7 @@
         <a:sysClr val="windowText" lastClr="000000"/>
       </a:dk1>
       <a:lt1>
-        <a:sysClr val="window" lastClr="CCE8CF"/>
+        <a:sysClr val="window" lastClr="FFFFFF"/>
       </a:lt1>
       <a:dk2>
         <a:srgbClr val="44546A"/>
@@ -11718,7 +11810,7 @@
   <a:extraClrSchemeLst/>
   <a:extLst>
     <a:ext uri="{05A4C25C-085E-4340-85A3-A5531E510DB2}">
-      <thm15:themeFamily xmlns:thm15="http://schemas.microsoft.com/office/thememl/2012/main" xmlns="" name="Office Theme" id="{62F939B6-93AF-4DB8-9C6B-D6C7DFDC589F}" vid="{4A3C46E8-61CC-4603-A589-7422A47A8E4A}"/>
+      <thm15:themeFamily xmlns="" xmlns:thm15="http://schemas.microsoft.com/office/thememl/2012/main" name="Office Theme" id="{62F939B6-93AF-4DB8-9C6B-D6C7DFDC589F}" vid="{4A3C46E8-61CC-4603-A589-7422A47A8E4A}"/>
     </a:ext>
   </a:extLst>
 </a:theme>
@@ -11732,7 +11824,7 @@
         <a:sysClr val="windowText" lastClr="000000"/>
       </a:dk1>
       <a:lt1>
-        <a:sysClr val="window" lastClr="CCE8CF"/>
+        <a:sysClr val="window" lastClr="FFFFFF"/>
       </a:lt1>
       <a:dk2>
         <a:srgbClr val="1F497D"/>

--- a/ppt/2020/实战项目.pptx
+++ b/ppt/2020/实战项目.pptx
@@ -215,7 +215,7 @@
             <a:fld id="{5F920F0F-0E56-2B45-B1BF-268524318682}" type="datetimeFigureOut">
               <a:rPr kumimoji="1" lang="zh-CN" altLang="en-US" smtClean="0"/>
               <a:pPr/>
-              <a:t>2020/4/29</a:t>
+              <a:t>2020/4/30</a:t>
             </a:fld>
             <a:endParaRPr kumimoji="1" lang="zh-CN" altLang="en-US"/>
           </a:p>
@@ -291,7 +291,7 @@
     </p:spTree>
     <p:extLst>
       <p:ext uri="{BB962C8B-B14F-4D97-AF65-F5344CB8AC3E}">
-        <p14:creationId xmlns:p14="http://schemas.microsoft.com/office/powerpoint/2010/main" xmlns="" val="3407571201"/>
+        <p14:creationId xmlns="" xmlns:p14="http://schemas.microsoft.com/office/powerpoint/2010/main" val="3407571201"/>
       </p:ext>
     </p:extLst>
   </p:cSld>
@@ -383,7 +383,7 @@
             <a:fld id="{FB86081A-1E41-D34E-AC33-11FD77CCCD8D}" type="datetimeFigureOut">
               <a:rPr kumimoji="1" lang="zh-CN" altLang="en-US" smtClean="0"/>
               <a:pPr/>
-              <a:t>2020/4/29</a:t>
+              <a:t>2020/4/30</a:t>
             </a:fld>
             <a:endParaRPr kumimoji="1" lang="zh-CN" altLang="en-US"/>
           </a:p>
@@ -552,7 +552,7 @@
     </p:spTree>
     <p:extLst>
       <p:ext uri="{BB962C8B-B14F-4D97-AF65-F5344CB8AC3E}">
-        <p14:creationId xmlns:p14="http://schemas.microsoft.com/office/powerpoint/2010/main" xmlns="" val="2106316760"/>
+        <p14:creationId xmlns="" xmlns:p14="http://schemas.microsoft.com/office/powerpoint/2010/main" val="2106316760"/>
       </p:ext>
     </p:extLst>
   </p:cSld>
@@ -2049,7 +2049,7 @@
     </p:spTree>
     <p:extLst>
       <p:ext uri="{BB962C8B-B14F-4D97-AF65-F5344CB8AC3E}">
-        <p14:creationId xmlns:p14="http://schemas.microsoft.com/office/powerpoint/2010/main" xmlns="" val="347096014"/>
+        <p14:creationId xmlns="" xmlns:p14="http://schemas.microsoft.com/office/powerpoint/2010/main" val="347096014"/>
       </p:ext>
     </p:extLst>
   </p:cSld>
@@ -2479,7 +2479,7 @@
     </p:spTree>
     <p:extLst>
       <p:ext uri="{BB962C8B-B14F-4D97-AF65-F5344CB8AC3E}">
-        <p14:creationId xmlns:p14="http://schemas.microsoft.com/office/powerpoint/2010/main" xmlns="" val="347096014"/>
+        <p14:creationId xmlns="" xmlns:p14="http://schemas.microsoft.com/office/powerpoint/2010/main" val="347096014"/>
       </p:ext>
     </p:extLst>
   </p:cSld>
@@ -2564,7 +2564,7 @@
     </p:spTree>
     <p:extLst>
       <p:ext uri="{BB962C8B-B14F-4D97-AF65-F5344CB8AC3E}">
-        <p14:creationId xmlns:p14="http://schemas.microsoft.com/office/powerpoint/2010/main" xmlns="" val="855118000"/>
+        <p14:creationId xmlns="" xmlns:p14="http://schemas.microsoft.com/office/powerpoint/2010/main" val="855118000"/>
       </p:ext>
     </p:extLst>
   </p:cSld>
@@ -2622,13 +2622,7 @@
               <a:rPr lang="en-US" altLang="zh-CN" dirty="0" smtClean="0">
                 <a:hlinkClick r:id="rId3"/>
               </a:rPr>
-              <a:t>https://</a:t>
-            </a:r>
-            <a:r>
-              <a:rPr lang="en-US" altLang="zh-CN" dirty="0" smtClean="0">
-                <a:hlinkClick r:id="rId3"/>
-              </a:rPr>
-              <a:t>www.infoq.cn/article/UiKyF*4zxplSrpWZ5km1</a:t>
+              <a:t>https://www.infoq.cn/article/UiKyF*4zxplSrpWZ5km1</a:t>
             </a:r>
             <a:endParaRPr lang="en-US" altLang="zh-CN" dirty="0" smtClean="0"/>
           </a:p>
@@ -2733,7 +2727,7 @@
     </p:spTree>
     <p:extLst>
       <p:ext uri="{BB962C8B-B14F-4D97-AF65-F5344CB8AC3E}">
-        <p14:creationId xmlns:p14="http://schemas.microsoft.com/office/powerpoint/2010/main" xmlns="" val="855118000"/>
+        <p14:creationId xmlns="" xmlns:p14="http://schemas.microsoft.com/office/powerpoint/2010/main" val="855118000"/>
       </p:ext>
     </p:extLst>
   </p:cSld>
@@ -2772,7 +2766,7 @@
           <a:blip r:embed="rId2">
             <a:extLst>
               <a:ext uri="{28A0092B-C50C-407E-A947-70E740481C1C}">
-                <a14:useLocalDpi xmlns:a14="http://schemas.microsoft.com/office/drawing/2010/main" xmlns="" val="0"/>
+                <a14:useLocalDpi xmlns="" xmlns:a14="http://schemas.microsoft.com/office/drawing/2010/main" val="0"/>
               </a:ext>
             </a:extLst>
           </a:blip>
@@ -3061,7 +3055,7 @@
           <a:blip r:embed="rId3">
             <a:extLst>
               <a:ext uri="{28A0092B-C50C-407E-A947-70E740481C1C}">
-                <a14:useLocalDpi xmlns:a14="http://schemas.microsoft.com/office/drawing/2010/main" xmlns="" val="0"/>
+                <a14:useLocalDpi xmlns="" xmlns:a14="http://schemas.microsoft.com/office/drawing/2010/main" val="0"/>
               </a:ext>
             </a:extLst>
           </a:blip>
@@ -3357,7 +3351,7 @@
           <a:blip r:embed="rId2">
             <a:extLst>
               <a:ext uri="{28A0092B-C50C-407E-A947-70E740481C1C}">
-                <a14:useLocalDpi xmlns:a14="http://schemas.microsoft.com/office/drawing/2010/main" xmlns="" val="0"/>
+                <a14:useLocalDpi xmlns="" xmlns:a14="http://schemas.microsoft.com/office/drawing/2010/main" val="0"/>
               </a:ext>
             </a:extLst>
           </a:blip>
@@ -3387,7 +3381,7 @@
           <a:blip r:embed="rId3">
             <a:extLst>
               <a:ext uri="{28A0092B-C50C-407E-A947-70E740481C1C}">
-                <a14:useLocalDpi xmlns:a14="http://schemas.microsoft.com/office/drawing/2010/main" xmlns="" val="0"/>
+                <a14:useLocalDpi xmlns="" xmlns:a14="http://schemas.microsoft.com/office/drawing/2010/main" val="0"/>
               </a:ext>
             </a:extLst>
           </a:blip>
@@ -3659,7 +3653,7 @@
           <a:blip r:embed="rId2">
             <a:extLst>
               <a:ext uri="{28A0092B-C50C-407E-A947-70E740481C1C}">
-                <a14:useLocalDpi xmlns:a14="http://schemas.microsoft.com/office/drawing/2010/main" xmlns="" val="0"/>
+                <a14:useLocalDpi xmlns="" xmlns:a14="http://schemas.microsoft.com/office/drawing/2010/main" val="0"/>
               </a:ext>
             </a:extLst>
           </a:blip>
@@ -3689,7 +3683,7 @@
           <a:blip r:embed="rId3">
             <a:extLst>
               <a:ext uri="{28A0092B-C50C-407E-A947-70E740481C1C}">
-                <a14:useLocalDpi xmlns:a14="http://schemas.microsoft.com/office/drawing/2010/main" xmlns="" val="0"/>
+                <a14:useLocalDpi xmlns="" xmlns:a14="http://schemas.microsoft.com/office/drawing/2010/main" val="0"/>
               </a:ext>
             </a:extLst>
           </a:blip>
@@ -4025,7 +4019,7 @@
           <a:blip r:embed="rId2">
             <a:extLst>
               <a:ext uri="{28A0092B-C50C-407E-A947-70E740481C1C}">
-                <a14:useLocalDpi xmlns:a14="http://schemas.microsoft.com/office/drawing/2010/main" xmlns="" val="0"/>
+                <a14:useLocalDpi xmlns="" xmlns:a14="http://schemas.microsoft.com/office/drawing/2010/main" val="0"/>
               </a:ext>
             </a:extLst>
           </a:blip>
@@ -4055,7 +4049,7 @@
           <a:blip r:embed="rId3">
             <a:extLst>
               <a:ext uri="{28A0092B-C50C-407E-A947-70E740481C1C}">
-                <a14:useLocalDpi xmlns:a14="http://schemas.microsoft.com/office/drawing/2010/main" xmlns="" val="0"/>
+                <a14:useLocalDpi xmlns="" xmlns:a14="http://schemas.microsoft.com/office/drawing/2010/main" val="0"/>
               </a:ext>
             </a:extLst>
           </a:blip>
@@ -4370,7 +4364,7 @@
           <a:blip r:embed="rId2">
             <a:extLst>
               <a:ext uri="{28A0092B-C50C-407E-A947-70E740481C1C}">
-                <a14:useLocalDpi xmlns:a14="http://schemas.microsoft.com/office/drawing/2010/main" xmlns="" val="0"/>
+                <a14:useLocalDpi xmlns="" xmlns:a14="http://schemas.microsoft.com/office/drawing/2010/main" val="0"/>
               </a:ext>
             </a:extLst>
           </a:blip>
@@ -4400,7 +4394,7 @@
           <a:blip r:embed="rId3">
             <a:extLst>
               <a:ext uri="{28A0092B-C50C-407E-A947-70E740481C1C}">
-                <a14:useLocalDpi xmlns:a14="http://schemas.microsoft.com/office/drawing/2010/main" xmlns="" val="0"/>
+                <a14:useLocalDpi xmlns="" xmlns:a14="http://schemas.microsoft.com/office/drawing/2010/main" val="0"/>
               </a:ext>
             </a:extLst>
           </a:blip>
@@ -4592,7 +4586,7 @@
             <a:fld id="{7BC3C6E0-25AE-8A44-A617-CADD813DE539}" type="datetime1">
               <a:rPr lang="zh-CN" altLang="en-US" smtClean="0"/>
               <a:pPr/>
-              <a:t>2020/4/29</a:t>
+              <a:t>2020/4/30</a:t>
             </a:fld>
             <a:endParaRPr lang="zh-CN" altLang="en-US" dirty="0"/>
           </a:p>
@@ -4816,7 +4810,7 @@
           <a:blip r:embed="rId2">
             <a:extLst>
               <a:ext uri="{28A0092B-C50C-407E-A947-70E740481C1C}">
-                <a14:useLocalDpi xmlns:a14="http://schemas.microsoft.com/office/drawing/2010/main" xmlns="" val="0"/>
+                <a14:useLocalDpi xmlns="" xmlns:a14="http://schemas.microsoft.com/office/drawing/2010/main" val="0"/>
               </a:ext>
             </a:extLst>
           </a:blip>
@@ -5002,7 +4996,7 @@
             <a:fld id="{B8DE94C4-0AC0-E74D-83DE-D1778C094258}" type="datetime1">
               <a:rPr lang="zh-CN" altLang="en-US" smtClean="0"/>
               <a:pPr/>
-              <a:t>2020/4/29</a:t>
+              <a:t>2020/4/30</a:t>
             </a:fld>
             <a:endParaRPr lang="zh-CN" altLang="en-US" dirty="0"/>
           </a:p>
@@ -5764,7 +5758,7 @@
     </p:spTree>
     <p:extLst>
       <p:ext uri="{BB962C8B-B14F-4D97-AF65-F5344CB8AC3E}">
-        <p14:creationId xmlns:p14="http://schemas.microsoft.com/office/powerpoint/2010/main" xmlns="" val="3313057596"/>
+        <p14:creationId xmlns="" xmlns:p14="http://schemas.microsoft.com/office/powerpoint/2010/main" val="3313057596"/>
       </p:ext>
     </p:extLst>
   </p:cSld>
@@ -6791,7 +6785,7 @@
     </p:spTree>
     <p:extLst>
       <p:ext uri="{BB962C8B-B14F-4D97-AF65-F5344CB8AC3E}">
-        <p14:creationId xmlns:p14="http://schemas.microsoft.com/office/powerpoint/2010/main" xmlns="" val="2327649552"/>
+        <p14:creationId xmlns="" xmlns:p14="http://schemas.microsoft.com/office/powerpoint/2010/main" val="2327649552"/>
       </p:ext>
     </p:extLst>
   </p:cSld>
@@ -8410,11 +8404,7 @@
           <a:p>
             <a:r>
               <a:rPr lang="zh-CN" altLang="en-US" dirty="0" smtClean="0"/>
-              <a:t>心跳检测（如何实现具体</a:t>
-            </a:r>
-            <a:r>
-              <a:rPr lang="zh-CN" altLang="en-US" dirty="0" smtClean="0"/>
-              <a:t>实现过程）</a:t>
+              <a:t>心跳检测（如何实现具体实现过程）</a:t>
             </a:r>
             <a:endParaRPr lang="en-US" altLang="zh-CN" dirty="0" smtClean="0"/>
           </a:p>
@@ -8482,7 +8472,7 @@
     </p:spTree>
     <p:extLst>
       <p:ext uri="{BB962C8B-B14F-4D97-AF65-F5344CB8AC3E}">
-        <p14:creationId xmlns:p14="http://schemas.microsoft.com/office/powerpoint/2010/main" xmlns="" val="1923392337"/>
+        <p14:creationId xmlns="" xmlns:p14="http://schemas.microsoft.com/office/powerpoint/2010/main" val="1923392337"/>
       </p:ext>
     </p:extLst>
   </p:cSld>
@@ -8554,11 +8544,7 @@
           <a:p>
             <a:r>
               <a:rPr altLang="en-US" dirty="0" smtClean="0"/>
-              <a:t>陈浩的专栏</a:t>
-            </a:r>
-            <a:r>
-              <a:rPr altLang="en-US" dirty="0" smtClean="0"/>
-              <a:t>。</a:t>
+              <a:t>陈浩的专栏。</a:t>
             </a:r>
             <a:endParaRPr lang="en-US" altLang="en-US" dirty="0" smtClean="0"/>
           </a:p>
@@ -8649,7 +8635,7 @@
     </p:spTree>
     <p:extLst>
       <p:ext uri="{BB962C8B-B14F-4D97-AF65-F5344CB8AC3E}">
-        <p14:creationId xmlns:p14="http://schemas.microsoft.com/office/powerpoint/2010/main" xmlns="" val="1923392337"/>
+        <p14:creationId xmlns="" xmlns:p14="http://schemas.microsoft.com/office/powerpoint/2010/main" val="1923392337"/>
       </p:ext>
     </p:extLst>
   </p:cSld>
@@ -8766,7 +8752,7 @@
     <a:masterClrMapping/>
   </p:clrMapOvr>
   <mc:AlternateContent xmlns:mc="http://schemas.openxmlformats.org/markup-compatibility/2006">
-    <mc:Choice xmlns:p14="http://schemas.microsoft.com/office/powerpoint/2010/main" xmlns="" Requires="p14">
+    <mc:Choice xmlns="" xmlns:p14="http://schemas.microsoft.com/office/powerpoint/2010/main" Requires="p14">
       <p:transition spd="slow" p14:dur="2000"/>
     </mc:Choice>
     <mc:Fallback>
@@ -8988,7 +8974,7 @@
     </p:spTree>
     <p:extLst>
       <p:ext uri="{BB962C8B-B14F-4D97-AF65-F5344CB8AC3E}">
-        <p14:creationId xmlns:p14="http://schemas.microsoft.com/office/powerpoint/2010/main" xmlns="" val="4095532216"/>
+        <p14:creationId xmlns="" xmlns:p14="http://schemas.microsoft.com/office/powerpoint/2010/main" val="4095532216"/>
       </p:ext>
     </p:extLst>
   </p:cSld>
@@ -9175,7 +9161,7 @@
     </p:spTree>
     <p:extLst>
       <p:ext uri="{BB962C8B-B14F-4D97-AF65-F5344CB8AC3E}">
-        <p14:creationId xmlns:p14="http://schemas.microsoft.com/office/powerpoint/2010/main" xmlns="" val="4095532216"/>
+        <p14:creationId xmlns="" xmlns:p14="http://schemas.microsoft.com/office/powerpoint/2010/main" val="4095532216"/>
       </p:ext>
     </p:extLst>
   </p:cSld>
@@ -9413,7 +9399,22 @@
           <a:bodyPr/>
           <a:lstStyle/>
           <a:p>
-            <a:endParaRPr lang="zh-CN" altLang="en-US"/>
+            <a:r>
+              <a:rPr lang="en-US" altLang="zh-CN" dirty="0" smtClean="0"/>
+              <a:t> </a:t>
+            </a:r>
+            <a:r>
+              <a:rPr dirty="0" smtClean="0"/>
+              <a:t>高可用</a:t>
+            </a:r>
+            <a:endParaRPr lang="en-US" dirty="0" smtClean="0"/>
+          </a:p>
+          <a:p>
+            <a:r>
+              <a:rPr lang="en-US" altLang="zh-CN" dirty="0"/>
+              <a:t>crash</a:t>
+            </a:r>
+            <a:endParaRPr lang="zh-CN" altLang="en-US" dirty="0"/>
           </a:p>
         </p:txBody>
       </p:sp>
@@ -9428,42 +9429,74 @@
           </p:nvPr>
         </p:nvSpPr>
         <p:spPr/>
+        <p:style>
+          <a:lnRef idx="2">
+            <a:schemeClr val="dk1">
+              <a:shade val="50000"/>
+            </a:schemeClr>
+          </a:lnRef>
+          <a:fillRef idx="1">
+            <a:schemeClr val="dk1"/>
+          </a:fillRef>
+          <a:effectRef idx="0">
+            <a:schemeClr val="dk1"/>
+          </a:effectRef>
+          <a:fontRef idx="minor">
+            <a:schemeClr val="lt1"/>
+          </a:fontRef>
+        </p:style>
         <p:txBody>
           <a:bodyPr/>
           <a:lstStyle/>
           <a:p>
             <a:r>
-              <a:rPr lang="en-US" altLang="zh-CN" smtClean="0"/>
+              <a:rPr lang="en-US" altLang="zh-CN" dirty="0" smtClean="0"/>
               <a:t> </a:t>
             </a:r>
             <a:r>
-              <a:rPr lang="zh-CN" altLang="en-US" smtClean="0"/>
+              <a:rPr lang="zh-CN" altLang="en-US" dirty="0" smtClean="0"/>
               <a:t>项目</a:t>
             </a:r>
             <a:r>
-              <a:rPr lang="en-US" altLang="zh-CN" smtClean="0"/>
+              <a:rPr lang="en-US" altLang="zh-CN" dirty="0" smtClean="0"/>
               <a:t>1 –</a:t>
             </a:r>
             <a:r>
-              <a:rPr lang="zh-CN" altLang="en-US" smtClean="0"/>
+              <a:rPr lang="zh-CN" altLang="en-US" dirty="0" smtClean="0"/>
               <a:t>可伸缩</a:t>
             </a:r>
             <a:r>
-              <a:rPr lang="en-US" altLang="zh-CN" smtClean="0"/>
+              <a:rPr lang="en-US" altLang="zh-CN" dirty="0" smtClean="0"/>
               <a:t>2</a:t>
             </a:r>
             <a:r>
-              <a:rPr lang="zh-CN" altLang="en-US" smtClean="0"/>
-              <a:t>人通话视频</a:t>
-            </a:r>
-            <a:endParaRPr lang="zh-CN" altLang="en-US"/>
+              <a:rPr lang="zh-CN" altLang="en-US" dirty="0" smtClean="0"/>
+              <a:t>人通话</a:t>
+            </a:r>
+            <a:r>
+              <a:rPr lang="zh-CN" altLang="en-US" dirty="0" smtClean="0"/>
+              <a:t>视频 </a:t>
+            </a:r>
+            <a:r>
+              <a:rPr lang="en-US" altLang="zh-CN" dirty="0" smtClean="0"/>
+              <a:t>【</a:t>
+            </a:r>
+            <a:r>
+              <a:rPr lang="zh-CN" altLang="en-US" dirty="0" smtClean="0"/>
+              <a:t>常见问题</a:t>
+            </a:r>
+            <a:r>
+              <a:rPr lang="en-US" altLang="zh-CN" dirty="0" smtClean="0"/>
+              <a:t>】</a:t>
+            </a:r>
+            <a:endParaRPr lang="zh-CN" altLang="en-US" dirty="0"/>
           </a:p>
         </p:txBody>
       </p:sp>
     </p:spTree>
     <p:extLst>
       <p:ext uri="{BB962C8B-B14F-4D97-AF65-F5344CB8AC3E}">
-        <p14:creationId xmlns:p14="http://schemas.microsoft.com/office/powerpoint/2010/main" xmlns="" val="3575490198"/>
+        <p14:creationId xmlns="" xmlns:p14="http://schemas.microsoft.com/office/powerpoint/2010/main" val="3575490198"/>
       </p:ext>
     </p:extLst>
   </p:cSld>
@@ -9918,7 +9951,7 @@
     </p:spTree>
     <p:extLst>
       <p:ext uri="{BB962C8B-B14F-4D97-AF65-F5344CB8AC3E}">
-        <p14:creationId xmlns:p14="http://schemas.microsoft.com/office/powerpoint/2010/main" xmlns="" val="610401656"/>
+        <p14:creationId xmlns="" xmlns:p14="http://schemas.microsoft.com/office/powerpoint/2010/main" val="610401656"/>
       </p:ext>
     </p:extLst>
   </p:cSld>
@@ -10105,7 +10138,7 @@
     <a:masterClrMapping/>
   </p:clrMapOvr>
   <mc:AlternateContent xmlns:mc="http://schemas.openxmlformats.org/markup-compatibility/2006">
-    <mc:Choice xmlns:p14="http://schemas.microsoft.com/office/powerpoint/2010/main" xmlns="" Requires="p14">
+    <mc:Choice xmlns="" xmlns:p14="http://schemas.microsoft.com/office/powerpoint/2010/main" Requires="p14">
       <p:transition spd="slow" p14:dur="2000"/>
     </mc:Choice>
     <mc:Fallback>
@@ -10208,7 +10241,7 @@
     <a:masterClrMapping/>
   </p:clrMapOvr>
   <mc:AlternateContent xmlns:mc="http://schemas.openxmlformats.org/markup-compatibility/2006">
-    <mc:Choice xmlns:p14="http://schemas.microsoft.com/office/powerpoint/2010/main" xmlns="" Requires="p14">
+    <mc:Choice xmlns="" xmlns:p14="http://schemas.microsoft.com/office/powerpoint/2010/main" Requires="p14">
       <p:transition spd="slow" p14:dur="2000"/>
     </mc:Choice>
     <mc:Fallback>
@@ -10359,7 +10392,7 @@
     <a:masterClrMapping/>
   </p:clrMapOvr>
   <mc:AlternateContent xmlns:mc="http://schemas.openxmlformats.org/markup-compatibility/2006">
-    <mc:Choice xmlns:p14="http://schemas.microsoft.com/office/powerpoint/2010/main" xmlns="" Requires="p14">
+    <mc:Choice xmlns="" xmlns:p14="http://schemas.microsoft.com/office/powerpoint/2010/main" Requires="p14">
       <p:transition spd="slow" p14:dur="2000"/>
     </mc:Choice>
     <mc:Fallback>
@@ -10503,7 +10536,7 @@
     <a:masterClrMapping/>
   </p:clrMapOvr>
   <mc:AlternateContent xmlns:mc="http://schemas.openxmlformats.org/markup-compatibility/2006">
-    <mc:Choice xmlns:p14="http://schemas.microsoft.com/office/powerpoint/2010/main" xmlns="" Requires="p14">
+    <mc:Choice xmlns="" xmlns:p14="http://schemas.microsoft.com/office/powerpoint/2010/main" Requires="p14">
       <p:transition spd="slow" p14:dur="2000"/>
     </mc:Choice>
     <mc:Fallback>
@@ -10796,7 +10829,7 @@
     <a:masterClrMapping/>
   </p:clrMapOvr>
   <mc:AlternateContent xmlns:mc="http://schemas.openxmlformats.org/markup-compatibility/2006">
-    <mc:Choice xmlns:p14="http://schemas.microsoft.com/office/powerpoint/2010/main" xmlns="" Requires="p14">
+    <mc:Choice xmlns="" xmlns:p14="http://schemas.microsoft.com/office/powerpoint/2010/main" Requires="p14">
       <p:transition spd="slow" p14:dur="2000"/>
     </mc:Choice>
     <mc:Fallback>
@@ -11000,7 +11033,7 @@
     <a:masterClrMapping/>
   </p:clrMapOvr>
   <mc:AlternateContent xmlns:mc="http://schemas.openxmlformats.org/markup-compatibility/2006">
-    <mc:Choice xmlns:p14="http://schemas.microsoft.com/office/powerpoint/2010/main" xmlns="" Requires="p14">
+    <mc:Choice xmlns="" xmlns:p14="http://schemas.microsoft.com/office/powerpoint/2010/main" Requires="p14">
       <p:transition spd="slow" p14:dur="2000"/>
     </mc:Choice>
     <mc:Fallback>
@@ -11200,7 +11233,7 @@
     <a:masterClrMapping/>
   </p:clrMapOvr>
   <mc:AlternateContent xmlns:mc="http://schemas.openxmlformats.org/markup-compatibility/2006">
-    <mc:Choice xmlns:p14="http://schemas.microsoft.com/office/powerpoint/2010/main" xmlns="" Requires="p14">
+    <mc:Choice xmlns="" xmlns:p14="http://schemas.microsoft.com/office/powerpoint/2010/main" Requires="p14">
       <p:transition spd="slow" p14:dur="2000"/>
     </mc:Choice>
     <mc:Fallback>
@@ -11549,7 +11582,7 @@
   <a:extraClrSchemeLst/>
   <a:extLst>
     <a:ext uri="{05A4C25C-085E-4340-85A3-A5531E510DB2}">
-      <thm15:themeFamily xmlns="" xmlns:thm15="http://schemas.microsoft.com/office/thememl/2012/main" name="Office Theme" id="{62F939B6-93AF-4DB8-9C6B-D6C7DFDC589F}" vid="{4A3C46E8-61CC-4603-A589-7422A47A8E4A}"/>
+      <thm15:themeFamily xmlns:thm15="http://schemas.microsoft.com/office/thememl/2012/main" xmlns="" name="Office Theme" id="{62F939B6-93AF-4DB8-9C6B-D6C7DFDC589F}" vid="{4A3C46E8-61CC-4603-A589-7422A47A8E4A}"/>
     </a:ext>
   </a:extLst>
 </a:theme>
@@ -11810,7 +11843,7 @@
   <a:extraClrSchemeLst/>
   <a:extLst>
     <a:ext uri="{05A4C25C-085E-4340-85A3-A5531E510DB2}">
-      <thm15:themeFamily xmlns="" xmlns:thm15="http://schemas.microsoft.com/office/thememl/2012/main" name="Office Theme" id="{62F939B6-93AF-4DB8-9C6B-D6C7DFDC589F}" vid="{4A3C46E8-61CC-4603-A589-7422A47A8E4A}"/>
+      <thm15:themeFamily xmlns:thm15="http://schemas.microsoft.com/office/thememl/2012/main" xmlns="" name="Office Theme" id="{62F939B6-93AF-4DB8-9C6B-D6C7DFDC589F}" vid="{4A3C46E8-61CC-4603-A589-7422A47A8E4A}"/>
     </a:ext>
   </a:extLst>
 </a:theme>

--- a/ppt/2020/实战项目.pptx
+++ b/ppt/2020/实战项目.pptx
@@ -215,7 +215,7 @@
             <a:fld id="{5F920F0F-0E56-2B45-B1BF-268524318682}" type="datetimeFigureOut">
               <a:rPr kumimoji="1" lang="zh-CN" altLang="en-US" smtClean="0"/>
               <a:pPr/>
-              <a:t>2020/4/29</a:t>
+              <a:t>2020/5/10</a:t>
             </a:fld>
             <a:endParaRPr kumimoji="1" lang="zh-CN" altLang="en-US"/>
           </a:p>
@@ -291,7 +291,7 @@
     </p:spTree>
     <p:extLst>
       <p:ext uri="{BB962C8B-B14F-4D97-AF65-F5344CB8AC3E}">
-        <p14:creationId xmlns:p14="http://schemas.microsoft.com/office/powerpoint/2010/main" xmlns="" val="3407571201"/>
+        <p14:creationId xmlns:p14="http://schemas.microsoft.com/office/powerpoint/2010/main" val="3407571201"/>
       </p:ext>
     </p:extLst>
   </p:cSld>
@@ -383,7 +383,7 @@
             <a:fld id="{FB86081A-1E41-D34E-AC33-11FD77CCCD8D}" type="datetimeFigureOut">
               <a:rPr kumimoji="1" lang="zh-CN" altLang="en-US" smtClean="0"/>
               <a:pPr/>
-              <a:t>2020/4/29</a:t>
+              <a:t>2020/5/10</a:t>
             </a:fld>
             <a:endParaRPr kumimoji="1" lang="zh-CN" altLang="en-US"/>
           </a:p>
@@ -552,7 +552,7 @@
     </p:spTree>
     <p:extLst>
       <p:ext uri="{BB962C8B-B14F-4D97-AF65-F5344CB8AC3E}">
-        <p14:creationId xmlns:p14="http://schemas.microsoft.com/office/powerpoint/2010/main" xmlns="" val="2106316760"/>
+        <p14:creationId xmlns:p14="http://schemas.microsoft.com/office/powerpoint/2010/main" val="2106316760"/>
       </p:ext>
     </p:extLst>
   </p:cSld>
@@ -2049,7 +2049,7 @@
     </p:spTree>
     <p:extLst>
       <p:ext uri="{BB962C8B-B14F-4D97-AF65-F5344CB8AC3E}">
-        <p14:creationId xmlns:p14="http://schemas.microsoft.com/office/powerpoint/2010/main" xmlns="" val="347096014"/>
+        <p14:creationId xmlns:p14="http://schemas.microsoft.com/office/powerpoint/2010/main" val="347096014"/>
       </p:ext>
     </p:extLst>
   </p:cSld>
@@ -2479,7 +2479,7 @@
     </p:spTree>
     <p:extLst>
       <p:ext uri="{BB962C8B-B14F-4D97-AF65-F5344CB8AC3E}">
-        <p14:creationId xmlns:p14="http://schemas.microsoft.com/office/powerpoint/2010/main" xmlns="" val="347096014"/>
+        <p14:creationId xmlns:p14="http://schemas.microsoft.com/office/powerpoint/2010/main" val="347096014"/>
       </p:ext>
     </p:extLst>
   </p:cSld>
@@ -2564,7 +2564,7 @@
     </p:spTree>
     <p:extLst>
       <p:ext uri="{BB962C8B-B14F-4D97-AF65-F5344CB8AC3E}">
-        <p14:creationId xmlns:p14="http://schemas.microsoft.com/office/powerpoint/2010/main" xmlns="" val="855118000"/>
+        <p14:creationId xmlns:p14="http://schemas.microsoft.com/office/powerpoint/2010/main" val="855118000"/>
       </p:ext>
     </p:extLst>
   </p:cSld>
@@ -2622,13 +2622,7 @@
               <a:rPr lang="en-US" altLang="zh-CN" dirty="0" smtClean="0">
                 <a:hlinkClick r:id="rId3"/>
               </a:rPr>
-              <a:t>https://</a:t>
-            </a:r>
-            <a:r>
-              <a:rPr lang="en-US" altLang="zh-CN" dirty="0" smtClean="0">
-                <a:hlinkClick r:id="rId3"/>
-              </a:rPr>
-              <a:t>www.infoq.cn/article/UiKyF*4zxplSrpWZ5km1</a:t>
+              <a:t>https://www.infoq.cn/article/UiKyF*4zxplSrpWZ5km1</a:t>
             </a:r>
             <a:endParaRPr lang="en-US" altLang="zh-CN" dirty="0" smtClean="0"/>
           </a:p>
@@ -2733,7 +2727,7 @@
     </p:spTree>
     <p:extLst>
       <p:ext uri="{BB962C8B-B14F-4D97-AF65-F5344CB8AC3E}">
-        <p14:creationId xmlns:p14="http://schemas.microsoft.com/office/powerpoint/2010/main" xmlns="" val="855118000"/>
+        <p14:creationId xmlns:p14="http://schemas.microsoft.com/office/powerpoint/2010/main" val="855118000"/>
       </p:ext>
     </p:extLst>
   </p:cSld>
@@ -2772,7 +2766,7 @@
           <a:blip r:embed="rId2">
             <a:extLst>
               <a:ext uri="{28A0092B-C50C-407E-A947-70E740481C1C}">
-                <a14:useLocalDpi xmlns:a14="http://schemas.microsoft.com/office/drawing/2010/main" xmlns="" val="0"/>
+                <a14:useLocalDpi xmlns:a14="http://schemas.microsoft.com/office/drawing/2010/main" val="0"/>
               </a:ext>
             </a:extLst>
           </a:blip>
@@ -3061,7 +3055,7 @@
           <a:blip r:embed="rId3">
             <a:extLst>
               <a:ext uri="{28A0092B-C50C-407E-A947-70E740481C1C}">
-                <a14:useLocalDpi xmlns:a14="http://schemas.microsoft.com/office/drawing/2010/main" xmlns="" val="0"/>
+                <a14:useLocalDpi xmlns:a14="http://schemas.microsoft.com/office/drawing/2010/main" val="0"/>
               </a:ext>
             </a:extLst>
           </a:blip>
@@ -3357,7 +3351,7 @@
           <a:blip r:embed="rId2">
             <a:extLst>
               <a:ext uri="{28A0092B-C50C-407E-A947-70E740481C1C}">
-                <a14:useLocalDpi xmlns:a14="http://schemas.microsoft.com/office/drawing/2010/main" xmlns="" val="0"/>
+                <a14:useLocalDpi xmlns:a14="http://schemas.microsoft.com/office/drawing/2010/main" val="0"/>
               </a:ext>
             </a:extLst>
           </a:blip>
@@ -3387,7 +3381,7 @@
           <a:blip r:embed="rId3">
             <a:extLst>
               <a:ext uri="{28A0092B-C50C-407E-A947-70E740481C1C}">
-                <a14:useLocalDpi xmlns:a14="http://schemas.microsoft.com/office/drawing/2010/main" xmlns="" val="0"/>
+                <a14:useLocalDpi xmlns:a14="http://schemas.microsoft.com/office/drawing/2010/main" val="0"/>
               </a:ext>
             </a:extLst>
           </a:blip>
@@ -3659,7 +3653,7 @@
           <a:blip r:embed="rId2">
             <a:extLst>
               <a:ext uri="{28A0092B-C50C-407E-A947-70E740481C1C}">
-                <a14:useLocalDpi xmlns:a14="http://schemas.microsoft.com/office/drawing/2010/main" xmlns="" val="0"/>
+                <a14:useLocalDpi xmlns:a14="http://schemas.microsoft.com/office/drawing/2010/main" val="0"/>
               </a:ext>
             </a:extLst>
           </a:blip>
@@ -3689,7 +3683,7 @@
           <a:blip r:embed="rId3">
             <a:extLst>
               <a:ext uri="{28A0092B-C50C-407E-A947-70E740481C1C}">
-                <a14:useLocalDpi xmlns:a14="http://schemas.microsoft.com/office/drawing/2010/main" xmlns="" val="0"/>
+                <a14:useLocalDpi xmlns:a14="http://schemas.microsoft.com/office/drawing/2010/main" val="0"/>
               </a:ext>
             </a:extLst>
           </a:blip>
@@ -4025,7 +4019,7 @@
           <a:blip r:embed="rId2">
             <a:extLst>
               <a:ext uri="{28A0092B-C50C-407E-A947-70E740481C1C}">
-                <a14:useLocalDpi xmlns:a14="http://schemas.microsoft.com/office/drawing/2010/main" xmlns="" val="0"/>
+                <a14:useLocalDpi xmlns:a14="http://schemas.microsoft.com/office/drawing/2010/main" val="0"/>
               </a:ext>
             </a:extLst>
           </a:blip>
@@ -4055,7 +4049,7 @@
           <a:blip r:embed="rId3">
             <a:extLst>
               <a:ext uri="{28A0092B-C50C-407E-A947-70E740481C1C}">
-                <a14:useLocalDpi xmlns:a14="http://schemas.microsoft.com/office/drawing/2010/main" xmlns="" val="0"/>
+                <a14:useLocalDpi xmlns:a14="http://schemas.microsoft.com/office/drawing/2010/main" val="0"/>
               </a:ext>
             </a:extLst>
           </a:blip>
@@ -4370,7 +4364,7 @@
           <a:blip r:embed="rId2">
             <a:extLst>
               <a:ext uri="{28A0092B-C50C-407E-A947-70E740481C1C}">
-                <a14:useLocalDpi xmlns:a14="http://schemas.microsoft.com/office/drawing/2010/main" xmlns="" val="0"/>
+                <a14:useLocalDpi xmlns:a14="http://schemas.microsoft.com/office/drawing/2010/main" val="0"/>
               </a:ext>
             </a:extLst>
           </a:blip>
@@ -4400,7 +4394,7 @@
           <a:blip r:embed="rId3">
             <a:extLst>
               <a:ext uri="{28A0092B-C50C-407E-A947-70E740481C1C}">
-                <a14:useLocalDpi xmlns:a14="http://schemas.microsoft.com/office/drawing/2010/main" xmlns="" val="0"/>
+                <a14:useLocalDpi xmlns:a14="http://schemas.microsoft.com/office/drawing/2010/main" val="0"/>
               </a:ext>
             </a:extLst>
           </a:blip>
@@ -4592,7 +4586,7 @@
             <a:fld id="{7BC3C6E0-25AE-8A44-A617-CADD813DE539}" type="datetime1">
               <a:rPr lang="zh-CN" altLang="en-US" smtClean="0"/>
               <a:pPr/>
-              <a:t>2020/4/29</a:t>
+              <a:t>2020/5/10</a:t>
             </a:fld>
             <a:endParaRPr lang="zh-CN" altLang="en-US" dirty="0"/>
           </a:p>
@@ -4816,7 +4810,7 @@
           <a:blip r:embed="rId2">
             <a:extLst>
               <a:ext uri="{28A0092B-C50C-407E-A947-70E740481C1C}">
-                <a14:useLocalDpi xmlns:a14="http://schemas.microsoft.com/office/drawing/2010/main" xmlns="" val="0"/>
+                <a14:useLocalDpi xmlns:a14="http://schemas.microsoft.com/office/drawing/2010/main" val="0"/>
               </a:ext>
             </a:extLst>
           </a:blip>
@@ -5002,7 +4996,7 @@
             <a:fld id="{B8DE94C4-0AC0-E74D-83DE-D1778C094258}" type="datetime1">
               <a:rPr lang="zh-CN" altLang="en-US" smtClean="0"/>
               <a:pPr/>
-              <a:t>2020/4/29</a:t>
+              <a:t>2020/5/10</a:t>
             </a:fld>
             <a:endParaRPr lang="zh-CN" altLang="en-US" dirty="0"/>
           </a:p>
@@ -5764,7 +5758,7 @@
     </p:spTree>
     <p:extLst>
       <p:ext uri="{BB962C8B-B14F-4D97-AF65-F5344CB8AC3E}">
-        <p14:creationId xmlns:p14="http://schemas.microsoft.com/office/powerpoint/2010/main" xmlns="" val="3313057596"/>
+        <p14:creationId xmlns:p14="http://schemas.microsoft.com/office/powerpoint/2010/main" val="3313057596"/>
       </p:ext>
     </p:extLst>
   </p:cSld>
@@ -6791,7 +6785,7 @@
     </p:spTree>
     <p:extLst>
       <p:ext uri="{BB962C8B-B14F-4D97-AF65-F5344CB8AC3E}">
-        <p14:creationId xmlns:p14="http://schemas.microsoft.com/office/powerpoint/2010/main" xmlns="" val="2327649552"/>
+        <p14:creationId xmlns:p14="http://schemas.microsoft.com/office/powerpoint/2010/main" val="2327649552"/>
       </p:ext>
     </p:extLst>
   </p:cSld>
@@ -8410,11 +8404,7 @@
           <a:p>
             <a:r>
               <a:rPr lang="zh-CN" altLang="en-US" dirty="0" smtClean="0"/>
-              <a:t>心跳检测（如何实现具体</a:t>
-            </a:r>
-            <a:r>
-              <a:rPr lang="zh-CN" altLang="en-US" dirty="0" smtClean="0"/>
-              <a:t>实现过程）</a:t>
+              <a:t>心跳检测（如何实现具体实现过程）</a:t>
             </a:r>
             <a:endParaRPr lang="en-US" altLang="zh-CN" dirty="0" smtClean="0"/>
           </a:p>
@@ -8482,7 +8472,7 @@
     </p:spTree>
     <p:extLst>
       <p:ext uri="{BB962C8B-B14F-4D97-AF65-F5344CB8AC3E}">
-        <p14:creationId xmlns:p14="http://schemas.microsoft.com/office/powerpoint/2010/main" xmlns="" val="1923392337"/>
+        <p14:creationId xmlns:p14="http://schemas.microsoft.com/office/powerpoint/2010/main" val="1923392337"/>
       </p:ext>
     </p:extLst>
   </p:cSld>
@@ -8554,11 +8544,7 @@
           <a:p>
             <a:r>
               <a:rPr altLang="en-US" dirty="0" smtClean="0"/>
-              <a:t>陈浩的专栏</a:t>
-            </a:r>
-            <a:r>
-              <a:rPr altLang="en-US" dirty="0" smtClean="0"/>
-              <a:t>。</a:t>
+              <a:t>陈浩的专栏。</a:t>
             </a:r>
             <a:endParaRPr lang="en-US" altLang="en-US" dirty="0" smtClean="0"/>
           </a:p>
@@ -8649,7 +8635,7 @@
     </p:spTree>
     <p:extLst>
       <p:ext uri="{BB962C8B-B14F-4D97-AF65-F5344CB8AC3E}">
-        <p14:creationId xmlns:p14="http://schemas.microsoft.com/office/powerpoint/2010/main" xmlns="" val="1923392337"/>
+        <p14:creationId xmlns:p14="http://schemas.microsoft.com/office/powerpoint/2010/main" val="1923392337"/>
       </p:ext>
     </p:extLst>
   </p:cSld>
@@ -8765,11 +8751,11 @@
   <p:clrMapOvr>
     <a:masterClrMapping/>
   </p:clrMapOvr>
-  <mc:AlternateContent xmlns:mc="http://schemas.openxmlformats.org/markup-compatibility/2006">
-    <mc:Choice xmlns:p14="http://schemas.microsoft.com/office/powerpoint/2010/main" xmlns="" Requires="p14">
+  <mc:AlternateContent xmlns:mc="http://schemas.openxmlformats.org/markup-compatibility/2006" xmlns:p14="http://schemas.microsoft.com/office/powerpoint/2010/main">
+    <mc:Choice Requires="p14">
       <p:transition spd="slow" p14:dur="2000"/>
     </mc:Choice>
-    <mc:Fallback>
+    <mc:Fallback xmlns="">
       <p:transition spd="slow"/>
     </mc:Fallback>
   </mc:AlternateContent>
@@ -8988,7 +8974,7 @@
     </p:spTree>
     <p:extLst>
       <p:ext uri="{BB962C8B-B14F-4D97-AF65-F5344CB8AC3E}">
-        <p14:creationId xmlns:p14="http://schemas.microsoft.com/office/powerpoint/2010/main" xmlns="" val="4095532216"/>
+        <p14:creationId xmlns:p14="http://schemas.microsoft.com/office/powerpoint/2010/main" val="4095532216"/>
       </p:ext>
     </p:extLst>
   </p:cSld>
@@ -9175,7 +9161,7 @@
     </p:spTree>
     <p:extLst>
       <p:ext uri="{BB962C8B-B14F-4D97-AF65-F5344CB8AC3E}">
-        <p14:creationId xmlns:p14="http://schemas.microsoft.com/office/powerpoint/2010/main" xmlns="" val="4095532216"/>
+        <p14:creationId xmlns:p14="http://schemas.microsoft.com/office/powerpoint/2010/main" val="4095532216"/>
       </p:ext>
     </p:extLst>
   </p:cSld>
@@ -9463,7 +9449,7 @@
     </p:spTree>
     <p:extLst>
       <p:ext uri="{BB962C8B-B14F-4D97-AF65-F5344CB8AC3E}">
-        <p14:creationId xmlns:p14="http://schemas.microsoft.com/office/powerpoint/2010/main" xmlns="" val="3575490198"/>
+        <p14:creationId xmlns:p14="http://schemas.microsoft.com/office/powerpoint/2010/main" val="3575490198"/>
       </p:ext>
     </p:extLst>
   </p:cSld>
@@ -9809,12 +9795,12 @@
               <a:buAutoNum type="arabicPeriod"/>
             </a:pPr>
             <a:r>
-              <a:rPr lang="en-US" altLang="zh-CN">
+              <a:rPr lang="zh-CN" altLang="en-US">
                 <a:solidFill>
                   <a:srgbClr val="FF0000"/>
                 </a:solidFill>
               </a:rPr>
-              <a:t> </a:t>
+              <a:t>假</a:t>
             </a:r>
             <a:r>
               <a:rPr lang="zh-CN" altLang="en-US" smtClean="0">
@@ -9822,7 +9808,15 @@
                   <a:srgbClr val="FF0000"/>
                 </a:solidFill>
               </a:rPr>
-              <a:t>把你项目描述拿出来 自己读三次</a:t>
+              <a:t>如你负责项目，请问架</a:t>
+            </a:r>
+            <a:r>
+              <a:rPr lang="zh-CN" altLang="en-US">
+                <a:solidFill>
+                  <a:srgbClr val="FF0000"/>
+                </a:solidFill>
+              </a:rPr>
+              <a:t>构是什么？画出来</a:t>
             </a:r>
             <a:endParaRPr lang="en-US" altLang="zh-CN" smtClean="0">
               <a:solidFill>
@@ -9841,7 +9835,7 @@
                   <a:srgbClr val="FF0000"/>
                 </a:solidFill>
               </a:rPr>
-              <a:t>发</a:t>
+              <a:t>假</a:t>
             </a:r>
             <a:r>
               <a:rPr lang="zh-CN" altLang="en-US" smtClean="0">
@@ -9849,7 +9843,23 @@
                   <a:srgbClr val="FF0000"/>
                 </a:solidFill>
               </a:rPr>
-              <a:t>现自己是怎么做的，说清楚。不考虑负载技术</a:t>
+              <a:t>如让你实现，需要哪些技术</a:t>
+            </a:r>
+            <a:r>
+              <a:rPr lang="en-US" altLang="zh-CN" smtClean="0">
+                <a:solidFill>
+                  <a:srgbClr val="FF0000"/>
+                </a:solidFill>
+              </a:rPr>
+              <a:t>/</a:t>
+            </a:r>
+            <a:r>
+              <a:rPr lang="zh-CN" altLang="en-US" smtClean="0">
+                <a:solidFill>
+                  <a:srgbClr val="FF0000"/>
+                </a:solidFill>
+              </a:rPr>
+              <a:t>方案？写出来</a:t>
             </a:r>
             <a:endParaRPr lang="en-US" altLang="zh-CN" smtClean="0">
               <a:solidFill>
@@ -9868,7 +9878,7 @@
                   <a:srgbClr val="FF0000"/>
                 </a:solidFill>
               </a:rPr>
-              <a:t>如</a:t>
+              <a:t>运</a:t>
             </a:r>
             <a:r>
               <a:rPr lang="zh-CN" altLang="en-US" smtClean="0">
@@ -9876,7 +9886,7 @@
                   <a:srgbClr val="FF0000"/>
                 </a:solidFill>
               </a:rPr>
-              <a:t>何优化和改造。</a:t>
+              <a:t>行效果如何？具体指标。</a:t>
             </a:r>
             <a:endParaRPr lang="zh-CN" altLang="en-US" dirty="0">
               <a:solidFill>
@@ -9918,7 +9928,7 @@
     </p:spTree>
     <p:extLst>
       <p:ext uri="{BB962C8B-B14F-4D97-AF65-F5344CB8AC3E}">
-        <p14:creationId xmlns:p14="http://schemas.microsoft.com/office/powerpoint/2010/main" xmlns="" val="610401656"/>
+        <p14:creationId xmlns:p14="http://schemas.microsoft.com/office/powerpoint/2010/main" val="610401656"/>
       </p:ext>
     </p:extLst>
   </p:cSld>
@@ -10104,11 +10114,11 @@
   <p:clrMapOvr>
     <a:masterClrMapping/>
   </p:clrMapOvr>
-  <mc:AlternateContent xmlns:mc="http://schemas.openxmlformats.org/markup-compatibility/2006">
-    <mc:Choice xmlns:p14="http://schemas.microsoft.com/office/powerpoint/2010/main" xmlns="" Requires="p14">
+  <mc:AlternateContent xmlns:mc="http://schemas.openxmlformats.org/markup-compatibility/2006" xmlns:p14="http://schemas.microsoft.com/office/powerpoint/2010/main">
+    <mc:Choice Requires="p14">
       <p:transition spd="slow" p14:dur="2000"/>
     </mc:Choice>
-    <mc:Fallback>
+    <mc:Fallback xmlns="">
       <p:transition spd="slow"/>
     </mc:Fallback>
   </mc:AlternateContent>
@@ -10207,11 +10217,11 @@
   <p:clrMapOvr>
     <a:masterClrMapping/>
   </p:clrMapOvr>
-  <mc:AlternateContent xmlns:mc="http://schemas.openxmlformats.org/markup-compatibility/2006">
-    <mc:Choice xmlns:p14="http://schemas.microsoft.com/office/powerpoint/2010/main" xmlns="" Requires="p14">
+  <mc:AlternateContent xmlns:mc="http://schemas.openxmlformats.org/markup-compatibility/2006" xmlns:p14="http://schemas.microsoft.com/office/powerpoint/2010/main">
+    <mc:Choice Requires="p14">
       <p:transition spd="slow" p14:dur="2000"/>
     </mc:Choice>
-    <mc:Fallback>
+    <mc:Fallback xmlns="">
       <p:transition spd="slow"/>
     </mc:Fallback>
   </mc:AlternateContent>
@@ -10358,11 +10368,11 @@
   <p:clrMapOvr>
     <a:masterClrMapping/>
   </p:clrMapOvr>
-  <mc:AlternateContent xmlns:mc="http://schemas.openxmlformats.org/markup-compatibility/2006">
-    <mc:Choice xmlns:p14="http://schemas.microsoft.com/office/powerpoint/2010/main" xmlns="" Requires="p14">
+  <mc:AlternateContent xmlns:mc="http://schemas.openxmlformats.org/markup-compatibility/2006" xmlns:p14="http://schemas.microsoft.com/office/powerpoint/2010/main">
+    <mc:Choice Requires="p14">
       <p:transition spd="slow" p14:dur="2000"/>
     </mc:Choice>
-    <mc:Fallback>
+    <mc:Fallback xmlns="">
       <p:transition spd="slow"/>
     </mc:Fallback>
   </mc:AlternateContent>
@@ -10502,11 +10512,11 @@
   <p:clrMapOvr>
     <a:masterClrMapping/>
   </p:clrMapOvr>
-  <mc:AlternateContent xmlns:mc="http://schemas.openxmlformats.org/markup-compatibility/2006">
-    <mc:Choice xmlns:p14="http://schemas.microsoft.com/office/powerpoint/2010/main" xmlns="" Requires="p14">
+  <mc:AlternateContent xmlns:mc="http://schemas.openxmlformats.org/markup-compatibility/2006" xmlns:p14="http://schemas.microsoft.com/office/powerpoint/2010/main">
+    <mc:Choice Requires="p14">
       <p:transition spd="slow" p14:dur="2000"/>
     </mc:Choice>
-    <mc:Fallback>
+    <mc:Fallback xmlns="">
       <p:transition spd="slow"/>
     </mc:Fallback>
   </mc:AlternateContent>
@@ -10795,11 +10805,11 @@
   <p:clrMapOvr>
     <a:masterClrMapping/>
   </p:clrMapOvr>
-  <mc:AlternateContent xmlns:mc="http://schemas.openxmlformats.org/markup-compatibility/2006">
-    <mc:Choice xmlns:p14="http://schemas.microsoft.com/office/powerpoint/2010/main" xmlns="" Requires="p14">
+  <mc:AlternateContent xmlns:mc="http://schemas.openxmlformats.org/markup-compatibility/2006" xmlns:p14="http://schemas.microsoft.com/office/powerpoint/2010/main">
+    <mc:Choice Requires="p14">
       <p:transition spd="slow" p14:dur="2000"/>
     </mc:Choice>
-    <mc:Fallback>
+    <mc:Fallback xmlns="">
       <p:transition spd="slow"/>
     </mc:Fallback>
   </mc:AlternateContent>
@@ -10999,11 +11009,11 @@
   <p:clrMapOvr>
     <a:masterClrMapping/>
   </p:clrMapOvr>
-  <mc:AlternateContent xmlns:mc="http://schemas.openxmlformats.org/markup-compatibility/2006">
-    <mc:Choice xmlns:p14="http://schemas.microsoft.com/office/powerpoint/2010/main" xmlns="" Requires="p14">
+  <mc:AlternateContent xmlns:mc="http://schemas.openxmlformats.org/markup-compatibility/2006" xmlns:p14="http://schemas.microsoft.com/office/powerpoint/2010/main">
+    <mc:Choice Requires="p14">
       <p:transition spd="slow" p14:dur="2000"/>
     </mc:Choice>
-    <mc:Fallback>
+    <mc:Fallback xmlns="">
       <p:transition spd="slow"/>
     </mc:Fallback>
   </mc:AlternateContent>
@@ -11199,11 +11209,11 @@
   <p:clrMapOvr>
     <a:masterClrMapping/>
   </p:clrMapOvr>
-  <mc:AlternateContent xmlns:mc="http://schemas.openxmlformats.org/markup-compatibility/2006">
-    <mc:Choice xmlns:p14="http://schemas.microsoft.com/office/powerpoint/2010/main" xmlns="" Requires="p14">
+  <mc:AlternateContent xmlns:mc="http://schemas.openxmlformats.org/markup-compatibility/2006" xmlns:p14="http://schemas.microsoft.com/office/powerpoint/2010/main">
+    <mc:Choice Requires="p14">
       <p:transition spd="slow" p14:dur="2000"/>
     </mc:Choice>
-    <mc:Fallback>
+    <mc:Fallback xmlns="">
       <p:transition spd="slow"/>
     </mc:Fallback>
   </mc:AlternateContent>
@@ -11225,7 +11235,7 @@
         <a:sysClr val="windowText" lastClr="000000"/>
       </a:dk1>
       <a:lt1>
-        <a:sysClr val="window" lastClr="FFFFFF"/>
+        <a:sysClr val="window" lastClr="CCE8CF"/>
       </a:lt1>
       <a:dk2>
         <a:srgbClr val="1F497D"/>
@@ -11549,7 +11559,7 @@
   <a:extraClrSchemeLst/>
   <a:extLst>
     <a:ext uri="{05A4C25C-085E-4340-85A3-A5531E510DB2}">
-      <thm15:themeFamily xmlns="" xmlns:thm15="http://schemas.microsoft.com/office/thememl/2012/main" name="Office Theme" id="{62F939B6-93AF-4DB8-9C6B-D6C7DFDC589F}" vid="{4A3C46E8-61CC-4603-A589-7422A47A8E4A}"/>
+      <thm15:themeFamily xmlns:thm15="http://schemas.microsoft.com/office/thememl/2012/main" xmlns="" name="Office Theme" id="{62F939B6-93AF-4DB8-9C6B-D6C7DFDC589F}" vid="{4A3C46E8-61CC-4603-A589-7422A47A8E4A}"/>
     </a:ext>
   </a:extLst>
 </a:theme>
@@ -11563,7 +11573,7 @@
         <a:sysClr val="windowText" lastClr="000000"/>
       </a:dk1>
       <a:lt1>
-        <a:sysClr val="window" lastClr="FFFFFF"/>
+        <a:sysClr val="window" lastClr="CCE8CF"/>
       </a:lt1>
       <a:dk2>
         <a:srgbClr val="44546A"/>
@@ -11810,7 +11820,7 @@
   <a:extraClrSchemeLst/>
   <a:extLst>
     <a:ext uri="{05A4C25C-085E-4340-85A3-A5531E510DB2}">
-      <thm15:themeFamily xmlns="" xmlns:thm15="http://schemas.microsoft.com/office/thememl/2012/main" name="Office Theme" id="{62F939B6-93AF-4DB8-9C6B-D6C7DFDC589F}" vid="{4A3C46E8-61CC-4603-A589-7422A47A8E4A}"/>
+      <thm15:themeFamily xmlns:thm15="http://schemas.microsoft.com/office/thememl/2012/main" xmlns="" name="Office Theme" id="{62F939B6-93AF-4DB8-9C6B-D6C7DFDC589F}" vid="{4A3C46E8-61CC-4603-A589-7422A47A8E4A}"/>
     </a:ext>
   </a:extLst>
 </a:theme>
@@ -11824,7 +11834,7 @@
         <a:sysClr val="windowText" lastClr="000000"/>
       </a:dk1>
       <a:lt1>
-        <a:sysClr val="window" lastClr="FFFFFF"/>
+        <a:sysClr val="window" lastClr="CCE8CF"/>
       </a:lt1>
       <a:dk2>
         <a:srgbClr val="1F497D"/>

--- a/ppt/2020/实战项目.pptx
+++ b/ppt/2020/实战项目.pptx
@@ -5,10 +5,10 @@
     <p:sldMasterId id="2147483648" r:id="rId1"/>
   </p:sldMasterIdLst>
   <p:notesMasterIdLst>
-    <p:notesMasterId r:id="rId22"/>
+    <p:notesMasterId r:id="rId23"/>
   </p:notesMasterIdLst>
   <p:handoutMasterIdLst>
-    <p:handoutMasterId r:id="rId23"/>
+    <p:handoutMasterId r:id="rId24"/>
   </p:handoutMasterIdLst>
   <p:sldIdLst>
     <p:sldId id="273" r:id="rId2"/>
@@ -31,6 +31,7 @@
     <p:sldId id="293" r:id="rId19"/>
     <p:sldId id="296" r:id="rId20"/>
     <p:sldId id="295" r:id="rId21"/>
+    <p:sldId id="297" r:id="rId22"/>
   </p:sldIdLst>
   <p:sldSz cx="9144000" cy="5143500" type="screen16x9"/>
   <p:notesSz cx="6858000" cy="9144000"/>
@@ -9945,6 +9946,274 @@
 </p:sld>
 </file>
 
+<file path=ppt/slides/slide21.xml><?xml version="1.0" encoding="utf-8"?>
+<p:sld xmlns:a="http://schemas.openxmlformats.org/drawingml/2006/main" xmlns:r="http://schemas.openxmlformats.org/officeDocument/2006/relationships" xmlns:p="http://schemas.openxmlformats.org/presentationml/2006/main">
+  <p:cSld>
+    <p:spTree>
+      <p:nvGrpSpPr>
+        <p:cNvPr id="1" name=""/>
+        <p:cNvGrpSpPr/>
+        <p:nvPr/>
+      </p:nvGrpSpPr>
+      <p:grpSpPr>
+        <a:xfrm>
+          <a:off x="0" y="0"/>
+          <a:ext cx="0" cy="0"/>
+          <a:chOff x="0" y="0"/>
+          <a:chExt cx="0" cy="0"/>
+        </a:xfrm>
+      </p:grpSpPr>
+      <p:sp>
+        <p:nvSpPr>
+          <p:cNvPr id="2" name="标题 1"/>
+          <p:cNvSpPr>
+            <a:spLocks noGrp="1"/>
+          </p:cNvSpPr>
+          <p:nvPr>
+            <p:ph type="title"/>
+          </p:nvPr>
+        </p:nvSpPr>
+        <p:spPr>
+          <a:xfrm>
+            <a:off x="417600" y="231379"/>
+            <a:ext cx="8474880" cy="857250"/>
+          </a:xfrm>
+        </p:spPr>
+        <p:style>
+          <a:lnRef idx="2">
+            <a:schemeClr val="accent2">
+              <a:shade val="50000"/>
+            </a:schemeClr>
+          </a:lnRef>
+          <a:fillRef idx="1">
+            <a:schemeClr val="accent2"/>
+          </a:fillRef>
+          <a:effectRef idx="0">
+            <a:schemeClr val="accent2"/>
+          </a:effectRef>
+          <a:fontRef idx="minor">
+            <a:schemeClr val="lt1"/>
+          </a:fontRef>
+        </p:style>
+        <p:txBody>
+          <a:bodyPr/>
+          <a:lstStyle/>
+          <a:p>
+            <a:r>
+              <a:rPr altLang="en-US" sz="2000" dirty="0" smtClean="0">
+                <a:solidFill>
+                  <a:schemeClr val="tx1"/>
+                </a:solidFill>
+              </a:rPr>
+              <a:t>陈咬金三板斧</a:t>
+            </a:r>
+            <a:r>
+              <a:rPr lang="zh-CN" altLang="en-US" sz="2000" dirty="0" smtClean="0">
+                <a:solidFill>
+                  <a:schemeClr val="tx1"/>
+                </a:solidFill>
+              </a:rPr>
+              <a:t>（</a:t>
+            </a:r>
+            <a:r>
+              <a:rPr lang="zh-CN" altLang="en-US" sz="2000" dirty="0">
+                <a:solidFill>
+                  <a:schemeClr val="tx1"/>
+                </a:solidFill>
+              </a:rPr>
+              <a:t>微软雅黑</a:t>
+            </a:r>
+            <a:r>
+              <a:rPr lang="en-US" altLang="zh-CN" sz="2000" dirty="0">
+                <a:solidFill>
+                  <a:schemeClr val="tx1"/>
+                </a:solidFill>
+              </a:rPr>
+              <a:t>28</a:t>
+            </a:r>
+            <a:r>
+              <a:rPr lang="zh-CN" altLang="en-US" sz="2000" dirty="0">
+                <a:solidFill>
+                  <a:schemeClr val="tx1"/>
+                </a:solidFill>
+              </a:rPr>
+              <a:t>）</a:t>
+            </a:r>
+          </a:p>
+        </p:txBody>
+      </p:sp>
+      <p:sp>
+        <p:nvSpPr>
+          <p:cNvPr id="3" name="内容占位符 2"/>
+          <p:cNvSpPr>
+            <a:spLocks noGrp="1"/>
+          </p:cNvSpPr>
+          <p:nvPr>
+            <p:ph idx="1"/>
+          </p:nvPr>
+        </p:nvSpPr>
+        <p:spPr/>
+        <p:txBody>
+          <a:bodyPr>
+            <a:noAutofit/>
+          </a:bodyPr>
+          <a:lstStyle/>
+          <a:p>
+            <a:pPr>
+              <a:buFont typeface="+mj-lt"/>
+              <a:buAutoNum type="arabicPeriod"/>
+            </a:pPr>
+            <a:r>
+              <a:rPr lang="zh-CN" altLang="en-US">
+                <a:solidFill>
+                  <a:srgbClr val="FF0000"/>
+                </a:solidFill>
+              </a:rPr>
+              <a:t>假</a:t>
+            </a:r>
+            <a:r>
+              <a:rPr lang="zh-CN" altLang="en-US" smtClean="0">
+                <a:solidFill>
+                  <a:srgbClr val="FF0000"/>
+                </a:solidFill>
+              </a:rPr>
+              <a:t>如你负责项目，请问架</a:t>
+            </a:r>
+            <a:r>
+              <a:rPr lang="zh-CN" altLang="en-US">
+                <a:solidFill>
+                  <a:srgbClr val="FF0000"/>
+                </a:solidFill>
+              </a:rPr>
+              <a:t>构是什么？画出来</a:t>
+            </a:r>
+            <a:endParaRPr lang="en-US" altLang="zh-CN" smtClean="0">
+              <a:solidFill>
+                <a:srgbClr val="FF0000"/>
+              </a:solidFill>
+            </a:endParaRPr>
+          </a:p>
+          <a:p>
+            <a:pPr>
+              <a:buFont typeface="+mj-lt"/>
+              <a:buAutoNum type="arabicPeriod"/>
+            </a:pPr>
+            <a:r>
+              <a:rPr lang="zh-CN" altLang="en-US">
+                <a:solidFill>
+                  <a:srgbClr val="FF0000"/>
+                </a:solidFill>
+              </a:rPr>
+              <a:t>假</a:t>
+            </a:r>
+            <a:r>
+              <a:rPr lang="zh-CN" altLang="en-US" smtClean="0">
+                <a:solidFill>
+                  <a:srgbClr val="FF0000"/>
+                </a:solidFill>
+              </a:rPr>
+              <a:t>如让你实现，需要哪些技术</a:t>
+            </a:r>
+            <a:r>
+              <a:rPr lang="en-US" altLang="zh-CN" smtClean="0">
+                <a:solidFill>
+                  <a:srgbClr val="FF0000"/>
+                </a:solidFill>
+              </a:rPr>
+              <a:t>/</a:t>
+            </a:r>
+            <a:r>
+              <a:rPr lang="zh-CN" altLang="en-US" smtClean="0">
+                <a:solidFill>
+                  <a:srgbClr val="FF0000"/>
+                </a:solidFill>
+              </a:rPr>
+              <a:t>方案？写出来</a:t>
+            </a:r>
+            <a:endParaRPr lang="en-US" altLang="zh-CN" smtClean="0">
+              <a:solidFill>
+                <a:srgbClr val="FF0000"/>
+              </a:solidFill>
+            </a:endParaRPr>
+          </a:p>
+          <a:p>
+            <a:pPr>
+              <a:buFont typeface="+mj-lt"/>
+              <a:buAutoNum type="arabicPeriod"/>
+            </a:pPr>
+            <a:r>
+              <a:rPr lang="zh-CN" altLang="en-US">
+                <a:solidFill>
+                  <a:srgbClr val="FF0000"/>
+                </a:solidFill>
+              </a:rPr>
+              <a:t>运</a:t>
+            </a:r>
+            <a:r>
+              <a:rPr lang="zh-CN" altLang="en-US" smtClean="0">
+                <a:solidFill>
+                  <a:srgbClr val="FF0000"/>
+                </a:solidFill>
+              </a:rPr>
+              <a:t>行效果如何？具体指标。</a:t>
+            </a:r>
+            <a:endParaRPr lang="zh-CN" altLang="en-US" dirty="0">
+              <a:solidFill>
+                <a:srgbClr val="FF0000"/>
+              </a:solidFill>
+            </a:endParaRPr>
+          </a:p>
+        </p:txBody>
+      </p:sp>
+      <p:sp>
+        <p:nvSpPr>
+          <p:cNvPr id="4" name="幻灯片编号占位符 3"/>
+          <p:cNvSpPr>
+            <a:spLocks noGrp="1"/>
+          </p:cNvSpPr>
+          <p:nvPr>
+            <p:ph type="sldNum" sz="quarter" idx="4294967295"/>
+          </p:nvPr>
+        </p:nvSpPr>
+        <p:spPr>
+          <a:xfrm>
+            <a:off x="8316416" y="4767263"/>
+            <a:ext cx="2133600" cy="273844"/>
+          </a:xfrm>
+        </p:spPr>
+        <p:txBody>
+          <a:bodyPr/>
+          <a:lstStyle/>
+          <a:p>
+            <a:fld id="{0C913308-F349-4B6D-A68A-DD1791B4A57B}" type="slidenum">
+              <a:rPr lang="zh-CN" altLang="en-US" smtClean="0"/>
+              <a:pPr/>
+              <a:t>20</a:t>
+            </a:fld>
+            <a:endParaRPr lang="zh-CN" altLang="en-US" dirty="0"/>
+          </a:p>
+        </p:txBody>
+      </p:sp>
+    </p:spTree>
+    <p:extLst>
+      <p:ext uri="{BB962C8B-B14F-4D97-AF65-F5344CB8AC3E}">
+        <p14:creationId xmlns:p14="http://schemas.microsoft.com/office/powerpoint/2010/main" val="1292372399"/>
+      </p:ext>
+    </p:extLst>
+  </p:cSld>
+  <p:clrMapOvr>
+    <a:masterClrMapping/>
+  </p:clrMapOvr>
+  <p:timing>
+    <p:tnLst>
+      <p:par>
+        <p:cTn id="1" dur="indefinite" restart="never" nodeType="tmRoot"/>
+      </p:par>
+    </p:tnLst>
+  </p:timing>
+</p:sld>
+</file>
+
 <file path=ppt/slides/slide3.xml><?xml version="1.0" encoding="utf-8"?>
 <p:sld xmlns:a="http://schemas.openxmlformats.org/drawingml/2006/main" xmlns:r="http://schemas.openxmlformats.org/officeDocument/2006/relationships" xmlns:p="http://schemas.openxmlformats.org/presentationml/2006/main" show="0">
   <p:cSld>
@@ -11559,7 +11828,7 @@
   <a:extraClrSchemeLst/>
   <a:extLst>
     <a:ext uri="{05A4C25C-085E-4340-85A3-A5531E510DB2}">
-      <thm15:themeFamily xmlns:thm15="http://schemas.microsoft.com/office/thememl/2012/main" xmlns="" name="Office Theme" id="{62F939B6-93AF-4DB8-9C6B-D6C7DFDC589F}" vid="{4A3C46E8-61CC-4603-A589-7422A47A8E4A}"/>
+      <thm15:themeFamily xmlns="" xmlns:thm15="http://schemas.microsoft.com/office/thememl/2012/main" name="Office Theme" id="{62F939B6-93AF-4DB8-9C6B-D6C7DFDC589F}" vid="{4A3C46E8-61CC-4603-A589-7422A47A8E4A}"/>
     </a:ext>
   </a:extLst>
 </a:theme>
@@ -11820,7 +12089,7 @@
   <a:extraClrSchemeLst/>
   <a:extLst>
     <a:ext uri="{05A4C25C-085E-4340-85A3-A5531E510DB2}">
-      <thm15:themeFamily xmlns:thm15="http://schemas.microsoft.com/office/thememl/2012/main" xmlns="" name="Office Theme" id="{62F939B6-93AF-4DB8-9C6B-D6C7DFDC589F}" vid="{4A3C46E8-61CC-4603-A589-7422A47A8E4A}"/>
+      <thm15:themeFamily xmlns="" xmlns:thm15="http://schemas.microsoft.com/office/thememl/2012/main" name="Office Theme" id="{62F939B6-93AF-4DB8-9C6B-D6C7DFDC589F}" vid="{4A3C46E8-61CC-4603-A589-7422A47A8E4A}"/>
     </a:ext>
   </a:extLst>
 </a:theme>

--- a/ppt/2020/实战项目.pptx
+++ b/ppt/2020/实战项目.pptx
@@ -5,10 +5,10 @@
     <p:sldMasterId id="2147483648" r:id="rId1"/>
   </p:sldMasterIdLst>
   <p:notesMasterIdLst>
-    <p:notesMasterId r:id="rId22"/>
+    <p:notesMasterId r:id="rId23"/>
   </p:notesMasterIdLst>
   <p:handoutMasterIdLst>
-    <p:handoutMasterId r:id="rId23"/>
+    <p:handoutMasterId r:id="rId24"/>
   </p:handoutMasterIdLst>
   <p:sldIdLst>
     <p:sldId id="273" r:id="rId2"/>
@@ -30,7 +30,8 @@
     <p:sldId id="292" r:id="rId18"/>
     <p:sldId id="293" r:id="rId19"/>
     <p:sldId id="296" r:id="rId20"/>
-    <p:sldId id="295" r:id="rId21"/>
+    <p:sldId id="297" r:id="rId21"/>
+    <p:sldId id="295" r:id="rId22"/>
   </p:sldIdLst>
   <p:sldSz cx="9144000" cy="5143500" type="screen16x9"/>
   <p:notesSz cx="6858000" cy="9144000"/>
@@ -215,7 +216,7 @@
             <a:fld id="{5F920F0F-0E56-2B45-B1BF-268524318682}" type="datetimeFigureOut">
               <a:rPr kumimoji="1" lang="zh-CN" altLang="en-US" smtClean="0"/>
               <a:pPr/>
-              <a:t>2020/4/30</a:t>
+              <a:t>2020/5/8</a:t>
             </a:fld>
             <a:endParaRPr kumimoji="1" lang="zh-CN" altLang="en-US"/>
           </a:p>
@@ -291,7 +292,7 @@
     </p:spTree>
     <p:extLst>
       <p:ext uri="{BB962C8B-B14F-4D97-AF65-F5344CB8AC3E}">
-        <p14:creationId xmlns="" xmlns:p14="http://schemas.microsoft.com/office/powerpoint/2010/main" val="3407571201"/>
+        <p14:creationId xmlns:p14="http://schemas.microsoft.com/office/powerpoint/2010/main" xmlns="" val="3407571201"/>
       </p:ext>
     </p:extLst>
   </p:cSld>
@@ -383,7 +384,7 @@
             <a:fld id="{FB86081A-1E41-D34E-AC33-11FD77CCCD8D}" type="datetimeFigureOut">
               <a:rPr kumimoji="1" lang="zh-CN" altLang="en-US" smtClean="0"/>
               <a:pPr/>
-              <a:t>2020/4/30</a:t>
+              <a:t>2020/5/8</a:t>
             </a:fld>
             <a:endParaRPr kumimoji="1" lang="zh-CN" altLang="en-US"/>
           </a:p>
@@ -552,7 +553,7 @@
     </p:spTree>
     <p:extLst>
       <p:ext uri="{BB962C8B-B14F-4D97-AF65-F5344CB8AC3E}">
-        <p14:creationId xmlns="" xmlns:p14="http://schemas.microsoft.com/office/powerpoint/2010/main" val="2106316760"/>
+        <p14:creationId xmlns:p14="http://schemas.microsoft.com/office/powerpoint/2010/main" xmlns="" val="2106316760"/>
       </p:ext>
     </p:extLst>
   </p:cSld>
@@ -2049,7 +2050,7 @@
     </p:spTree>
     <p:extLst>
       <p:ext uri="{BB962C8B-B14F-4D97-AF65-F5344CB8AC3E}">
-        <p14:creationId xmlns="" xmlns:p14="http://schemas.microsoft.com/office/powerpoint/2010/main" val="347096014"/>
+        <p14:creationId xmlns:p14="http://schemas.microsoft.com/office/powerpoint/2010/main" xmlns="" val="347096014"/>
       </p:ext>
     </p:extLst>
   </p:cSld>
@@ -2479,7 +2480,7 @@
     </p:spTree>
     <p:extLst>
       <p:ext uri="{BB962C8B-B14F-4D97-AF65-F5344CB8AC3E}">
-        <p14:creationId xmlns="" xmlns:p14="http://schemas.microsoft.com/office/powerpoint/2010/main" val="347096014"/>
+        <p14:creationId xmlns:p14="http://schemas.microsoft.com/office/powerpoint/2010/main" xmlns="" val="347096014"/>
       </p:ext>
     </p:extLst>
   </p:cSld>
@@ -2564,7 +2565,7 @@
     </p:spTree>
     <p:extLst>
       <p:ext uri="{BB962C8B-B14F-4D97-AF65-F5344CB8AC3E}">
-        <p14:creationId xmlns="" xmlns:p14="http://schemas.microsoft.com/office/powerpoint/2010/main" val="855118000"/>
+        <p14:creationId xmlns:p14="http://schemas.microsoft.com/office/powerpoint/2010/main" xmlns="" val="855118000"/>
       </p:ext>
     </p:extLst>
   </p:cSld>
@@ -2727,7 +2728,7 @@
     </p:spTree>
     <p:extLst>
       <p:ext uri="{BB962C8B-B14F-4D97-AF65-F5344CB8AC3E}">
-        <p14:creationId xmlns="" xmlns:p14="http://schemas.microsoft.com/office/powerpoint/2010/main" val="855118000"/>
+        <p14:creationId xmlns:p14="http://schemas.microsoft.com/office/powerpoint/2010/main" xmlns="" val="855118000"/>
       </p:ext>
     </p:extLst>
   </p:cSld>
@@ -2766,7 +2767,7 @@
           <a:blip r:embed="rId2">
             <a:extLst>
               <a:ext uri="{28A0092B-C50C-407E-A947-70E740481C1C}">
-                <a14:useLocalDpi xmlns="" xmlns:a14="http://schemas.microsoft.com/office/drawing/2010/main" val="0"/>
+                <a14:useLocalDpi xmlns:a14="http://schemas.microsoft.com/office/drawing/2010/main" xmlns="" val="0"/>
               </a:ext>
             </a:extLst>
           </a:blip>
@@ -3055,7 +3056,7 @@
           <a:blip r:embed="rId3">
             <a:extLst>
               <a:ext uri="{28A0092B-C50C-407E-A947-70E740481C1C}">
-                <a14:useLocalDpi xmlns="" xmlns:a14="http://schemas.microsoft.com/office/drawing/2010/main" val="0"/>
+                <a14:useLocalDpi xmlns:a14="http://schemas.microsoft.com/office/drawing/2010/main" xmlns="" val="0"/>
               </a:ext>
             </a:extLst>
           </a:blip>
@@ -3351,7 +3352,7 @@
           <a:blip r:embed="rId2">
             <a:extLst>
               <a:ext uri="{28A0092B-C50C-407E-A947-70E740481C1C}">
-                <a14:useLocalDpi xmlns="" xmlns:a14="http://schemas.microsoft.com/office/drawing/2010/main" val="0"/>
+                <a14:useLocalDpi xmlns:a14="http://schemas.microsoft.com/office/drawing/2010/main" xmlns="" val="0"/>
               </a:ext>
             </a:extLst>
           </a:blip>
@@ -3381,7 +3382,7 @@
           <a:blip r:embed="rId3">
             <a:extLst>
               <a:ext uri="{28A0092B-C50C-407E-A947-70E740481C1C}">
-                <a14:useLocalDpi xmlns="" xmlns:a14="http://schemas.microsoft.com/office/drawing/2010/main" val="0"/>
+                <a14:useLocalDpi xmlns:a14="http://schemas.microsoft.com/office/drawing/2010/main" xmlns="" val="0"/>
               </a:ext>
             </a:extLst>
           </a:blip>
@@ -3653,7 +3654,7 @@
           <a:blip r:embed="rId2">
             <a:extLst>
               <a:ext uri="{28A0092B-C50C-407E-A947-70E740481C1C}">
-                <a14:useLocalDpi xmlns="" xmlns:a14="http://schemas.microsoft.com/office/drawing/2010/main" val="0"/>
+                <a14:useLocalDpi xmlns:a14="http://schemas.microsoft.com/office/drawing/2010/main" xmlns="" val="0"/>
               </a:ext>
             </a:extLst>
           </a:blip>
@@ -3683,7 +3684,7 @@
           <a:blip r:embed="rId3">
             <a:extLst>
               <a:ext uri="{28A0092B-C50C-407E-A947-70E740481C1C}">
-                <a14:useLocalDpi xmlns="" xmlns:a14="http://schemas.microsoft.com/office/drawing/2010/main" val="0"/>
+                <a14:useLocalDpi xmlns:a14="http://schemas.microsoft.com/office/drawing/2010/main" xmlns="" val="0"/>
               </a:ext>
             </a:extLst>
           </a:blip>
@@ -4019,7 +4020,7 @@
           <a:blip r:embed="rId2">
             <a:extLst>
               <a:ext uri="{28A0092B-C50C-407E-A947-70E740481C1C}">
-                <a14:useLocalDpi xmlns="" xmlns:a14="http://schemas.microsoft.com/office/drawing/2010/main" val="0"/>
+                <a14:useLocalDpi xmlns:a14="http://schemas.microsoft.com/office/drawing/2010/main" xmlns="" val="0"/>
               </a:ext>
             </a:extLst>
           </a:blip>
@@ -4049,7 +4050,7 @@
           <a:blip r:embed="rId3">
             <a:extLst>
               <a:ext uri="{28A0092B-C50C-407E-A947-70E740481C1C}">
-                <a14:useLocalDpi xmlns="" xmlns:a14="http://schemas.microsoft.com/office/drawing/2010/main" val="0"/>
+                <a14:useLocalDpi xmlns:a14="http://schemas.microsoft.com/office/drawing/2010/main" xmlns="" val="0"/>
               </a:ext>
             </a:extLst>
           </a:blip>
@@ -4364,7 +4365,7 @@
           <a:blip r:embed="rId2">
             <a:extLst>
               <a:ext uri="{28A0092B-C50C-407E-A947-70E740481C1C}">
-                <a14:useLocalDpi xmlns="" xmlns:a14="http://schemas.microsoft.com/office/drawing/2010/main" val="0"/>
+                <a14:useLocalDpi xmlns:a14="http://schemas.microsoft.com/office/drawing/2010/main" xmlns="" val="0"/>
               </a:ext>
             </a:extLst>
           </a:blip>
@@ -4394,7 +4395,7 @@
           <a:blip r:embed="rId3">
             <a:extLst>
               <a:ext uri="{28A0092B-C50C-407E-A947-70E740481C1C}">
-                <a14:useLocalDpi xmlns="" xmlns:a14="http://schemas.microsoft.com/office/drawing/2010/main" val="0"/>
+                <a14:useLocalDpi xmlns:a14="http://schemas.microsoft.com/office/drawing/2010/main" xmlns="" val="0"/>
               </a:ext>
             </a:extLst>
           </a:blip>
@@ -4586,7 +4587,7 @@
             <a:fld id="{7BC3C6E0-25AE-8A44-A617-CADD813DE539}" type="datetime1">
               <a:rPr lang="zh-CN" altLang="en-US" smtClean="0"/>
               <a:pPr/>
-              <a:t>2020/4/30</a:t>
+              <a:t>2020/5/8</a:t>
             </a:fld>
             <a:endParaRPr lang="zh-CN" altLang="en-US" dirty="0"/>
           </a:p>
@@ -4810,7 +4811,7 @@
           <a:blip r:embed="rId2">
             <a:extLst>
               <a:ext uri="{28A0092B-C50C-407E-A947-70E740481C1C}">
-                <a14:useLocalDpi xmlns="" xmlns:a14="http://schemas.microsoft.com/office/drawing/2010/main" val="0"/>
+                <a14:useLocalDpi xmlns:a14="http://schemas.microsoft.com/office/drawing/2010/main" xmlns="" val="0"/>
               </a:ext>
             </a:extLst>
           </a:blip>
@@ -4996,7 +4997,7 @@
             <a:fld id="{B8DE94C4-0AC0-E74D-83DE-D1778C094258}" type="datetime1">
               <a:rPr lang="zh-CN" altLang="en-US" smtClean="0"/>
               <a:pPr/>
-              <a:t>2020/4/30</a:t>
+              <a:t>2020/5/8</a:t>
             </a:fld>
             <a:endParaRPr lang="zh-CN" altLang="en-US" dirty="0"/>
           </a:p>
@@ -5758,7 +5759,7 @@
     </p:spTree>
     <p:extLst>
       <p:ext uri="{BB962C8B-B14F-4D97-AF65-F5344CB8AC3E}">
-        <p14:creationId xmlns="" xmlns:p14="http://schemas.microsoft.com/office/powerpoint/2010/main" val="3313057596"/>
+        <p14:creationId xmlns:p14="http://schemas.microsoft.com/office/powerpoint/2010/main" xmlns="" val="3313057596"/>
       </p:ext>
     </p:extLst>
   </p:cSld>
@@ -6785,7 +6786,7 @@
     </p:spTree>
     <p:extLst>
       <p:ext uri="{BB962C8B-B14F-4D97-AF65-F5344CB8AC3E}">
-        <p14:creationId xmlns="" xmlns:p14="http://schemas.microsoft.com/office/powerpoint/2010/main" val="2327649552"/>
+        <p14:creationId xmlns:p14="http://schemas.microsoft.com/office/powerpoint/2010/main" xmlns="" val="2327649552"/>
       </p:ext>
     </p:extLst>
   </p:cSld>
@@ -8472,7 +8473,7 @@
     </p:spTree>
     <p:extLst>
       <p:ext uri="{BB962C8B-B14F-4D97-AF65-F5344CB8AC3E}">
-        <p14:creationId xmlns="" xmlns:p14="http://schemas.microsoft.com/office/powerpoint/2010/main" val="1923392337"/>
+        <p14:creationId xmlns:p14="http://schemas.microsoft.com/office/powerpoint/2010/main" xmlns="" val="1923392337"/>
       </p:ext>
     </p:extLst>
   </p:cSld>
@@ -8635,7 +8636,7 @@
     </p:spTree>
     <p:extLst>
       <p:ext uri="{BB962C8B-B14F-4D97-AF65-F5344CB8AC3E}">
-        <p14:creationId xmlns="" xmlns:p14="http://schemas.microsoft.com/office/powerpoint/2010/main" val="1923392337"/>
+        <p14:creationId xmlns:p14="http://schemas.microsoft.com/office/powerpoint/2010/main" xmlns="" val="1923392337"/>
       </p:ext>
     </p:extLst>
   </p:cSld>
@@ -8752,7 +8753,7 @@
     <a:masterClrMapping/>
   </p:clrMapOvr>
   <mc:AlternateContent xmlns:mc="http://schemas.openxmlformats.org/markup-compatibility/2006">
-    <mc:Choice xmlns="" xmlns:p14="http://schemas.microsoft.com/office/powerpoint/2010/main" Requires="p14">
+    <mc:Choice xmlns:p14="http://schemas.microsoft.com/office/powerpoint/2010/main" xmlns="" Requires="p14">
       <p:transition spd="slow" p14:dur="2000"/>
     </mc:Choice>
     <mc:Fallback>
@@ -8974,7 +8975,7 @@
     </p:spTree>
     <p:extLst>
       <p:ext uri="{BB962C8B-B14F-4D97-AF65-F5344CB8AC3E}">
-        <p14:creationId xmlns="" xmlns:p14="http://schemas.microsoft.com/office/powerpoint/2010/main" val="4095532216"/>
+        <p14:creationId xmlns:p14="http://schemas.microsoft.com/office/powerpoint/2010/main" xmlns="" val="4095532216"/>
       </p:ext>
     </p:extLst>
   </p:cSld>
@@ -9161,7 +9162,7 @@
     </p:spTree>
     <p:extLst>
       <p:ext uri="{BB962C8B-B14F-4D97-AF65-F5344CB8AC3E}">
-        <p14:creationId xmlns="" xmlns:p14="http://schemas.microsoft.com/office/powerpoint/2010/main" val="4095532216"/>
+        <p14:creationId xmlns:p14="http://schemas.microsoft.com/office/powerpoint/2010/main" xmlns="" val="4095532216"/>
       </p:ext>
     </p:extLst>
   </p:cSld>
@@ -9411,9 +9412,43 @@
           </a:p>
           <a:p>
             <a:r>
+              <a:rPr lang="en-US" altLang="zh-CN" dirty="0" smtClean="0"/>
+              <a:t>Crash </a:t>
+            </a:r>
+            <a:r>
               <a:rPr lang="en-US" altLang="zh-CN" dirty="0"/>
-              <a:t>crash</a:t>
-            </a:r>
+              <a:t> </a:t>
+            </a:r>
+          </a:p>
+          <a:p>
+            <a:r>
+              <a:rPr lang="en-US" altLang="zh-CN" dirty="0" err="1"/>
+              <a:t>rsp</a:t>
+            </a:r>
+            <a:r>
+              <a:rPr dirty="0"/>
+              <a:t>表示是当时程序</a:t>
+            </a:r>
+            <a:r>
+              <a:rPr lang="en-US" altLang="zh-CN" dirty="0"/>
+              <a:t>runtime</a:t>
+            </a:r>
+            <a:r>
+              <a:rPr dirty="0"/>
+              <a:t>的时候栈顶的地址值；</a:t>
+            </a:r>
+          </a:p>
+          <a:p>
+            <a:r>
+              <a:rPr lang="en-US" altLang="zh-CN" dirty="0" err="1"/>
+              <a:t>rbp</a:t>
+            </a:r>
+            <a:r>
+              <a:rPr/>
+              <a:t>表示当时程序执行到的指令的地址值；</a:t>
+            </a:r>
+          </a:p>
+          <a:p>
             <a:endParaRPr lang="zh-CN" altLang="en-US" dirty="0"/>
           </a:p>
         </p:txBody>
@@ -9471,11 +9506,7 @@
             </a:r>
             <a:r>
               <a:rPr lang="zh-CN" altLang="en-US" dirty="0" smtClean="0"/>
-              <a:t>人通话</a:t>
-            </a:r>
-            <a:r>
-              <a:rPr lang="zh-CN" altLang="en-US" dirty="0" smtClean="0"/>
-              <a:t>视频 </a:t>
+              <a:t>人通话视频 </a:t>
             </a:r>
             <a:r>
               <a:rPr lang="en-US" altLang="zh-CN" dirty="0" smtClean="0"/>
@@ -9496,7 +9527,7 @@
     </p:spTree>
     <p:extLst>
       <p:ext uri="{BB962C8B-B14F-4D97-AF65-F5344CB8AC3E}">
-        <p14:creationId xmlns="" xmlns:p14="http://schemas.microsoft.com/office/powerpoint/2010/main" val="3575490198"/>
+        <p14:creationId xmlns:p14="http://schemas.microsoft.com/office/powerpoint/2010/main" xmlns="" val="3575490198"/>
       </p:ext>
     </p:extLst>
   </p:cSld>
@@ -9725,6 +9756,85 @@
 </file>
 
 <file path=ppt/slides/slide20.xml><?xml version="1.0" encoding="utf-8"?>
+<p:sld xmlns:a="http://schemas.openxmlformats.org/drawingml/2006/main" xmlns:r="http://schemas.openxmlformats.org/officeDocument/2006/relationships" xmlns:p="http://schemas.openxmlformats.org/presentationml/2006/main">
+  <p:cSld>
+    <p:spTree>
+      <p:nvGrpSpPr>
+        <p:cNvPr id="1" name=""/>
+        <p:cNvGrpSpPr/>
+        <p:nvPr/>
+      </p:nvGrpSpPr>
+      <p:grpSpPr>
+        <a:xfrm>
+          <a:off x="0" y="0"/>
+          <a:ext cx="0" cy="0"/>
+          <a:chOff x="0" y="0"/>
+          <a:chExt cx="0" cy="0"/>
+        </a:xfrm>
+      </p:grpSpPr>
+      <p:sp>
+        <p:nvSpPr>
+          <p:cNvPr id="2" name="内容占位符 1"/>
+          <p:cNvSpPr>
+            <a:spLocks noGrp="1"/>
+          </p:cNvSpPr>
+          <p:nvPr>
+            <p:ph idx="1"/>
+          </p:nvPr>
+        </p:nvSpPr>
+        <p:spPr/>
+        <p:txBody>
+          <a:bodyPr/>
+          <a:lstStyle/>
+          <a:p>
+            <a:endParaRPr lang="zh-CN" altLang="en-US"/>
+          </a:p>
+        </p:txBody>
+      </p:sp>
+      <p:sp>
+        <p:nvSpPr>
+          <p:cNvPr id="3" name="标题 2"/>
+          <p:cNvSpPr>
+            <a:spLocks noGrp="1"/>
+          </p:cNvSpPr>
+          <p:nvPr>
+            <p:ph type="title"/>
+          </p:nvPr>
+        </p:nvSpPr>
+        <p:spPr/>
+        <p:txBody>
+          <a:bodyPr/>
+          <a:lstStyle/>
+          <a:p>
+            <a:r>
+              <a:rPr lang="en-US" altLang="zh-CN" dirty="0" smtClean="0"/>
+              <a:t> </a:t>
+            </a:r>
+            <a:r>
+              <a:rPr lang="en-US" altLang="zh-CN" dirty="0" err="1" smtClean="0"/>
+              <a:t>mdb</a:t>
+            </a:r>
+            <a:r>
+              <a:rPr lang="en-US" altLang="zh-CN" dirty="0" smtClean="0"/>
+              <a:t> </a:t>
+            </a:r>
+            <a:r>
+              <a:rPr lang="zh-CN" altLang="en-US" dirty="0" smtClean="0"/>
+              <a:t>切换</a:t>
+            </a:r>
+            <a:endParaRPr lang="zh-CN" altLang="en-US" dirty="0"/>
+          </a:p>
+        </p:txBody>
+      </p:sp>
+    </p:spTree>
+  </p:cSld>
+  <p:clrMapOvr>
+    <a:masterClrMapping/>
+  </p:clrMapOvr>
+</p:sld>
+</file>
+
+<file path=ppt/slides/slide21.xml><?xml version="1.0" encoding="utf-8"?>
 <p:sld xmlns:a="http://schemas.openxmlformats.org/drawingml/2006/main" xmlns:r="http://schemas.openxmlformats.org/officeDocument/2006/relationships" xmlns:p="http://schemas.openxmlformats.org/presentationml/2006/main">
   <p:cSld>
     <p:spTree>
@@ -9942,7 +10052,7 @@
             <a:fld id="{0C913308-F349-4B6D-A68A-DD1791B4A57B}" type="slidenum">
               <a:rPr lang="zh-CN" altLang="en-US" smtClean="0"/>
               <a:pPr/>
-              <a:t>19</a:t>
+              <a:t>20</a:t>
             </a:fld>
             <a:endParaRPr lang="zh-CN" altLang="en-US" dirty="0"/>
           </a:p>
@@ -9951,7 +10061,7 @@
     </p:spTree>
     <p:extLst>
       <p:ext uri="{BB962C8B-B14F-4D97-AF65-F5344CB8AC3E}">
-        <p14:creationId xmlns="" xmlns:p14="http://schemas.microsoft.com/office/powerpoint/2010/main" val="610401656"/>
+        <p14:creationId xmlns:p14="http://schemas.microsoft.com/office/powerpoint/2010/main" xmlns="" val="610401656"/>
       </p:ext>
     </p:extLst>
   </p:cSld>
@@ -10138,7 +10248,7 @@
     <a:masterClrMapping/>
   </p:clrMapOvr>
   <mc:AlternateContent xmlns:mc="http://schemas.openxmlformats.org/markup-compatibility/2006">
-    <mc:Choice xmlns="" xmlns:p14="http://schemas.microsoft.com/office/powerpoint/2010/main" Requires="p14">
+    <mc:Choice xmlns:p14="http://schemas.microsoft.com/office/powerpoint/2010/main" xmlns="" Requires="p14">
       <p:transition spd="slow" p14:dur="2000"/>
     </mc:Choice>
     <mc:Fallback>
@@ -10241,7 +10351,7 @@
     <a:masterClrMapping/>
   </p:clrMapOvr>
   <mc:AlternateContent xmlns:mc="http://schemas.openxmlformats.org/markup-compatibility/2006">
-    <mc:Choice xmlns="" xmlns:p14="http://schemas.microsoft.com/office/powerpoint/2010/main" Requires="p14">
+    <mc:Choice xmlns:p14="http://schemas.microsoft.com/office/powerpoint/2010/main" xmlns="" Requires="p14">
       <p:transition spd="slow" p14:dur="2000"/>
     </mc:Choice>
     <mc:Fallback>
@@ -10392,7 +10502,7 @@
     <a:masterClrMapping/>
   </p:clrMapOvr>
   <mc:AlternateContent xmlns:mc="http://schemas.openxmlformats.org/markup-compatibility/2006">
-    <mc:Choice xmlns="" xmlns:p14="http://schemas.microsoft.com/office/powerpoint/2010/main" Requires="p14">
+    <mc:Choice xmlns:p14="http://schemas.microsoft.com/office/powerpoint/2010/main" xmlns="" Requires="p14">
       <p:transition spd="slow" p14:dur="2000"/>
     </mc:Choice>
     <mc:Fallback>
@@ -10536,7 +10646,7 @@
     <a:masterClrMapping/>
   </p:clrMapOvr>
   <mc:AlternateContent xmlns:mc="http://schemas.openxmlformats.org/markup-compatibility/2006">
-    <mc:Choice xmlns="" xmlns:p14="http://schemas.microsoft.com/office/powerpoint/2010/main" Requires="p14">
+    <mc:Choice xmlns:p14="http://schemas.microsoft.com/office/powerpoint/2010/main" xmlns="" Requires="p14">
       <p:transition spd="slow" p14:dur="2000"/>
     </mc:Choice>
     <mc:Fallback>
@@ -10829,7 +10939,7 @@
     <a:masterClrMapping/>
   </p:clrMapOvr>
   <mc:AlternateContent xmlns:mc="http://schemas.openxmlformats.org/markup-compatibility/2006">
-    <mc:Choice xmlns="" xmlns:p14="http://schemas.microsoft.com/office/powerpoint/2010/main" Requires="p14">
+    <mc:Choice xmlns:p14="http://schemas.microsoft.com/office/powerpoint/2010/main" xmlns="" Requires="p14">
       <p:transition spd="slow" p14:dur="2000"/>
     </mc:Choice>
     <mc:Fallback>
@@ -11033,7 +11143,7 @@
     <a:masterClrMapping/>
   </p:clrMapOvr>
   <mc:AlternateContent xmlns:mc="http://schemas.openxmlformats.org/markup-compatibility/2006">
-    <mc:Choice xmlns="" xmlns:p14="http://schemas.microsoft.com/office/powerpoint/2010/main" Requires="p14">
+    <mc:Choice xmlns:p14="http://schemas.microsoft.com/office/powerpoint/2010/main" xmlns="" Requires="p14">
       <p:transition spd="slow" p14:dur="2000"/>
     </mc:Choice>
     <mc:Fallback>
@@ -11233,7 +11343,7 @@
     <a:masterClrMapping/>
   </p:clrMapOvr>
   <mc:AlternateContent xmlns:mc="http://schemas.openxmlformats.org/markup-compatibility/2006">
-    <mc:Choice xmlns="" xmlns:p14="http://schemas.microsoft.com/office/powerpoint/2010/main" Requires="p14">
+    <mc:Choice xmlns:p14="http://schemas.microsoft.com/office/powerpoint/2010/main" xmlns="" Requires="p14">
       <p:transition spd="slow" p14:dur="2000"/>
     </mc:Choice>
     <mc:Fallback>
@@ -11582,7 +11692,7 @@
   <a:extraClrSchemeLst/>
   <a:extLst>
     <a:ext uri="{05A4C25C-085E-4340-85A3-A5531E510DB2}">
-      <thm15:themeFamily xmlns:thm15="http://schemas.microsoft.com/office/thememl/2012/main" xmlns="" name="Office Theme" id="{62F939B6-93AF-4DB8-9C6B-D6C7DFDC589F}" vid="{4A3C46E8-61CC-4603-A589-7422A47A8E4A}"/>
+      <thm15:themeFamily xmlns="" xmlns:thm15="http://schemas.microsoft.com/office/thememl/2012/main" name="Office Theme" id="{62F939B6-93AF-4DB8-9C6B-D6C7DFDC589F}" vid="{4A3C46E8-61CC-4603-A589-7422A47A8E4A}"/>
     </a:ext>
   </a:extLst>
 </a:theme>
@@ -11843,7 +11953,7 @@
   <a:extraClrSchemeLst/>
   <a:extLst>
     <a:ext uri="{05A4C25C-085E-4340-85A3-A5531E510DB2}">
-      <thm15:themeFamily xmlns:thm15="http://schemas.microsoft.com/office/thememl/2012/main" xmlns="" name="Office Theme" id="{62F939B6-93AF-4DB8-9C6B-D6C7DFDC589F}" vid="{4A3C46E8-61CC-4603-A589-7422A47A8E4A}"/>
+      <thm15:themeFamily xmlns="" xmlns:thm15="http://schemas.microsoft.com/office/thememl/2012/main" name="Office Theme" id="{62F939B6-93AF-4DB8-9C6B-D6C7DFDC589F}" vid="{4A3C46E8-61CC-4603-A589-7422A47A8E4A}"/>
     </a:ext>
   </a:extLst>
 </a:theme>

--- a/ppt/2020/实战项目.pptx
+++ b/ppt/2020/实战项目.pptx
@@ -216,7 +216,7 @@
             <a:fld id="{5F920F0F-0E56-2B45-B1BF-268524318682}" type="datetimeFigureOut">
               <a:rPr kumimoji="1" lang="zh-CN" altLang="en-US" smtClean="0"/>
               <a:pPr/>
-              <a:t>2020/5/8</a:t>
+              <a:t>2020/5/15</a:t>
             </a:fld>
             <a:endParaRPr kumimoji="1" lang="zh-CN" altLang="en-US"/>
           </a:p>
@@ -292,7 +292,7 @@
     </p:spTree>
     <p:extLst>
       <p:ext uri="{BB962C8B-B14F-4D97-AF65-F5344CB8AC3E}">
-        <p14:creationId xmlns:p14="http://schemas.microsoft.com/office/powerpoint/2010/main" xmlns="" val="3407571201"/>
+        <p14:creationId xmlns="" xmlns:p14="http://schemas.microsoft.com/office/powerpoint/2010/main" val="3407571201"/>
       </p:ext>
     </p:extLst>
   </p:cSld>
@@ -384,7 +384,7 @@
             <a:fld id="{FB86081A-1E41-D34E-AC33-11FD77CCCD8D}" type="datetimeFigureOut">
               <a:rPr kumimoji="1" lang="zh-CN" altLang="en-US" smtClean="0"/>
               <a:pPr/>
-              <a:t>2020/5/8</a:t>
+              <a:t>2020/5/15</a:t>
             </a:fld>
             <a:endParaRPr kumimoji="1" lang="zh-CN" altLang="en-US"/>
           </a:p>
@@ -553,7 +553,7 @@
     </p:spTree>
     <p:extLst>
       <p:ext uri="{BB962C8B-B14F-4D97-AF65-F5344CB8AC3E}">
-        <p14:creationId xmlns:p14="http://schemas.microsoft.com/office/powerpoint/2010/main" xmlns="" val="2106316760"/>
+        <p14:creationId xmlns="" xmlns:p14="http://schemas.microsoft.com/office/powerpoint/2010/main" val="2106316760"/>
       </p:ext>
     </p:extLst>
   </p:cSld>
@@ -2050,7 +2050,7 @@
     </p:spTree>
     <p:extLst>
       <p:ext uri="{BB962C8B-B14F-4D97-AF65-F5344CB8AC3E}">
-        <p14:creationId xmlns:p14="http://schemas.microsoft.com/office/powerpoint/2010/main" xmlns="" val="347096014"/>
+        <p14:creationId xmlns="" xmlns:p14="http://schemas.microsoft.com/office/powerpoint/2010/main" val="347096014"/>
       </p:ext>
     </p:extLst>
   </p:cSld>
@@ -2480,7 +2480,7 @@
     </p:spTree>
     <p:extLst>
       <p:ext uri="{BB962C8B-B14F-4D97-AF65-F5344CB8AC3E}">
-        <p14:creationId xmlns:p14="http://schemas.microsoft.com/office/powerpoint/2010/main" xmlns="" val="347096014"/>
+        <p14:creationId xmlns="" xmlns:p14="http://schemas.microsoft.com/office/powerpoint/2010/main" val="347096014"/>
       </p:ext>
     </p:extLst>
   </p:cSld>
@@ -2565,7 +2565,7 @@
     </p:spTree>
     <p:extLst>
       <p:ext uri="{BB962C8B-B14F-4D97-AF65-F5344CB8AC3E}">
-        <p14:creationId xmlns:p14="http://schemas.microsoft.com/office/powerpoint/2010/main" xmlns="" val="855118000"/>
+        <p14:creationId xmlns="" xmlns:p14="http://schemas.microsoft.com/office/powerpoint/2010/main" val="855118000"/>
       </p:ext>
     </p:extLst>
   </p:cSld>
@@ -2728,7 +2728,7 @@
     </p:spTree>
     <p:extLst>
       <p:ext uri="{BB962C8B-B14F-4D97-AF65-F5344CB8AC3E}">
-        <p14:creationId xmlns:p14="http://schemas.microsoft.com/office/powerpoint/2010/main" xmlns="" val="855118000"/>
+        <p14:creationId xmlns="" xmlns:p14="http://schemas.microsoft.com/office/powerpoint/2010/main" val="855118000"/>
       </p:ext>
     </p:extLst>
   </p:cSld>
@@ -2767,7 +2767,7 @@
           <a:blip r:embed="rId2">
             <a:extLst>
               <a:ext uri="{28A0092B-C50C-407E-A947-70E740481C1C}">
-                <a14:useLocalDpi xmlns:a14="http://schemas.microsoft.com/office/drawing/2010/main" xmlns="" val="0"/>
+                <a14:useLocalDpi xmlns="" xmlns:a14="http://schemas.microsoft.com/office/drawing/2010/main" val="0"/>
               </a:ext>
             </a:extLst>
           </a:blip>
@@ -3056,7 +3056,7 @@
           <a:blip r:embed="rId3">
             <a:extLst>
               <a:ext uri="{28A0092B-C50C-407E-A947-70E740481C1C}">
-                <a14:useLocalDpi xmlns:a14="http://schemas.microsoft.com/office/drawing/2010/main" xmlns="" val="0"/>
+                <a14:useLocalDpi xmlns="" xmlns:a14="http://schemas.microsoft.com/office/drawing/2010/main" val="0"/>
               </a:ext>
             </a:extLst>
           </a:blip>
@@ -3352,7 +3352,7 @@
           <a:blip r:embed="rId2">
             <a:extLst>
               <a:ext uri="{28A0092B-C50C-407E-A947-70E740481C1C}">
-                <a14:useLocalDpi xmlns:a14="http://schemas.microsoft.com/office/drawing/2010/main" xmlns="" val="0"/>
+                <a14:useLocalDpi xmlns="" xmlns:a14="http://schemas.microsoft.com/office/drawing/2010/main" val="0"/>
               </a:ext>
             </a:extLst>
           </a:blip>
@@ -3382,7 +3382,7 @@
           <a:blip r:embed="rId3">
             <a:extLst>
               <a:ext uri="{28A0092B-C50C-407E-A947-70E740481C1C}">
-                <a14:useLocalDpi xmlns:a14="http://schemas.microsoft.com/office/drawing/2010/main" xmlns="" val="0"/>
+                <a14:useLocalDpi xmlns="" xmlns:a14="http://schemas.microsoft.com/office/drawing/2010/main" val="0"/>
               </a:ext>
             </a:extLst>
           </a:blip>
@@ -3654,7 +3654,7 @@
           <a:blip r:embed="rId2">
             <a:extLst>
               <a:ext uri="{28A0092B-C50C-407E-A947-70E740481C1C}">
-                <a14:useLocalDpi xmlns:a14="http://schemas.microsoft.com/office/drawing/2010/main" xmlns="" val="0"/>
+                <a14:useLocalDpi xmlns="" xmlns:a14="http://schemas.microsoft.com/office/drawing/2010/main" val="0"/>
               </a:ext>
             </a:extLst>
           </a:blip>
@@ -3684,7 +3684,7 @@
           <a:blip r:embed="rId3">
             <a:extLst>
               <a:ext uri="{28A0092B-C50C-407E-A947-70E740481C1C}">
-                <a14:useLocalDpi xmlns:a14="http://schemas.microsoft.com/office/drawing/2010/main" xmlns="" val="0"/>
+                <a14:useLocalDpi xmlns="" xmlns:a14="http://schemas.microsoft.com/office/drawing/2010/main" val="0"/>
               </a:ext>
             </a:extLst>
           </a:blip>
@@ -4020,7 +4020,7 @@
           <a:blip r:embed="rId2">
             <a:extLst>
               <a:ext uri="{28A0092B-C50C-407E-A947-70E740481C1C}">
-                <a14:useLocalDpi xmlns:a14="http://schemas.microsoft.com/office/drawing/2010/main" xmlns="" val="0"/>
+                <a14:useLocalDpi xmlns="" xmlns:a14="http://schemas.microsoft.com/office/drawing/2010/main" val="0"/>
               </a:ext>
             </a:extLst>
           </a:blip>
@@ -4050,7 +4050,7 @@
           <a:blip r:embed="rId3">
             <a:extLst>
               <a:ext uri="{28A0092B-C50C-407E-A947-70E740481C1C}">
-                <a14:useLocalDpi xmlns:a14="http://schemas.microsoft.com/office/drawing/2010/main" xmlns="" val="0"/>
+                <a14:useLocalDpi xmlns="" xmlns:a14="http://schemas.microsoft.com/office/drawing/2010/main" val="0"/>
               </a:ext>
             </a:extLst>
           </a:blip>
@@ -4365,7 +4365,7 @@
           <a:blip r:embed="rId2">
             <a:extLst>
               <a:ext uri="{28A0092B-C50C-407E-A947-70E740481C1C}">
-                <a14:useLocalDpi xmlns:a14="http://schemas.microsoft.com/office/drawing/2010/main" xmlns="" val="0"/>
+                <a14:useLocalDpi xmlns="" xmlns:a14="http://schemas.microsoft.com/office/drawing/2010/main" val="0"/>
               </a:ext>
             </a:extLst>
           </a:blip>
@@ -4395,7 +4395,7 @@
           <a:blip r:embed="rId3">
             <a:extLst>
               <a:ext uri="{28A0092B-C50C-407E-A947-70E740481C1C}">
-                <a14:useLocalDpi xmlns:a14="http://schemas.microsoft.com/office/drawing/2010/main" xmlns="" val="0"/>
+                <a14:useLocalDpi xmlns="" xmlns:a14="http://schemas.microsoft.com/office/drawing/2010/main" val="0"/>
               </a:ext>
             </a:extLst>
           </a:blip>
@@ -4587,7 +4587,7 @@
             <a:fld id="{7BC3C6E0-25AE-8A44-A617-CADD813DE539}" type="datetime1">
               <a:rPr lang="zh-CN" altLang="en-US" smtClean="0"/>
               <a:pPr/>
-              <a:t>2020/5/8</a:t>
+              <a:t>2020/5/15</a:t>
             </a:fld>
             <a:endParaRPr lang="zh-CN" altLang="en-US" dirty="0"/>
           </a:p>
@@ -4811,7 +4811,7 @@
           <a:blip r:embed="rId2">
             <a:extLst>
               <a:ext uri="{28A0092B-C50C-407E-A947-70E740481C1C}">
-                <a14:useLocalDpi xmlns:a14="http://schemas.microsoft.com/office/drawing/2010/main" xmlns="" val="0"/>
+                <a14:useLocalDpi xmlns="" xmlns:a14="http://schemas.microsoft.com/office/drawing/2010/main" val="0"/>
               </a:ext>
             </a:extLst>
           </a:blip>
@@ -4997,7 +4997,7 @@
             <a:fld id="{B8DE94C4-0AC0-E74D-83DE-D1778C094258}" type="datetime1">
               <a:rPr lang="zh-CN" altLang="en-US" smtClean="0"/>
               <a:pPr/>
-              <a:t>2020/5/8</a:t>
+              <a:t>2020/5/15</a:t>
             </a:fld>
             <a:endParaRPr lang="zh-CN" altLang="en-US" dirty="0"/>
           </a:p>
@@ -5759,7 +5759,7 @@
     </p:spTree>
     <p:extLst>
       <p:ext uri="{BB962C8B-B14F-4D97-AF65-F5344CB8AC3E}">
-        <p14:creationId xmlns:p14="http://schemas.microsoft.com/office/powerpoint/2010/main" xmlns="" val="3313057596"/>
+        <p14:creationId xmlns="" xmlns:p14="http://schemas.microsoft.com/office/powerpoint/2010/main" val="3313057596"/>
       </p:ext>
     </p:extLst>
   </p:cSld>
@@ -6786,7 +6786,7 @@
     </p:spTree>
     <p:extLst>
       <p:ext uri="{BB962C8B-B14F-4D97-AF65-F5344CB8AC3E}">
-        <p14:creationId xmlns:p14="http://schemas.microsoft.com/office/powerpoint/2010/main" xmlns="" val="2327649552"/>
+        <p14:creationId xmlns="" xmlns:p14="http://schemas.microsoft.com/office/powerpoint/2010/main" val="2327649552"/>
       </p:ext>
     </p:extLst>
   </p:cSld>
@@ -8473,7 +8473,7 @@
     </p:spTree>
     <p:extLst>
       <p:ext uri="{BB962C8B-B14F-4D97-AF65-F5344CB8AC3E}">
-        <p14:creationId xmlns:p14="http://schemas.microsoft.com/office/powerpoint/2010/main" xmlns="" val="1923392337"/>
+        <p14:creationId xmlns="" xmlns:p14="http://schemas.microsoft.com/office/powerpoint/2010/main" val="1923392337"/>
       </p:ext>
     </p:extLst>
   </p:cSld>
@@ -8636,7 +8636,7 @@
     </p:spTree>
     <p:extLst>
       <p:ext uri="{BB962C8B-B14F-4D97-AF65-F5344CB8AC3E}">
-        <p14:creationId xmlns:p14="http://schemas.microsoft.com/office/powerpoint/2010/main" xmlns="" val="1923392337"/>
+        <p14:creationId xmlns="" xmlns:p14="http://schemas.microsoft.com/office/powerpoint/2010/main" val="1923392337"/>
       </p:ext>
     </p:extLst>
   </p:cSld>
@@ -8753,7 +8753,7 @@
     <a:masterClrMapping/>
   </p:clrMapOvr>
   <mc:AlternateContent xmlns:mc="http://schemas.openxmlformats.org/markup-compatibility/2006">
-    <mc:Choice xmlns:p14="http://schemas.microsoft.com/office/powerpoint/2010/main" xmlns="" Requires="p14">
+    <mc:Choice xmlns="" xmlns:p14="http://schemas.microsoft.com/office/powerpoint/2010/main" Requires="p14">
       <p:transition spd="slow" p14:dur="2000"/>
     </mc:Choice>
     <mc:Fallback>
@@ -8975,7 +8975,7 @@
     </p:spTree>
     <p:extLst>
       <p:ext uri="{BB962C8B-B14F-4D97-AF65-F5344CB8AC3E}">
-        <p14:creationId xmlns:p14="http://schemas.microsoft.com/office/powerpoint/2010/main" xmlns="" val="4095532216"/>
+        <p14:creationId xmlns="" xmlns:p14="http://schemas.microsoft.com/office/powerpoint/2010/main" val="4095532216"/>
       </p:ext>
     </p:extLst>
   </p:cSld>
@@ -9162,7 +9162,7 @@
     </p:spTree>
     <p:extLst>
       <p:ext uri="{BB962C8B-B14F-4D97-AF65-F5344CB8AC3E}">
-        <p14:creationId xmlns:p14="http://schemas.microsoft.com/office/powerpoint/2010/main" xmlns="" val="4095532216"/>
+        <p14:creationId xmlns="" xmlns:p14="http://schemas.microsoft.com/office/powerpoint/2010/main" val="4095532216"/>
       </p:ext>
     </p:extLst>
   </p:cSld>
@@ -9527,7 +9527,7 @@
     </p:spTree>
     <p:extLst>
       <p:ext uri="{BB962C8B-B14F-4D97-AF65-F5344CB8AC3E}">
-        <p14:creationId xmlns:p14="http://schemas.microsoft.com/office/powerpoint/2010/main" xmlns="" val="3575490198"/>
+        <p14:creationId xmlns="" xmlns:p14="http://schemas.microsoft.com/office/powerpoint/2010/main" val="3575490198"/>
       </p:ext>
     </p:extLst>
   </p:cSld>
@@ -10061,7 +10061,7 @@
     </p:spTree>
     <p:extLst>
       <p:ext uri="{BB962C8B-B14F-4D97-AF65-F5344CB8AC3E}">
-        <p14:creationId xmlns:p14="http://schemas.microsoft.com/office/powerpoint/2010/main" xmlns="" val="610401656"/>
+        <p14:creationId xmlns="" xmlns:p14="http://schemas.microsoft.com/office/powerpoint/2010/main" val="610401656"/>
       </p:ext>
     </p:extLst>
   </p:cSld>
@@ -10248,7 +10248,7 @@
     <a:masterClrMapping/>
   </p:clrMapOvr>
   <mc:AlternateContent xmlns:mc="http://schemas.openxmlformats.org/markup-compatibility/2006">
-    <mc:Choice xmlns:p14="http://schemas.microsoft.com/office/powerpoint/2010/main" xmlns="" Requires="p14">
+    <mc:Choice xmlns="" xmlns:p14="http://schemas.microsoft.com/office/powerpoint/2010/main" Requires="p14">
       <p:transition spd="slow" p14:dur="2000"/>
     </mc:Choice>
     <mc:Fallback>
@@ -10351,7 +10351,7 @@
     <a:masterClrMapping/>
   </p:clrMapOvr>
   <mc:AlternateContent xmlns:mc="http://schemas.openxmlformats.org/markup-compatibility/2006">
-    <mc:Choice xmlns:p14="http://schemas.microsoft.com/office/powerpoint/2010/main" xmlns="" Requires="p14">
+    <mc:Choice xmlns="" xmlns:p14="http://schemas.microsoft.com/office/powerpoint/2010/main" Requires="p14">
       <p:transition spd="slow" p14:dur="2000"/>
     </mc:Choice>
     <mc:Fallback>
@@ -10502,7 +10502,7 @@
     <a:masterClrMapping/>
   </p:clrMapOvr>
   <mc:AlternateContent xmlns:mc="http://schemas.openxmlformats.org/markup-compatibility/2006">
-    <mc:Choice xmlns:p14="http://schemas.microsoft.com/office/powerpoint/2010/main" xmlns="" Requires="p14">
+    <mc:Choice xmlns="" xmlns:p14="http://schemas.microsoft.com/office/powerpoint/2010/main" Requires="p14">
       <p:transition spd="slow" p14:dur="2000"/>
     </mc:Choice>
     <mc:Fallback>
@@ -10646,7 +10646,7 @@
     <a:masterClrMapping/>
   </p:clrMapOvr>
   <mc:AlternateContent xmlns:mc="http://schemas.openxmlformats.org/markup-compatibility/2006">
-    <mc:Choice xmlns:p14="http://schemas.microsoft.com/office/powerpoint/2010/main" xmlns="" Requires="p14">
+    <mc:Choice xmlns="" xmlns:p14="http://schemas.microsoft.com/office/powerpoint/2010/main" Requires="p14">
       <p:transition spd="slow" p14:dur="2000"/>
     </mc:Choice>
     <mc:Fallback>
@@ -10939,7 +10939,7 @@
     <a:masterClrMapping/>
   </p:clrMapOvr>
   <mc:AlternateContent xmlns:mc="http://schemas.openxmlformats.org/markup-compatibility/2006">
-    <mc:Choice xmlns:p14="http://schemas.microsoft.com/office/powerpoint/2010/main" xmlns="" Requires="p14">
+    <mc:Choice xmlns="" xmlns:p14="http://schemas.microsoft.com/office/powerpoint/2010/main" Requires="p14">
       <p:transition spd="slow" p14:dur="2000"/>
     </mc:Choice>
     <mc:Fallback>
@@ -11143,7 +11143,7 @@
     <a:masterClrMapping/>
   </p:clrMapOvr>
   <mc:AlternateContent xmlns:mc="http://schemas.openxmlformats.org/markup-compatibility/2006">
-    <mc:Choice xmlns:p14="http://schemas.microsoft.com/office/powerpoint/2010/main" xmlns="" Requires="p14">
+    <mc:Choice xmlns="" xmlns:p14="http://schemas.microsoft.com/office/powerpoint/2010/main" Requires="p14">
       <p:transition spd="slow" p14:dur="2000"/>
     </mc:Choice>
     <mc:Fallback>
@@ -11343,7 +11343,7 @@
     <a:masterClrMapping/>
   </p:clrMapOvr>
   <mc:AlternateContent xmlns:mc="http://schemas.openxmlformats.org/markup-compatibility/2006">
-    <mc:Choice xmlns:p14="http://schemas.microsoft.com/office/powerpoint/2010/main" xmlns="" Requires="p14">
+    <mc:Choice xmlns="" xmlns:p14="http://schemas.microsoft.com/office/powerpoint/2010/main" Requires="p14">
       <p:transition spd="slow" p14:dur="2000"/>
     </mc:Choice>
     <mc:Fallback>
@@ -11692,7 +11692,7 @@
   <a:extraClrSchemeLst/>
   <a:extLst>
     <a:ext uri="{05A4C25C-085E-4340-85A3-A5531E510DB2}">
-      <thm15:themeFamily xmlns="" xmlns:thm15="http://schemas.microsoft.com/office/thememl/2012/main" name="Office Theme" id="{62F939B6-93AF-4DB8-9C6B-D6C7DFDC589F}" vid="{4A3C46E8-61CC-4603-A589-7422A47A8E4A}"/>
+      <thm15:themeFamily xmlns:thm15="http://schemas.microsoft.com/office/thememl/2012/main" xmlns="" name="Office Theme" id="{62F939B6-93AF-4DB8-9C6B-D6C7DFDC589F}" vid="{4A3C46E8-61CC-4603-A589-7422A47A8E4A}"/>
     </a:ext>
   </a:extLst>
 </a:theme>
@@ -11953,7 +11953,7 @@
   <a:extraClrSchemeLst/>
   <a:extLst>
     <a:ext uri="{05A4C25C-085E-4340-85A3-A5531E510DB2}">
-      <thm15:themeFamily xmlns="" xmlns:thm15="http://schemas.microsoft.com/office/thememl/2012/main" name="Office Theme" id="{62F939B6-93AF-4DB8-9C6B-D6C7DFDC589F}" vid="{4A3C46E8-61CC-4603-A589-7422A47A8E4A}"/>
+      <thm15:themeFamily xmlns:thm15="http://schemas.microsoft.com/office/thememl/2012/main" xmlns="" name="Office Theme" id="{62F939B6-93AF-4DB8-9C6B-D6C7DFDC589F}" vid="{4A3C46E8-61CC-4603-A589-7422A47A8E4A}"/>
     </a:ext>
   </a:extLst>
 </a:theme>

--- a/ppt/2020/实战项目.pptx
+++ b/ppt/2020/实战项目.pptx
@@ -5,10 +5,10 @@
     <p:sldMasterId id="2147483648" r:id="rId1"/>
   </p:sldMasterIdLst>
   <p:notesMasterIdLst>
-    <p:notesMasterId r:id="rId23"/>
+    <p:notesMasterId r:id="rId25"/>
   </p:notesMasterIdLst>
   <p:handoutMasterIdLst>
-    <p:handoutMasterId r:id="rId24"/>
+    <p:handoutMasterId r:id="rId26"/>
   </p:handoutMasterIdLst>
   <p:sldIdLst>
     <p:sldId id="273" r:id="rId2"/>
@@ -31,7 +31,9 @@
     <p:sldId id="293" r:id="rId19"/>
     <p:sldId id="296" r:id="rId20"/>
     <p:sldId id="297" r:id="rId21"/>
-    <p:sldId id="295" r:id="rId22"/>
+    <p:sldId id="298" r:id="rId22"/>
+    <p:sldId id="299" r:id="rId23"/>
+    <p:sldId id="295" r:id="rId24"/>
   </p:sldIdLst>
   <p:sldSz cx="9144000" cy="5143500" type="screen16x9"/>
   <p:notesSz cx="6858000" cy="9144000"/>
@@ -216,7 +218,7 @@
             <a:fld id="{5F920F0F-0E56-2B45-B1BF-268524318682}" type="datetimeFigureOut">
               <a:rPr kumimoji="1" lang="zh-CN" altLang="en-US" smtClean="0"/>
               <a:pPr/>
-              <a:t>2020/5/15</a:t>
+              <a:t>2020/6/7</a:t>
             </a:fld>
             <a:endParaRPr kumimoji="1" lang="zh-CN" altLang="en-US"/>
           </a:p>
@@ -292,7 +294,7 @@
     </p:spTree>
     <p:extLst>
       <p:ext uri="{BB962C8B-B14F-4D97-AF65-F5344CB8AC3E}">
-        <p14:creationId xmlns="" xmlns:p14="http://schemas.microsoft.com/office/powerpoint/2010/main" val="3407571201"/>
+        <p14:creationId xmlns:p14="http://schemas.microsoft.com/office/powerpoint/2010/main" val="3407571201"/>
       </p:ext>
     </p:extLst>
   </p:cSld>
@@ -384,7 +386,7 @@
             <a:fld id="{FB86081A-1E41-D34E-AC33-11FD77CCCD8D}" type="datetimeFigureOut">
               <a:rPr kumimoji="1" lang="zh-CN" altLang="en-US" smtClean="0"/>
               <a:pPr/>
-              <a:t>2020/5/15</a:t>
+              <a:t>2020/6/7</a:t>
             </a:fld>
             <a:endParaRPr kumimoji="1" lang="zh-CN" altLang="en-US"/>
           </a:p>
@@ -553,7 +555,7 @@
     </p:spTree>
     <p:extLst>
       <p:ext uri="{BB962C8B-B14F-4D97-AF65-F5344CB8AC3E}">
-        <p14:creationId xmlns="" xmlns:p14="http://schemas.microsoft.com/office/powerpoint/2010/main" val="2106316760"/>
+        <p14:creationId xmlns:p14="http://schemas.microsoft.com/office/powerpoint/2010/main" val="2106316760"/>
       </p:ext>
     </p:extLst>
   </p:cSld>
@@ -1305,6 +1307,489 @@
 </p:notes>
 </file>
 
+<file path=ppt/notesSlides/notesSlide13.xml><?xml version="1.0" encoding="utf-8"?>
+<p:notes xmlns:a="http://schemas.openxmlformats.org/drawingml/2006/main" xmlns:r="http://schemas.openxmlformats.org/officeDocument/2006/relationships" xmlns:p="http://schemas.openxmlformats.org/presentationml/2006/main">
+  <p:cSld>
+    <p:spTree>
+      <p:nvGrpSpPr>
+        <p:cNvPr id="1" name=""/>
+        <p:cNvGrpSpPr/>
+        <p:nvPr/>
+      </p:nvGrpSpPr>
+      <p:grpSpPr>
+        <a:xfrm>
+          <a:off x="0" y="0"/>
+          <a:ext cx="0" cy="0"/>
+          <a:chOff x="0" y="0"/>
+          <a:chExt cx="0" cy="0"/>
+        </a:xfrm>
+      </p:grpSpPr>
+      <p:sp>
+        <p:nvSpPr>
+          <p:cNvPr id="2" name="幻灯片图像占位符 1"/>
+          <p:cNvSpPr>
+            <a:spLocks noGrp="1" noRot="1" noChangeAspect="1"/>
+          </p:cNvSpPr>
+          <p:nvPr>
+            <p:ph type="sldImg"/>
+          </p:nvPr>
+        </p:nvSpPr>
+        <p:spPr/>
+      </p:sp>
+      <p:sp>
+        <p:nvSpPr>
+          <p:cNvPr id="3" name="备注占位符 2"/>
+          <p:cNvSpPr>
+            <a:spLocks noGrp="1"/>
+          </p:cNvSpPr>
+          <p:nvPr>
+            <p:ph type="body" idx="1"/>
+          </p:nvPr>
+        </p:nvSpPr>
+        <p:spPr/>
+        <p:txBody>
+          <a:bodyPr/>
+          <a:lstStyle/>
+          <a:p>
+            <a:r>
+              <a:rPr lang="en-US" altLang="zh-CN" smtClean="0">
+                <a:hlinkClick r:id="rId3"/>
+              </a:rPr>
+              <a:t>100-gdb-tips</a:t>
+            </a:r>
+          </a:p>
+          <a:p>
+            <a:endParaRPr lang="en-US" altLang="zh-CN" smtClean="0">
+              <a:hlinkClick r:id="rId3"/>
+            </a:endParaRPr>
+          </a:p>
+          <a:p>
+            <a:endParaRPr lang="en-US" altLang="zh-CN" smtClean="0">
+              <a:hlinkClick r:id="rId3"/>
+            </a:endParaRPr>
+          </a:p>
+          <a:p>
+            <a:r>
+              <a:rPr lang="en-US" altLang="zh-CN" smtClean="0">
+                <a:hlinkClick r:id="rId3"/>
+              </a:rPr>
+              <a:t>https://www.cnblogs.com/2014asm/p/6579877.html</a:t>
+            </a:r>
+            <a:endParaRPr lang="en-US" altLang="zh-CN" smtClean="0"/>
+          </a:p>
+          <a:p>
+            <a:r>
+              <a:rPr lang="en-US" altLang="zh-CN" smtClean="0">
+                <a:hlinkClick r:id="rId4"/>
+              </a:rPr>
+              <a:t>https://wizardforcel.gitbooks.io/100-gdb-tips/catch-syscall.html</a:t>
+            </a:r>
+          </a:p>
+          <a:p>
+            <a:r>
+              <a:rPr lang="en-US" altLang="zh-CN" smtClean="0">
+                <a:hlinkClick r:id="rId4"/>
+              </a:rPr>
+              <a:t>https://www.cnblogs.com/wangkangluo1/archive/2012/06/06/2538149.html</a:t>
+            </a:r>
+          </a:p>
+          <a:p>
+            <a:r>
+              <a:rPr lang="en-US" altLang="zh-CN" smtClean="0">
+                <a:hlinkClick r:id="rId4"/>
+              </a:rPr>
+              <a:t>https://www.cnblogs.com/wangkangluo1/archive/2012/06/06/2538149.html</a:t>
+            </a:r>
+            <a:endParaRPr lang="en-US" altLang="zh-CN" smtClean="0">
+              <a:hlinkClick r:id="rId5"/>
+            </a:endParaRPr>
+          </a:p>
+          <a:p>
+            <a:r>
+              <a:rPr lang="en-US" altLang="zh-CN" smtClean="0">
+                <a:hlinkClick r:id="rId5"/>
+              </a:rPr>
+              <a:t>https://gitbook.cn/gitchat/column/5c0e149eedba1b683458fd5f?utm_source=zhihu1225</a:t>
+            </a:r>
+            <a:endParaRPr lang="en-US" altLang="zh-CN" sz="1200" b="0" i="0" kern="1200" smtClean="0">
+              <a:solidFill>
+                <a:schemeClr val="tx1"/>
+              </a:solidFill>
+              <a:effectLst/>
+              <a:latin typeface="+mn-lt"/>
+              <a:ea typeface="+mn-ea"/>
+              <a:cs typeface="+mn-cs"/>
+            </a:endParaRPr>
+          </a:p>
+          <a:p>
+            <a:r>
+              <a:rPr lang="zh-CN" altLang="en-US" sz="1200" b="0" i="0" kern="1200" smtClean="0">
+                <a:solidFill>
+                  <a:schemeClr val="tx1"/>
+                </a:solidFill>
+                <a:effectLst/>
+                <a:latin typeface="+mn-lt"/>
+                <a:ea typeface="+mn-ea"/>
+                <a:cs typeface="+mn-cs"/>
+              </a:rPr>
+              <a:t>如果能实际利用调试器去把某个开源项目调试一遍，学习效果才能更好。站在 </a:t>
+            </a:r>
+            <a:r>
+              <a:rPr lang="en-US" altLang="zh-CN" sz="1200" b="0" i="0" kern="1200" smtClean="0">
+                <a:solidFill>
+                  <a:schemeClr val="tx1"/>
+                </a:solidFill>
+                <a:effectLst/>
+                <a:latin typeface="+mn-lt"/>
+                <a:ea typeface="+mn-ea"/>
+                <a:cs typeface="+mn-cs"/>
+              </a:rPr>
+              <a:t>Linux C/C++ </a:t>
+            </a:r>
+            <a:r>
+              <a:rPr lang="zh-CN" altLang="en-US" sz="1200" b="0" i="0" kern="1200" smtClean="0">
+                <a:solidFill>
+                  <a:schemeClr val="tx1"/>
+                </a:solidFill>
+                <a:effectLst/>
+                <a:latin typeface="+mn-lt"/>
+                <a:ea typeface="+mn-ea"/>
+                <a:cs typeface="+mn-cs"/>
+              </a:rPr>
+              <a:t>后台开发的角度来说，学会了 </a:t>
+            </a:r>
+            <a:r>
+              <a:rPr lang="en-US" altLang="zh-CN" sz="1200" b="0" i="0" kern="1200" smtClean="0">
+                <a:solidFill>
+                  <a:schemeClr val="tx1"/>
+                </a:solidFill>
+                <a:effectLst/>
+                <a:latin typeface="+mn-lt"/>
+                <a:ea typeface="+mn-ea"/>
+                <a:cs typeface="+mn-cs"/>
+              </a:rPr>
+              <a:t>GDB </a:t>
+            </a:r>
+            <a:r>
+              <a:rPr lang="zh-CN" altLang="en-US" sz="1200" b="0" i="0" kern="1200" smtClean="0">
+                <a:solidFill>
+                  <a:schemeClr val="tx1"/>
+                </a:solidFill>
+                <a:effectLst/>
+                <a:latin typeface="+mn-lt"/>
+                <a:ea typeface="+mn-ea"/>
+                <a:cs typeface="+mn-cs"/>
+              </a:rPr>
+              <a:t>调试，就可以对各种 </a:t>
+            </a:r>
+            <a:r>
+              <a:rPr lang="en-US" altLang="zh-CN" sz="1200" b="0" i="0" kern="1200" smtClean="0">
+                <a:solidFill>
+                  <a:schemeClr val="tx1"/>
+                </a:solidFill>
+                <a:effectLst/>
+                <a:latin typeface="+mn-lt"/>
+                <a:ea typeface="+mn-ea"/>
+                <a:cs typeface="+mn-cs"/>
+              </a:rPr>
+              <a:t>C/C++ </a:t>
+            </a:r>
+            <a:r>
+              <a:rPr lang="zh-CN" altLang="en-US" sz="1200" b="0" i="0" kern="1200" smtClean="0">
+                <a:solidFill>
+                  <a:schemeClr val="tx1"/>
+                </a:solidFill>
+                <a:effectLst/>
+                <a:latin typeface="+mn-lt"/>
+                <a:ea typeface="+mn-ea"/>
+                <a:cs typeface="+mn-cs"/>
+              </a:rPr>
+              <a:t>开源项目（如 </a:t>
+            </a:r>
+            <a:r>
+              <a:rPr lang="en-US" altLang="zh-CN" sz="1200" b="0" i="0" kern="1200" smtClean="0">
+                <a:solidFill>
+                  <a:schemeClr val="tx1"/>
+                </a:solidFill>
+                <a:effectLst/>
+                <a:latin typeface="+mn-lt"/>
+                <a:ea typeface="+mn-ea"/>
+                <a:cs typeface="+mn-cs"/>
+              </a:rPr>
+              <a:t>Redis</a:t>
+            </a:r>
+            <a:r>
+              <a:rPr lang="zh-CN" altLang="en-US" sz="1200" b="0" i="0" kern="1200" smtClean="0">
+                <a:solidFill>
+                  <a:schemeClr val="tx1"/>
+                </a:solidFill>
+                <a:effectLst/>
+                <a:latin typeface="+mn-lt"/>
+                <a:ea typeface="+mn-ea"/>
+                <a:cs typeface="+mn-cs"/>
+              </a:rPr>
+              <a:t>、</a:t>
+            </a:r>
+            <a:r>
+              <a:rPr lang="en-US" altLang="zh-CN" sz="1200" b="0" i="0" kern="1200" smtClean="0">
+                <a:solidFill>
+                  <a:schemeClr val="tx1"/>
+                </a:solidFill>
+                <a:effectLst/>
+                <a:latin typeface="+mn-lt"/>
+                <a:ea typeface="+mn-ea"/>
+                <a:cs typeface="+mn-cs"/>
+              </a:rPr>
+              <a:t>Apache</a:t>
+            </a:r>
+            <a:r>
+              <a:rPr lang="zh-CN" altLang="en-US" sz="1200" b="0" i="0" kern="1200" smtClean="0">
+                <a:solidFill>
+                  <a:schemeClr val="tx1"/>
+                </a:solidFill>
+                <a:effectLst/>
+                <a:latin typeface="+mn-lt"/>
+                <a:ea typeface="+mn-ea"/>
+                <a:cs typeface="+mn-cs"/>
+              </a:rPr>
+              <a:t>、</a:t>
+            </a:r>
+            <a:r>
+              <a:rPr lang="en-US" altLang="zh-CN" sz="1200" b="0" i="0" kern="1200" smtClean="0">
+                <a:solidFill>
+                  <a:schemeClr val="tx1"/>
+                </a:solidFill>
+                <a:effectLst/>
+                <a:latin typeface="+mn-lt"/>
+                <a:ea typeface="+mn-ea"/>
+                <a:cs typeface="+mn-cs"/>
+              </a:rPr>
+              <a:t>Nginx </a:t>
+            </a:r>
+            <a:r>
+              <a:rPr lang="zh-CN" altLang="en-US" sz="1200" b="0" i="0" kern="1200" smtClean="0">
+                <a:solidFill>
+                  <a:schemeClr val="tx1"/>
+                </a:solidFill>
+                <a:effectLst/>
+                <a:latin typeface="+mn-lt"/>
+                <a:ea typeface="+mn-ea"/>
+                <a:cs typeface="+mn-cs"/>
+              </a:rPr>
+              <a:t>等）游刃有余。</a:t>
+            </a:r>
+            <a:endParaRPr lang="en-US" altLang="zh-CN" smtClean="0">
+              <a:hlinkClick r:id="rId6"/>
+            </a:endParaRPr>
+          </a:p>
+          <a:p>
+            <a:r>
+              <a:rPr lang="en-US" altLang="zh-CN" smtClean="0">
+                <a:hlinkClick r:id="rId6"/>
+              </a:rPr>
+              <a:t>https://zhuanlan.zhihu.com/p/53237485</a:t>
+            </a:r>
+            <a:endParaRPr lang="en-US" altLang="zh-CN" smtClean="0">
+              <a:hlinkClick r:id="rId7"/>
+            </a:endParaRPr>
+          </a:p>
+          <a:p>
+            <a:r>
+              <a:rPr lang="en-US" altLang="zh-CN" smtClean="0">
+                <a:hlinkClick r:id="rId7"/>
+              </a:rPr>
+              <a:t>https://blog.csdn.net/lixungogogo/article/details/52177624</a:t>
+            </a:r>
+            <a:endParaRPr lang="en-US" altLang="zh-CN" smtClean="0"/>
+          </a:p>
+          <a:p>
+            <a:r>
+              <a:rPr lang="en-US" altLang="zh-CN" smtClean="0">
+                <a:hlinkClick r:id="rId8"/>
+              </a:rPr>
+              <a:t>https://blog.csdn.net/weixin_30924079/article/details/98488070</a:t>
+            </a:r>
+            <a:endParaRPr lang="en-US" altLang="zh-CN" smtClean="0"/>
+          </a:p>
+          <a:p>
+            <a:endParaRPr lang="zh-CN" altLang="en-US"/>
+          </a:p>
+        </p:txBody>
+      </p:sp>
+      <p:sp>
+        <p:nvSpPr>
+          <p:cNvPr id="4" name="灯片编号占位符 3"/>
+          <p:cNvSpPr>
+            <a:spLocks noGrp="1"/>
+          </p:cNvSpPr>
+          <p:nvPr>
+            <p:ph type="sldNum" sz="quarter" idx="10"/>
+          </p:nvPr>
+        </p:nvSpPr>
+        <p:spPr/>
+        <p:txBody>
+          <a:bodyPr/>
+          <a:lstStyle/>
+          <a:p>
+            <a:fld id="{8AF453D5-9B32-8F40-BF12-CF5772967439}" type="slidenum">
+              <a:rPr kumimoji="1" lang="zh-CN" altLang="en-US" smtClean="0"/>
+              <a:pPr/>
+              <a:t>20</a:t>
+            </a:fld>
+            <a:endParaRPr kumimoji="1" lang="zh-CN" altLang="en-US"/>
+          </a:p>
+        </p:txBody>
+      </p:sp>
+    </p:spTree>
+    <p:extLst>
+      <p:ext uri="{BB962C8B-B14F-4D97-AF65-F5344CB8AC3E}">
+        <p14:creationId xmlns:p14="http://schemas.microsoft.com/office/powerpoint/2010/main" val="1173108780"/>
+      </p:ext>
+    </p:extLst>
+  </p:cSld>
+  <p:clrMapOvr>
+    <a:masterClrMapping/>
+  </p:clrMapOvr>
+</p:notes>
+</file>
+
+<file path=ppt/notesSlides/notesSlide14.xml><?xml version="1.0" encoding="utf-8"?>
+<p:notes xmlns:a="http://schemas.openxmlformats.org/drawingml/2006/main" xmlns:r="http://schemas.openxmlformats.org/officeDocument/2006/relationships" xmlns:p="http://schemas.openxmlformats.org/presentationml/2006/main">
+  <p:cSld>
+    <p:spTree>
+      <p:nvGrpSpPr>
+        <p:cNvPr id="1" name=""/>
+        <p:cNvGrpSpPr/>
+        <p:nvPr/>
+      </p:nvGrpSpPr>
+      <p:grpSpPr>
+        <a:xfrm>
+          <a:off x="0" y="0"/>
+          <a:ext cx="0" cy="0"/>
+          <a:chOff x="0" y="0"/>
+          <a:chExt cx="0" cy="0"/>
+        </a:xfrm>
+      </p:grpSpPr>
+      <p:sp>
+        <p:nvSpPr>
+          <p:cNvPr id="2" name="幻灯片图像占位符 1"/>
+          <p:cNvSpPr>
+            <a:spLocks noGrp="1" noRot="1" noChangeAspect="1"/>
+          </p:cNvSpPr>
+          <p:nvPr>
+            <p:ph type="sldImg"/>
+          </p:nvPr>
+        </p:nvSpPr>
+        <p:spPr/>
+      </p:sp>
+      <p:sp>
+        <p:nvSpPr>
+          <p:cNvPr id="3" name="备注占位符 2"/>
+          <p:cNvSpPr>
+            <a:spLocks noGrp="1"/>
+          </p:cNvSpPr>
+          <p:nvPr>
+            <p:ph type="body" idx="1"/>
+          </p:nvPr>
+        </p:nvSpPr>
+        <p:spPr/>
+        <p:txBody>
+          <a:bodyPr/>
+          <a:lstStyle/>
+          <a:p>
+            <a:r>
+              <a:rPr lang="en-US" altLang="zh-CN" smtClean="0"/>
+              <a:t>https</a:t>
+            </a:r>
+            <a:r>
+              <a:rPr lang="en-US" altLang="zh-CN" smtClean="0"/>
+              <a:t>://</a:t>
+            </a:r>
+            <a:r>
+              <a:rPr lang="en-US" altLang="zh-CN" smtClean="0"/>
+              <a:t>blog.csdn.net/jogger_ling/article/details/64443470</a:t>
+            </a:r>
+          </a:p>
+          <a:p>
+            <a:endParaRPr lang="en-US" altLang="zh-CN" smtClean="0"/>
+          </a:p>
+          <a:p>
+            <a:r>
+              <a:rPr lang="en-US" altLang="zh-CN" smtClean="0"/>
+              <a:t>https://stackoverflow.com/questions/8481326/what-use-is-a-truncated-coredump</a:t>
+            </a:r>
+          </a:p>
+          <a:p>
+            <a:endParaRPr lang="en-US" altLang="zh-CN" smtClean="0"/>
+          </a:p>
+          <a:p>
+            <a:endParaRPr lang="en-US" altLang="zh-CN" smtClean="0"/>
+          </a:p>
+          <a:p>
+            <a:pPr marL="0" marR="0" indent="0" algn="l" defTabSz="914400" rtl="0" eaLnBrk="1" fontAlgn="auto" latinLnBrk="0" hangingPunct="1">
+              <a:lnSpc>
+                <a:spcPct val="100000"/>
+              </a:lnSpc>
+              <a:spcBef>
+                <a:spcPts val="0"/>
+              </a:spcBef>
+              <a:spcAft>
+                <a:spcPts val="0"/>
+              </a:spcAft>
+              <a:buClrTx/>
+              <a:buSzTx/>
+              <a:buFontTx/>
+              <a:buNone/>
+              <a:tabLst/>
+              <a:defRPr/>
+            </a:pPr>
+            <a:r>
+              <a:rPr lang="en-US" altLang="zh-CN" smtClean="0"/>
+              <a:t>https://www.cnblogs.com/yangguang-it/p/6435297.html</a:t>
+            </a:r>
+          </a:p>
+          <a:p>
+            <a:endParaRPr lang="zh-CN" altLang="en-US"/>
+          </a:p>
+        </p:txBody>
+      </p:sp>
+      <p:sp>
+        <p:nvSpPr>
+          <p:cNvPr id="4" name="灯片编号占位符 3"/>
+          <p:cNvSpPr>
+            <a:spLocks noGrp="1"/>
+          </p:cNvSpPr>
+          <p:nvPr>
+            <p:ph type="sldNum" sz="quarter" idx="10"/>
+          </p:nvPr>
+        </p:nvSpPr>
+        <p:spPr/>
+        <p:txBody>
+          <a:bodyPr/>
+          <a:lstStyle/>
+          <a:p>
+            <a:fld id="{8AF453D5-9B32-8F40-BF12-CF5772967439}" type="slidenum">
+              <a:rPr kumimoji="1" lang="zh-CN" altLang="en-US" smtClean="0"/>
+              <a:pPr/>
+              <a:t>21</a:t>
+            </a:fld>
+            <a:endParaRPr kumimoji="1" lang="zh-CN" altLang="en-US"/>
+          </a:p>
+        </p:txBody>
+      </p:sp>
+    </p:spTree>
+    <p:extLst>
+      <p:ext uri="{BB962C8B-B14F-4D97-AF65-F5344CB8AC3E}">
+        <p14:creationId xmlns:p14="http://schemas.microsoft.com/office/powerpoint/2010/main" val="1173108780"/>
+      </p:ext>
+    </p:extLst>
+  </p:cSld>
+  <p:clrMapOvr>
+    <a:masterClrMapping/>
+  </p:clrMapOvr>
+</p:notes>
+</file>
+
 <file path=ppt/notesSlides/notesSlide2.xml><?xml version="1.0" encoding="utf-8"?>
 <p:notes xmlns:a="http://schemas.openxmlformats.org/drawingml/2006/main" xmlns:r="http://schemas.openxmlformats.org/officeDocument/2006/relationships" xmlns:p="http://schemas.openxmlformats.org/presentationml/2006/main">
   <p:cSld>
@@ -2050,7 +2535,7 @@
     </p:spTree>
     <p:extLst>
       <p:ext uri="{BB962C8B-B14F-4D97-AF65-F5344CB8AC3E}">
-        <p14:creationId xmlns="" xmlns:p14="http://schemas.microsoft.com/office/powerpoint/2010/main" val="347096014"/>
+        <p14:creationId xmlns:p14="http://schemas.microsoft.com/office/powerpoint/2010/main" val="347096014"/>
       </p:ext>
     </p:extLst>
   </p:cSld>
@@ -2480,7 +2965,7 @@
     </p:spTree>
     <p:extLst>
       <p:ext uri="{BB962C8B-B14F-4D97-AF65-F5344CB8AC3E}">
-        <p14:creationId xmlns="" xmlns:p14="http://schemas.microsoft.com/office/powerpoint/2010/main" val="347096014"/>
+        <p14:creationId xmlns:p14="http://schemas.microsoft.com/office/powerpoint/2010/main" val="347096014"/>
       </p:ext>
     </p:extLst>
   </p:cSld>
@@ -2565,7 +3050,7 @@
     </p:spTree>
     <p:extLst>
       <p:ext uri="{BB962C8B-B14F-4D97-AF65-F5344CB8AC3E}">
-        <p14:creationId xmlns="" xmlns:p14="http://schemas.microsoft.com/office/powerpoint/2010/main" val="855118000"/>
+        <p14:creationId xmlns:p14="http://schemas.microsoft.com/office/powerpoint/2010/main" val="855118000"/>
       </p:ext>
     </p:extLst>
   </p:cSld>
@@ -2728,7 +3213,7 @@
     </p:spTree>
     <p:extLst>
       <p:ext uri="{BB962C8B-B14F-4D97-AF65-F5344CB8AC3E}">
-        <p14:creationId xmlns="" xmlns:p14="http://schemas.microsoft.com/office/powerpoint/2010/main" val="855118000"/>
+        <p14:creationId xmlns:p14="http://schemas.microsoft.com/office/powerpoint/2010/main" val="855118000"/>
       </p:ext>
     </p:extLst>
   </p:cSld>
@@ -2767,7 +3252,7 @@
           <a:blip r:embed="rId2">
             <a:extLst>
               <a:ext uri="{28A0092B-C50C-407E-A947-70E740481C1C}">
-                <a14:useLocalDpi xmlns="" xmlns:a14="http://schemas.microsoft.com/office/drawing/2010/main" val="0"/>
+                <a14:useLocalDpi xmlns:a14="http://schemas.microsoft.com/office/drawing/2010/main" val="0"/>
               </a:ext>
             </a:extLst>
           </a:blip>
@@ -3056,7 +3541,7 @@
           <a:blip r:embed="rId3">
             <a:extLst>
               <a:ext uri="{28A0092B-C50C-407E-A947-70E740481C1C}">
-                <a14:useLocalDpi xmlns="" xmlns:a14="http://schemas.microsoft.com/office/drawing/2010/main" val="0"/>
+                <a14:useLocalDpi xmlns:a14="http://schemas.microsoft.com/office/drawing/2010/main" val="0"/>
               </a:ext>
             </a:extLst>
           </a:blip>
@@ -3352,7 +3837,7 @@
           <a:blip r:embed="rId2">
             <a:extLst>
               <a:ext uri="{28A0092B-C50C-407E-A947-70E740481C1C}">
-                <a14:useLocalDpi xmlns="" xmlns:a14="http://schemas.microsoft.com/office/drawing/2010/main" val="0"/>
+                <a14:useLocalDpi xmlns:a14="http://schemas.microsoft.com/office/drawing/2010/main" val="0"/>
               </a:ext>
             </a:extLst>
           </a:blip>
@@ -3382,7 +3867,7 @@
           <a:blip r:embed="rId3">
             <a:extLst>
               <a:ext uri="{28A0092B-C50C-407E-A947-70E740481C1C}">
-                <a14:useLocalDpi xmlns="" xmlns:a14="http://schemas.microsoft.com/office/drawing/2010/main" val="0"/>
+                <a14:useLocalDpi xmlns:a14="http://schemas.microsoft.com/office/drawing/2010/main" val="0"/>
               </a:ext>
             </a:extLst>
           </a:blip>
@@ -3654,7 +4139,7 @@
           <a:blip r:embed="rId2">
             <a:extLst>
               <a:ext uri="{28A0092B-C50C-407E-A947-70E740481C1C}">
-                <a14:useLocalDpi xmlns="" xmlns:a14="http://schemas.microsoft.com/office/drawing/2010/main" val="0"/>
+                <a14:useLocalDpi xmlns:a14="http://schemas.microsoft.com/office/drawing/2010/main" val="0"/>
               </a:ext>
             </a:extLst>
           </a:blip>
@@ -3684,7 +4169,7 @@
           <a:blip r:embed="rId3">
             <a:extLst>
               <a:ext uri="{28A0092B-C50C-407E-A947-70E740481C1C}">
-                <a14:useLocalDpi xmlns="" xmlns:a14="http://schemas.microsoft.com/office/drawing/2010/main" val="0"/>
+                <a14:useLocalDpi xmlns:a14="http://schemas.microsoft.com/office/drawing/2010/main" val="0"/>
               </a:ext>
             </a:extLst>
           </a:blip>
@@ -4020,7 +4505,7 @@
           <a:blip r:embed="rId2">
             <a:extLst>
               <a:ext uri="{28A0092B-C50C-407E-A947-70E740481C1C}">
-                <a14:useLocalDpi xmlns="" xmlns:a14="http://schemas.microsoft.com/office/drawing/2010/main" val="0"/>
+                <a14:useLocalDpi xmlns:a14="http://schemas.microsoft.com/office/drawing/2010/main" val="0"/>
               </a:ext>
             </a:extLst>
           </a:blip>
@@ -4050,7 +4535,7 @@
           <a:blip r:embed="rId3">
             <a:extLst>
               <a:ext uri="{28A0092B-C50C-407E-A947-70E740481C1C}">
-                <a14:useLocalDpi xmlns="" xmlns:a14="http://schemas.microsoft.com/office/drawing/2010/main" val="0"/>
+                <a14:useLocalDpi xmlns:a14="http://schemas.microsoft.com/office/drawing/2010/main" val="0"/>
               </a:ext>
             </a:extLst>
           </a:blip>
@@ -4365,7 +4850,7 @@
           <a:blip r:embed="rId2">
             <a:extLst>
               <a:ext uri="{28A0092B-C50C-407E-A947-70E740481C1C}">
-                <a14:useLocalDpi xmlns="" xmlns:a14="http://schemas.microsoft.com/office/drawing/2010/main" val="0"/>
+                <a14:useLocalDpi xmlns:a14="http://schemas.microsoft.com/office/drawing/2010/main" val="0"/>
               </a:ext>
             </a:extLst>
           </a:blip>
@@ -4395,7 +4880,7 @@
           <a:blip r:embed="rId3">
             <a:extLst>
               <a:ext uri="{28A0092B-C50C-407E-A947-70E740481C1C}">
-                <a14:useLocalDpi xmlns="" xmlns:a14="http://schemas.microsoft.com/office/drawing/2010/main" val="0"/>
+                <a14:useLocalDpi xmlns:a14="http://schemas.microsoft.com/office/drawing/2010/main" val="0"/>
               </a:ext>
             </a:extLst>
           </a:blip>
@@ -4587,7 +5072,7 @@
             <a:fld id="{7BC3C6E0-25AE-8A44-A617-CADD813DE539}" type="datetime1">
               <a:rPr lang="zh-CN" altLang="en-US" smtClean="0"/>
               <a:pPr/>
-              <a:t>2020/5/15</a:t>
+              <a:t>2020/6/7</a:t>
             </a:fld>
             <a:endParaRPr lang="zh-CN" altLang="en-US" dirty="0"/>
           </a:p>
@@ -4811,7 +5296,7 @@
           <a:blip r:embed="rId2">
             <a:extLst>
               <a:ext uri="{28A0092B-C50C-407E-A947-70E740481C1C}">
-                <a14:useLocalDpi xmlns="" xmlns:a14="http://schemas.microsoft.com/office/drawing/2010/main" val="0"/>
+                <a14:useLocalDpi xmlns:a14="http://schemas.microsoft.com/office/drawing/2010/main" val="0"/>
               </a:ext>
             </a:extLst>
           </a:blip>
@@ -4997,7 +5482,7 @@
             <a:fld id="{B8DE94C4-0AC0-E74D-83DE-D1778C094258}" type="datetime1">
               <a:rPr lang="zh-CN" altLang="en-US" smtClean="0"/>
               <a:pPr/>
-              <a:t>2020/5/15</a:t>
+              <a:t>2020/6/7</a:t>
             </a:fld>
             <a:endParaRPr lang="zh-CN" altLang="en-US" dirty="0"/>
           </a:p>
@@ -5759,7 +6244,7 @@
     </p:spTree>
     <p:extLst>
       <p:ext uri="{BB962C8B-B14F-4D97-AF65-F5344CB8AC3E}">
-        <p14:creationId xmlns="" xmlns:p14="http://schemas.microsoft.com/office/powerpoint/2010/main" val="3313057596"/>
+        <p14:creationId xmlns:p14="http://schemas.microsoft.com/office/powerpoint/2010/main" val="3313057596"/>
       </p:ext>
     </p:extLst>
   </p:cSld>
@@ -6786,7 +7271,7 @@
     </p:spTree>
     <p:extLst>
       <p:ext uri="{BB962C8B-B14F-4D97-AF65-F5344CB8AC3E}">
-        <p14:creationId xmlns="" xmlns:p14="http://schemas.microsoft.com/office/powerpoint/2010/main" val="2327649552"/>
+        <p14:creationId xmlns:p14="http://schemas.microsoft.com/office/powerpoint/2010/main" val="2327649552"/>
       </p:ext>
     </p:extLst>
   </p:cSld>
@@ -8473,7 +8958,7 @@
     </p:spTree>
     <p:extLst>
       <p:ext uri="{BB962C8B-B14F-4D97-AF65-F5344CB8AC3E}">
-        <p14:creationId xmlns="" xmlns:p14="http://schemas.microsoft.com/office/powerpoint/2010/main" val="1923392337"/>
+        <p14:creationId xmlns:p14="http://schemas.microsoft.com/office/powerpoint/2010/main" val="1923392337"/>
       </p:ext>
     </p:extLst>
   </p:cSld>
@@ -8636,7 +9121,7 @@
     </p:spTree>
     <p:extLst>
       <p:ext uri="{BB962C8B-B14F-4D97-AF65-F5344CB8AC3E}">
-        <p14:creationId xmlns="" xmlns:p14="http://schemas.microsoft.com/office/powerpoint/2010/main" val="1923392337"/>
+        <p14:creationId xmlns:p14="http://schemas.microsoft.com/office/powerpoint/2010/main" val="1923392337"/>
       </p:ext>
     </p:extLst>
   </p:cSld>
@@ -8752,11 +9237,11 @@
   <p:clrMapOvr>
     <a:masterClrMapping/>
   </p:clrMapOvr>
-  <mc:AlternateContent xmlns:mc="http://schemas.openxmlformats.org/markup-compatibility/2006">
-    <mc:Choice xmlns="" xmlns:p14="http://schemas.microsoft.com/office/powerpoint/2010/main" Requires="p14">
+  <mc:AlternateContent xmlns:mc="http://schemas.openxmlformats.org/markup-compatibility/2006" xmlns:p14="http://schemas.microsoft.com/office/powerpoint/2010/main">
+    <mc:Choice Requires="p14">
       <p:transition spd="slow" p14:dur="2000"/>
     </mc:Choice>
-    <mc:Fallback>
+    <mc:Fallback xmlns="">
       <p:transition spd="slow"/>
     </mc:Fallback>
   </mc:AlternateContent>
@@ -8975,7 +9460,7 @@
     </p:spTree>
     <p:extLst>
       <p:ext uri="{BB962C8B-B14F-4D97-AF65-F5344CB8AC3E}">
-        <p14:creationId xmlns="" xmlns:p14="http://schemas.microsoft.com/office/powerpoint/2010/main" val="4095532216"/>
+        <p14:creationId xmlns:p14="http://schemas.microsoft.com/office/powerpoint/2010/main" val="4095532216"/>
       </p:ext>
     </p:extLst>
   </p:cSld>
@@ -9162,7 +9647,7 @@
     </p:spTree>
     <p:extLst>
       <p:ext uri="{BB962C8B-B14F-4D97-AF65-F5344CB8AC3E}">
-        <p14:creationId xmlns="" xmlns:p14="http://schemas.microsoft.com/office/powerpoint/2010/main" val="4095532216"/>
+        <p14:creationId xmlns:p14="http://schemas.microsoft.com/office/powerpoint/2010/main" val="4095532216"/>
       </p:ext>
     </p:extLst>
   </p:cSld>
@@ -9365,6 +9850,13 @@
   <p:clrMapOvr>
     <a:masterClrMapping/>
   </p:clrMapOvr>
+  <p:timing>
+    <p:tnLst>
+      <p:par>
+        <p:cTn id="1" dur="indefinite" restart="never" nodeType="tmRoot"/>
+      </p:par>
+    </p:tnLst>
+  </p:timing>
 </p:sld>
 </file>
 
@@ -9493,15 +9985,19 @@
               <a:t>项目</a:t>
             </a:r>
             <a:r>
-              <a:rPr lang="en-US" altLang="zh-CN" dirty="0" smtClean="0"/>
+              <a:rPr lang="en-US" altLang="zh-CN" smtClean="0"/>
               <a:t>1 –</a:t>
             </a:r>
             <a:r>
-              <a:rPr lang="zh-CN" altLang="en-US" dirty="0" smtClean="0"/>
-              <a:t>可伸缩</a:t>
-            </a:r>
-            <a:r>
-              <a:rPr lang="en-US" altLang="zh-CN" dirty="0" smtClean="0"/>
+              <a:rPr lang="zh-CN" altLang="en-US"/>
+              <a:t>高可</a:t>
+            </a:r>
+            <a:r>
+              <a:rPr lang="zh-CN" altLang="en-US" smtClean="0"/>
+              <a:t>用的</a:t>
+            </a:r>
+            <a:r>
+              <a:rPr lang="en-US" altLang="zh-CN" smtClean="0"/>
               <a:t>2</a:t>
             </a:r>
             <a:r>
@@ -9527,13 +10023,20 @@
     </p:spTree>
     <p:extLst>
       <p:ext uri="{BB962C8B-B14F-4D97-AF65-F5344CB8AC3E}">
-        <p14:creationId xmlns="" xmlns:p14="http://schemas.microsoft.com/office/powerpoint/2010/main" val="3575490198"/>
+        <p14:creationId xmlns:p14="http://schemas.microsoft.com/office/powerpoint/2010/main" val="3575490198"/>
       </p:ext>
     </p:extLst>
   </p:cSld>
   <p:clrMapOvr>
     <a:masterClrMapping/>
   </p:clrMapOvr>
+  <p:timing>
+    <p:tnLst>
+      <p:par>
+        <p:cTn id="1" dur="indefinite" restart="never" nodeType="tmRoot"/>
+      </p:par>
+    </p:tnLst>
+  </p:timing>
 </p:sld>
 </file>
 
@@ -9831,10 +10334,1915 @@
   <p:clrMapOvr>
     <a:masterClrMapping/>
   </p:clrMapOvr>
+  <p:timing>
+    <p:tnLst>
+      <p:par>
+        <p:cTn id="1" dur="indefinite" restart="never" nodeType="tmRoot"/>
+      </p:par>
+    </p:tnLst>
+  </p:timing>
 </p:sld>
 </file>
 
 <file path=ppt/slides/slide21.xml><?xml version="1.0" encoding="utf-8"?>
+<p:sld xmlns:a="http://schemas.openxmlformats.org/drawingml/2006/main" xmlns:r="http://schemas.openxmlformats.org/officeDocument/2006/relationships" xmlns:p="http://schemas.openxmlformats.org/presentationml/2006/main">
+  <p:cSld>
+    <p:spTree>
+      <p:nvGrpSpPr>
+        <p:cNvPr id="1" name=""/>
+        <p:cNvGrpSpPr/>
+        <p:nvPr/>
+      </p:nvGrpSpPr>
+      <p:grpSpPr>
+        <a:xfrm>
+          <a:off x="0" y="0"/>
+          <a:ext cx="0" cy="0"/>
+          <a:chOff x="0" y="0"/>
+          <a:chExt cx="0" cy="0"/>
+        </a:xfrm>
+      </p:grpSpPr>
+      <p:sp>
+        <p:nvSpPr>
+          <p:cNvPr id="2" name="内容占位符 1"/>
+          <p:cNvSpPr>
+            <a:spLocks noGrp="1"/>
+          </p:cNvSpPr>
+          <p:nvPr>
+            <p:ph idx="1"/>
+          </p:nvPr>
+        </p:nvSpPr>
+        <p:spPr>
+          <a:xfrm>
+            <a:off x="416744" y="1131590"/>
+            <a:ext cx="8229600" cy="3096344"/>
+          </a:xfrm>
+        </p:spPr>
+        <p:txBody>
+          <a:bodyPr>
+            <a:normAutofit lnSpcReduction="10000"/>
+          </a:bodyPr>
+          <a:lstStyle/>
+          <a:p>
+            <a:r>
+              <a:rPr lang="en-US" altLang="zh-CN" smtClean="0"/>
+              <a:t>Gdb </a:t>
+            </a:r>
+            <a:r>
+              <a:rPr lang="zh-CN" altLang="en-US"/>
+              <a:t>如何</a:t>
+            </a:r>
+            <a:r>
+              <a:rPr lang="zh-CN" altLang="en-US" smtClean="0"/>
+              <a:t>设置断点，请思考</a:t>
+            </a:r>
+            <a:r>
+              <a:rPr lang="en-US" altLang="zh-CN" smtClean="0"/>
+              <a:t>3</a:t>
+            </a:r>
+            <a:r>
+              <a:rPr lang="zh-CN" altLang="en-US" smtClean="0"/>
+              <a:t>秒回答</a:t>
+            </a:r>
+            <a:endParaRPr lang="en-US" altLang="zh-CN" smtClean="0"/>
+          </a:p>
+          <a:p>
+            <a:pPr marL="0" indent="0">
+              <a:buNone/>
+            </a:pPr>
+            <a:r>
+              <a:rPr lang="en-US" altLang="zh-CN">
+                <a:solidFill>
+                  <a:srgbClr val="FF0000"/>
+                </a:solidFill>
+              </a:rPr>
+              <a:t>100%</a:t>
+            </a:r>
+            <a:r>
+              <a:rPr lang="zh-CN" altLang="en-US">
+                <a:solidFill>
+                  <a:srgbClr val="FF0000"/>
+                </a:solidFill>
+              </a:rPr>
+              <a:t>正确速度</a:t>
+            </a:r>
+            <a:endParaRPr lang="en-US" altLang="zh-CN">
+              <a:solidFill>
+                <a:srgbClr val="FF0000"/>
+              </a:solidFill>
+            </a:endParaRPr>
+          </a:p>
+          <a:p>
+            <a:pPr marL="0" indent="0">
+              <a:buNone/>
+            </a:pPr>
+            <a:r>
+              <a:rPr lang="zh-CN" altLang="en-US" smtClean="0"/>
+              <a:t>考察要点</a:t>
+            </a:r>
+            <a:r>
+              <a:rPr lang="en-US" altLang="zh-CN" smtClean="0"/>
+              <a:t>1 </a:t>
+            </a:r>
+            <a:r>
+              <a:rPr lang="zh-CN" altLang="en-US" smtClean="0"/>
+              <a:t>不卡顿 这个还要想，必须脱口而出。（忘记了，自己根本没操作过）</a:t>
+            </a:r>
+            <a:endParaRPr lang="en-US" altLang="zh-CN" smtClean="0"/>
+          </a:p>
+          <a:p>
+            <a:pPr marL="0" indent="0">
+              <a:buNone/>
+            </a:pPr>
+            <a:r>
+              <a:rPr lang="zh-CN" altLang="en-US"/>
+              <a:t>考察要</a:t>
+            </a:r>
+            <a:r>
+              <a:rPr lang="zh-CN" altLang="en-US" smtClean="0"/>
+              <a:t>点</a:t>
+            </a:r>
+            <a:r>
+              <a:rPr lang="en-US" altLang="zh-CN" smtClean="0"/>
+              <a:t>2 </a:t>
+            </a:r>
+            <a:r>
+              <a:rPr lang="zh-CN" altLang="en-US" smtClean="0"/>
+              <a:t>从那个几个方面回答。（一个正在跑的</a:t>
+            </a:r>
+            <a:r>
+              <a:rPr lang="en-US" altLang="zh-CN" smtClean="0"/>
+              <a:t>nginx/memached</a:t>
+            </a:r>
+            <a:r>
+              <a:rPr lang="zh-CN" altLang="en-US"/>
+              <a:t>设</a:t>
+            </a:r>
+            <a:r>
+              <a:rPr lang="zh-CN" altLang="en-US" smtClean="0"/>
+              <a:t>置想不起来）</a:t>
+            </a:r>
+            <a:endParaRPr lang="en-US" altLang="zh-CN" smtClean="0"/>
+          </a:p>
+          <a:p>
+            <a:pPr marL="0" indent="0">
+              <a:buNone/>
+            </a:pPr>
+            <a:r>
+              <a:rPr lang="zh-CN" altLang="en-US" smtClean="0"/>
+              <a:t>考</a:t>
+            </a:r>
+            <a:r>
+              <a:rPr lang="zh-CN" altLang="en-US"/>
+              <a:t>察要</a:t>
+            </a:r>
+            <a:r>
+              <a:rPr lang="zh-CN" altLang="en-US" smtClean="0"/>
+              <a:t>点</a:t>
+            </a:r>
+            <a:r>
+              <a:rPr lang="en-US" altLang="zh-CN" smtClean="0"/>
+              <a:t>3 </a:t>
+            </a:r>
+            <a:r>
+              <a:rPr lang="zh-CN" altLang="en-US" smtClean="0"/>
+              <a:t>具</a:t>
+            </a:r>
+            <a:r>
+              <a:rPr lang="zh-CN" altLang="en-US"/>
+              <a:t>体命令是什</a:t>
+            </a:r>
+            <a:r>
+              <a:rPr lang="zh-CN" altLang="en-US" smtClean="0"/>
+              <a:t>么</a:t>
+            </a:r>
+            <a:endParaRPr lang="en-US" altLang="zh-CN" smtClean="0"/>
+          </a:p>
+          <a:p>
+            <a:pPr marL="0" indent="0">
+              <a:buNone/>
+            </a:pPr>
+            <a:r>
+              <a:rPr lang="zh-CN" altLang="en-US" smtClean="0"/>
+              <a:t>最后问不是命令，是</a:t>
+            </a:r>
+            <a:r>
+              <a:rPr lang="zh-CN" altLang="en-US" dirty="0"/>
+              <a:t>考察面试者有没有多线程问题排查</a:t>
+            </a:r>
+            <a:r>
+              <a:rPr lang="zh-CN" altLang="en-US"/>
+              <a:t>经</a:t>
+            </a:r>
+            <a:r>
+              <a:rPr lang="zh-CN" altLang="en-US" smtClean="0"/>
+              <a:t>验。</a:t>
+            </a:r>
+            <a:endParaRPr lang="en-US" altLang="zh-CN" smtClean="0"/>
+          </a:p>
+          <a:p>
+            <a:pPr marL="0" indent="0">
+              <a:buNone/>
+            </a:pPr>
+            <a:endParaRPr lang="en-US" altLang="zh-CN" smtClean="0"/>
+          </a:p>
+          <a:p>
+            <a:pPr marL="0" indent="0">
+              <a:buNone/>
+            </a:pPr>
+            <a:r>
+              <a:rPr lang="zh-CN" altLang="en-US">
+                <a:solidFill>
+                  <a:srgbClr val="FF0000"/>
+                </a:solidFill>
+              </a:rPr>
+              <a:t>动</a:t>
+            </a:r>
+            <a:r>
+              <a:rPr lang="zh-CN" altLang="en-US" smtClean="0">
+                <a:solidFill>
+                  <a:srgbClr val="FF0000"/>
+                </a:solidFill>
+              </a:rPr>
+              <a:t>手操作：</a:t>
+            </a:r>
+            <a:endParaRPr lang="en-US" altLang="zh-CN" smtClean="0">
+              <a:solidFill>
+                <a:srgbClr val="FF0000"/>
+              </a:solidFill>
+            </a:endParaRPr>
+          </a:p>
+          <a:p>
+            <a:pPr marL="0" indent="0">
+              <a:buNone/>
+            </a:pPr>
+            <a:r>
+              <a:rPr lang="zh-CN" altLang="en-US" dirty="0"/>
+              <a:t>如果能实际利用调试器去把某个开源项目调试一遍，学习效果才能更好。站在 </a:t>
+            </a:r>
+            <a:r>
+              <a:rPr lang="en-US" altLang="zh-CN" dirty="0"/>
+              <a:t>Linux C/C++ </a:t>
+            </a:r>
+            <a:r>
+              <a:rPr lang="zh-CN" altLang="en-US" dirty="0"/>
+              <a:t>后台开发的角度来说，学会了 </a:t>
+            </a:r>
+            <a:r>
+              <a:rPr lang="en-US" altLang="zh-CN" dirty="0"/>
+              <a:t>GDB </a:t>
+            </a:r>
+            <a:r>
+              <a:rPr lang="zh-CN" altLang="en-US" dirty="0"/>
+              <a:t>调试，就可以对各种 </a:t>
+            </a:r>
+            <a:r>
+              <a:rPr lang="en-US" altLang="zh-CN" dirty="0"/>
+              <a:t>C/C++ </a:t>
+            </a:r>
+            <a:r>
+              <a:rPr lang="zh-CN" altLang="en-US" dirty="0"/>
+              <a:t>开源项目（如 </a:t>
+            </a:r>
+            <a:r>
+              <a:rPr lang="en-US" altLang="zh-CN" dirty="0"/>
+              <a:t>Redis</a:t>
+            </a:r>
+            <a:r>
+              <a:rPr lang="zh-CN" altLang="en-US" dirty="0"/>
+              <a:t>、</a:t>
+            </a:r>
+            <a:r>
+              <a:rPr lang="en-US" altLang="zh-CN" dirty="0"/>
+              <a:t>Apache</a:t>
+            </a:r>
+            <a:r>
+              <a:rPr lang="zh-CN" altLang="en-US" dirty="0"/>
+              <a:t>、</a:t>
+            </a:r>
+            <a:r>
+              <a:rPr lang="en-US" altLang="zh-CN" dirty="0"/>
+              <a:t>Nginx </a:t>
+            </a:r>
+            <a:r>
+              <a:rPr lang="zh-CN" altLang="en-US" dirty="0"/>
+              <a:t>等）游刃有余。</a:t>
+            </a:r>
+            <a:endParaRPr lang="en-US" altLang="zh-CN" smtClean="0"/>
+          </a:p>
+          <a:p>
+            <a:pPr marL="0" indent="0">
+              <a:buNone/>
+            </a:pPr>
+            <a:endParaRPr lang="en-US" altLang="zh-CN" smtClean="0"/>
+          </a:p>
+          <a:p>
+            <a:pPr marL="0" indent="0">
+              <a:buNone/>
+            </a:pPr>
+            <a:endParaRPr lang="en-US" altLang="zh-CN"/>
+          </a:p>
+          <a:p>
+            <a:pPr marL="0" indent="0">
+              <a:buNone/>
+            </a:pPr>
+            <a:endParaRPr lang="en-US" altLang="zh-CN" smtClean="0"/>
+          </a:p>
+          <a:p>
+            <a:pPr marL="0" indent="0">
+              <a:buNone/>
+            </a:pPr>
+            <a:endParaRPr lang="zh-CN" altLang="en-US"/>
+          </a:p>
+        </p:txBody>
+      </p:sp>
+      <p:sp>
+        <p:nvSpPr>
+          <p:cNvPr id="3" name="标题 2"/>
+          <p:cNvSpPr>
+            <a:spLocks noGrp="1"/>
+          </p:cNvSpPr>
+          <p:nvPr>
+            <p:ph type="title"/>
+          </p:nvPr>
+        </p:nvSpPr>
+        <p:spPr>
+          <a:xfrm>
+            <a:off x="417600" y="230400"/>
+            <a:ext cx="8474880" cy="857250"/>
+          </a:xfrm>
+        </p:spPr>
+        <p:style>
+          <a:lnRef idx="2">
+            <a:schemeClr val="dk1">
+              <a:shade val="50000"/>
+            </a:schemeClr>
+          </a:lnRef>
+          <a:fillRef idx="1">
+            <a:schemeClr val="dk1"/>
+          </a:fillRef>
+          <a:effectRef idx="0">
+            <a:schemeClr val="dk1"/>
+          </a:effectRef>
+          <a:fontRef idx="minor">
+            <a:schemeClr val="lt1"/>
+          </a:fontRef>
+        </p:style>
+        <p:txBody>
+          <a:bodyPr/>
+          <a:lstStyle/>
+          <a:p>
+            <a:r>
+              <a:rPr lang="zh-CN" altLang="en-US" smtClean="0"/>
+              <a:t>   性能优化</a:t>
+            </a:r>
+            <a:r>
+              <a:rPr lang="en-US" altLang="zh-CN" smtClean="0"/>
+              <a:t>—gdb</a:t>
+            </a:r>
+            <a:r>
+              <a:rPr lang="zh-CN" altLang="en-US" smtClean="0"/>
+              <a:t>（</a:t>
+            </a:r>
+            <a:r>
+              <a:rPr lang="en-US" altLang="zh-CN" smtClean="0"/>
+              <a:t>1</a:t>
+            </a:r>
+            <a:r>
+              <a:rPr lang="zh-CN" altLang="en-US" smtClean="0"/>
+              <a:t>）</a:t>
+            </a:r>
+            <a:endParaRPr lang="zh-CN" altLang="en-US"/>
+          </a:p>
+        </p:txBody>
+      </p:sp>
+    </p:spTree>
+    <p:extLst>
+      <p:ext uri="{BB962C8B-B14F-4D97-AF65-F5344CB8AC3E}">
+        <p14:creationId xmlns:p14="http://schemas.microsoft.com/office/powerpoint/2010/main" val="1953631301"/>
+      </p:ext>
+    </p:extLst>
+  </p:cSld>
+  <p:clrMapOvr>
+    <a:masterClrMapping/>
+  </p:clrMapOvr>
+  <p:timing>
+    <p:tnLst>
+      <p:par>
+        <p:cTn id="1" dur="indefinite" restart="never" nodeType="tmRoot">
+          <p:childTnLst>
+            <p:seq concurrent="1" nextAc="seek">
+              <p:cTn id="2" dur="indefinite" nodeType="mainSeq">
+                <p:childTnLst>
+                  <p:par>
+                    <p:cTn id="3" fill="hold">
+                      <p:stCondLst>
+                        <p:cond delay="indefinite"/>
+                      </p:stCondLst>
+                      <p:childTnLst>
+                        <p:par>
+                          <p:cTn id="4" fill="hold">
+                            <p:stCondLst>
+                              <p:cond delay="0"/>
+                            </p:stCondLst>
+                            <p:childTnLst>
+                              <p:par>
+                                <p:cTn id="5" presetID="2" presetClass="entr" presetSubtype="4" fill="hold" nodeType="clickEffect">
+                                  <p:stCondLst>
+                                    <p:cond delay="0"/>
+                                  </p:stCondLst>
+                                  <p:childTnLst>
+                                    <p:set>
+                                      <p:cBhvr>
+                                        <p:cTn id="6" dur="1" fill="hold">
+                                          <p:stCondLst>
+                                            <p:cond delay="0"/>
+                                          </p:stCondLst>
+                                        </p:cTn>
+                                        <p:tgtEl>
+                                          <p:spTgt spid="2">
+                                            <p:txEl>
+                                              <p:pRg st="7" end="7"/>
+                                            </p:txEl>
+                                          </p:spTgt>
+                                        </p:tgtEl>
+                                        <p:attrNameLst>
+                                          <p:attrName>style.visibility</p:attrName>
+                                        </p:attrNameLst>
+                                      </p:cBhvr>
+                                      <p:to>
+                                        <p:strVal val="visible"/>
+                                      </p:to>
+                                    </p:set>
+                                    <p:anim calcmode="lin" valueType="num">
+                                      <p:cBhvr additive="base">
+                                        <p:cTn id="7" dur="500" fill="hold"/>
+                                        <p:tgtEl>
+                                          <p:spTgt spid="2">
+                                            <p:txEl>
+                                              <p:pRg st="7" end="7"/>
+                                            </p:txEl>
+                                          </p:spTgt>
+                                        </p:tgtEl>
+                                        <p:attrNameLst>
+                                          <p:attrName>ppt_x</p:attrName>
+                                        </p:attrNameLst>
+                                      </p:cBhvr>
+                                      <p:tavLst>
+                                        <p:tav tm="0">
+                                          <p:val>
+                                            <p:strVal val="#ppt_x"/>
+                                          </p:val>
+                                        </p:tav>
+                                        <p:tav tm="100000">
+                                          <p:val>
+                                            <p:strVal val="#ppt_x"/>
+                                          </p:val>
+                                        </p:tav>
+                                      </p:tavLst>
+                                    </p:anim>
+                                    <p:anim calcmode="lin" valueType="num">
+                                      <p:cBhvr additive="base">
+                                        <p:cTn id="8" dur="500" fill="hold"/>
+                                        <p:tgtEl>
+                                          <p:spTgt spid="2">
+                                            <p:txEl>
+                                              <p:pRg st="7" end="7"/>
+                                            </p:txEl>
+                                          </p:spTgt>
+                                        </p:tgtEl>
+                                        <p:attrNameLst>
+                                          <p:attrName>ppt_y</p:attrName>
+                                        </p:attrNameLst>
+                                      </p:cBhvr>
+                                      <p:tavLst>
+                                        <p:tav tm="0">
+                                          <p:val>
+                                            <p:strVal val="1+#ppt_h/2"/>
+                                          </p:val>
+                                        </p:tav>
+                                        <p:tav tm="100000">
+                                          <p:val>
+                                            <p:strVal val="#ppt_y"/>
+                                          </p:val>
+                                        </p:tav>
+                                      </p:tavLst>
+                                    </p:anim>
+                                  </p:childTnLst>
+                                </p:cTn>
+                              </p:par>
+                              <p:par>
+                                <p:cTn id="9" presetID="2" presetClass="entr" presetSubtype="4" fill="hold" nodeType="withEffect">
+                                  <p:stCondLst>
+                                    <p:cond delay="0"/>
+                                  </p:stCondLst>
+                                  <p:childTnLst>
+                                    <p:set>
+                                      <p:cBhvr>
+                                        <p:cTn id="10" dur="1" fill="hold">
+                                          <p:stCondLst>
+                                            <p:cond delay="0"/>
+                                          </p:stCondLst>
+                                        </p:cTn>
+                                        <p:tgtEl>
+                                          <p:spTgt spid="2">
+                                            <p:txEl>
+                                              <p:pRg st="8" end="8"/>
+                                            </p:txEl>
+                                          </p:spTgt>
+                                        </p:tgtEl>
+                                        <p:attrNameLst>
+                                          <p:attrName>style.visibility</p:attrName>
+                                        </p:attrNameLst>
+                                      </p:cBhvr>
+                                      <p:to>
+                                        <p:strVal val="visible"/>
+                                      </p:to>
+                                    </p:set>
+                                    <p:anim calcmode="lin" valueType="num">
+                                      <p:cBhvr additive="base">
+                                        <p:cTn id="11" dur="500" fill="hold"/>
+                                        <p:tgtEl>
+                                          <p:spTgt spid="2">
+                                            <p:txEl>
+                                              <p:pRg st="8" end="8"/>
+                                            </p:txEl>
+                                          </p:spTgt>
+                                        </p:tgtEl>
+                                        <p:attrNameLst>
+                                          <p:attrName>ppt_x</p:attrName>
+                                        </p:attrNameLst>
+                                      </p:cBhvr>
+                                      <p:tavLst>
+                                        <p:tav tm="0">
+                                          <p:val>
+                                            <p:strVal val="#ppt_x"/>
+                                          </p:val>
+                                        </p:tav>
+                                        <p:tav tm="100000">
+                                          <p:val>
+                                            <p:strVal val="#ppt_x"/>
+                                          </p:val>
+                                        </p:tav>
+                                      </p:tavLst>
+                                    </p:anim>
+                                    <p:anim calcmode="lin" valueType="num">
+                                      <p:cBhvr additive="base">
+                                        <p:cTn id="12" dur="500" fill="hold"/>
+                                        <p:tgtEl>
+                                          <p:spTgt spid="2">
+                                            <p:txEl>
+                                              <p:pRg st="8" end="8"/>
+                                            </p:txEl>
+                                          </p:spTgt>
+                                        </p:tgtEl>
+                                        <p:attrNameLst>
+                                          <p:attrName>ppt_y</p:attrName>
+                                        </p:attrNameLst>
+                                      </p:cBhvr>
+                                      <p:tavLst>
+                                        <p:tav tm="0">
+                                          <p:val>
+                                            <p:strVal val="1+#ppt_h/2"/>
+                                          </p:val>
+                                        </p:tav>
+                                        <p:tav tm="100000">
+                                          <p:val>
+                                            <p:strVal val="#ppt_y"/>
+                                          </p:val>
+                                        </p:tav>
+                                      </p:tavLst>
+                                    </p:anim>
+                                  </p:childTnLst>
+                                </p:cTn>
+                              </p:par>
+                            </p:childTnLst>
+                          </p:cTn>
+                        </p:par>
+                      </p:childTnLst>
+                    </p:cTn>
+                  </p:par>
+                  <p:par>
+                    <p:cTn id="13" fill="hold">
+                      <p:stCondLst>
+                        <p:cond delay="indefinite"/>
+                      </p:stCondLst>
+                      <p:childTnLst>
+                        <p:par>
+                          <p:cTn id="14" fill="hold">
+                            <p:stCondLst>
+                              <p:cond delay="0"/>
+                            </p:stCondLst>
+                            <p:childTnLst>
+                              <p:par>
+                                <p:cTn id="15" presetID="2" presetClass="entr" presetSubtype="4" fill="hold" nodeType="clickEffect">
+                                  <p:stCondLst>
+                                    <p:cond delay="0"/>
+                                  </p:stCondLst>
+                                  <p:childTnLst>
+                                    <p:set>
+                                      <p:cBhvr>
+                                        <p:cTn id="16" dur="1" fill="hold">
+                                          <p:stCondLst>
+                                            <p:cond delay="0"/>
+                                          </p:stCondLst>
+                                        </p:cTn>
+                                        <p:tgtEl>
+                                          <p:spTgt spid="2">
+                                            <p:txEl>
+                                              <p:pRg st="2" end="2"/>
+                                            </p:txEl>
+                                          </p:spTgt>
+                                        </p:tgtEl>
+                                        <p:attrNameLst>
+                                          <p:attrName>style.visibility</p:attrName>
+                                        </p:attrNameLst>
+                                      </p:cBhvr>
+                                      <p:to>
+                                        <p:strVal val="visible"/>
+                                      </p:to>
+                                    </p:set>
+                                    <p:anim calcmode="lin" valueType="num">
+                                      <p:cBhvr additive="base">
+                                        <p:cTn id="17" dur="500" fill="hold"/>
+                                        <p:tgtEl>
+                                          <p:spTgt spid="2">
+                                            <p:txEl>
+                                              <p:pRg st="2" end="2"/>
+                                            </p:txEl>
+                                          </p:spTgt>
+                                        </p:tgtEl>
+                                        <p:attrNameLst>
+                                          <p:attrName>ppt_x</p:attrName>
+                                        </p:attrNameLst>
+                                      </p:cBhvr>
+                                      <p:tavLst>
+                                        <p:tav tm="0">
+                                          <p:val>
+                                            <p:strVal val="#ppt_x"/>
+                                          </p:val>
+                                        </p:tav>
+                                        <p:tav tm="100000">
+                                          <p:val>
+                                            <p:strVal val="#ppt_x"/>
+                                          </p:val>
+                                        </p:tav>
+                                      </p:tavLst>
+                                    </p:anim>
+                                    <p:anim calcmode="lin" valueType="num">
+                                      <p:cBhvr additive="base">
+                                        <p:cTn id="18" dur="500" fill="hold"/>
+                                        <p:tgtEl>
+                                          <p:spTgt spid="2">
+                                            <p:txEl>
+                                              <p:pRg st="2" end="2"/>
+                                            </p:txEl>
+                                          </p:spTgt>
+                                        </p:tgtEl>
+                                        <p:attrNameLst>
+                                          <p:attrName>ppt_y</p:attrName>
+                                        </p:attrNameLst>
+                                      </p:cBhvr>
+                                      <p:tavLst>
+                                        <p:tav tm="0">
+                                          <p:val>
+                                            <p:strVal val="1+#ppt_h/2"/>
+                                          </p:val>
+                                        </p:tav>
+                                        <p:tav tm="100000">
+                                          <p:val>
+                                            <p:strVal val="#ppt_y"/>
+                                          </p:val>
+                                        </p:tav>
+                                      </p:tavLst>
+                                    </p:anim>
+                                  </p:childTnLst>
+                                </p:cTn>
+                              </p:par>
+                              <p:par>
+                                <p:cTn id="19" presetID="2" presetClass="entr" presetSubtype="4" fill="hold" nodeType="withEffect">
+                                  <p:stCondLst>
+                                    <p:cond delay="0"/>
+                                  </p:stCondLst>
+                                  <p:childTnLst>
+                                    <p:set>
+                                      <p:cBhvr>
+                                        <p:cTn id="20" dur="1" fill="hold">
+                                          <p:stCondLst>
+                                            <p:cond delay="0"/>
+                                          </p:stCondLst>
+                                        </p:cTn>
+                                        <p:tgtEl>
+                                          <p:spTgt spid="2">
+                                            <p:txEl>
+                                              <p:pRg st="3" end="3"/>
+                                            </p:txEl>
+                                          </p:spTgt>
+                                        </p:tgtEl>
+                                        <p:attrNameLst>
+                                          <p:attrName>style.visibility</p:attrName>
+                                        </p:attrNameLst>
+                                      </p:cBhvr>
+                                      <p:to>
+                                        <p:strVal val="visible"/>
+                                      </p:to>
+                                    </p:set>
+                                    <p:anim calcmode="lin" valueType="num">
+                                      <p:cBhvr additive="base">
+                                        <p:cTn id="21" dur="500" fill="hold"/>
+                                        <p:tgtEl>
+                                          <p:spTgt spid="2">
+                                            <p:txEl>
+                                              <p:pRg st="3" end="3"/>
+                                            </p:txEl>
+                                          </p:spTgt>
+                                        </p:tgtEl>
+                                        <p:attrNameLst>
+                                          <p:attrName>ppt_x</p:attrName>
+                                        </p:attrNameLst>
+                                      </p:cBhvr>
+                                      <p:tavLst>
+                                        <p:tav tm="0">
+                                          <p:val>
+                                            <p:strVal val="#ppt_x"/>
+                                          </p:val>
+                                        </p:tav>
+                                        <p:tav tm="100000">
+                                          <p:val>
+                                            <p:strVal val="#ppt_x"/>
+                                          </p:val>
+                                        </p:tav>
+                                      </p:tavLst>
+                                    </p:anim>
+                                    <p:anim calcmode="lin" valueType="num">
+                                      <p:cBhvr additive="base">
+                                        <p:cTn id="22" dur="500" fill="hold"/>
+                                        <p:tgtEl>
+                                          <p:spTgt spid="2">
+                                            <p:txEl>
+                                              <p:pRg st="3" end="3"/>
+                                            </p:txEl>
+                                          </p:spTgt>
+                                        </p:tgtEl>
+                                        <p:attrNameLst>
+                                          <p:attrName>ppt_y</p:attrName>
+                                        </p:attrNameLst>
+                                      </p:cBhvr>
+                                      <p:tavLst>
+                                        <p:tav tm="0">
+                                          <p:val>
+                                            <p:strVal val="1+#ppt_h/2"/>
+                                          </p:val>
+                                        </p:tav>
+                                        <p:tav tm="100000">
+                                          <p:val>
+                                            <p:strVal val="#ppt_y"/>
+                                          </p:val>
+                                        </p:tav>
+                                      </p:tavLst>
+                                    </p:anim>
+                                  </p:childTnLst>
+                                </p:cTn>
+                              </p:par>
+                              <p:par>
+                                <p:cTn id="23" presetID="2" presetClass="entr" presetSubtype="4" fill="hold" nodeType="withEffect">
+                                  <p:stCondLst>
+                                    <p:cond delay="0"/>
+                                  </p:stCondLst>
+                                  <p:childTnLst>
+                                    <p:set>
+                                      <p:cBhvr>
+                                        <p:cTn id="24" dur="1" fill="hold">
+                                          <p:stCondLst>
+                                            <p:cond delay="0"/>
+                                          </p:stCondLst>
+                                        </p:cTn>
+                                        <p:tgtEl>
+                                          <p:spTgt spid="2">
+                                            <p:txEl>
+                                              <p:pRg st="4" end="4"/>
+                                            </p:txEl>
+                                          </p:spTgt>
+                                        </p:tgtEl>
+                                        <p:attrNameLst>
+                                          <p:attrName>style.visibility</p:attrName>
+                                        </p:attrNameLst>
+                                      </p:cBhvr>
+                                      <p:to>
+                                        <p:strVal val="visible"/>
+                                      </p:to>
+                                    </p:set>
+                                    <p:anim calcmode="lin" valueType="num">
+                                      <p:cBhvr additive="base">
+                                        <p:cTn id="25" dur="500" fill="hold"/>
+                                        <p:tgtEl>
+                                          <p:spTgt spid="2">
+                                            <p:txEl>
+                                              <p:pRg st="4" end="4"/>
+                                            </p:txEl>
+                                          </p:spTgt>
+                                        </p:tgtEl>
+                                        <p:attrNameLst>
+                                          <p:attrName>ppt_x</p:attrName>
+                                        </p:attrNameLst>
+                                      </p:cBhvr>
+                                      <p:tavLst>
+                                        <p:tav tm="0">
+                                          <p:val>
+                                            <p:strVal val="#ppt_x"/>
+                                          </p:val>
+                                        </p:tav>
+                                        <p:tav tm="100000">
+                                          <p:val>
+                                            <p:strVal val="#ppt_x"/>
+                                          </p:val>
+                                        </p:tav>
+                                      </p:tavLst>
+                                    </p:anim>
+                                    <p:anim calcmode="lin" valueType="num">
+                                      <p:cBhvr additive="base">
+                                        <p:cTn id="26" dur="500" fill="hold"/>
+                                        <p:tgtEl>
+                                          <p:spTgt spid="2">
+                                            <p:txEl>
+                                              <p:pRg st="4" end="4"/>
+                                            </p:txEl>
+                                          </p:spTgt>
+                                        </p:tgtEl>
+                                        <p:attrNameLst>
+                                          <p:attrName>ppt_y</p:attrName>
+                                        </p:attrNameLst>
+                                      </p:cBhvr>
+                                      <p:tavLst>
+                                        <p:tav tm="0">
+                                          <p:val>
+                                            <p:strVal val="1+#ppt_h/2"/>
+                                          </p:val>
+                                        </p:tav>
+                                        <p:tav tm="100000">
+                                          <p:val>
+                                            <p:strVal val="#ppt_y"/>
+                                          </p:val>
+                                        </p:tav>
+                                      </p:tavLst>
+                                    </p:anim>
+                                  </p:childTnLst>
+                                </p:cTn>
+                              </p:par>
+                              <p:par>
+                                <p:cTn id="27" presetID="2" presetClass="entr" presetSubtype="4" fill="hold" nodeType="withEffect">
+                                  <p:stCondLst>
+                                    <p:cond delay="0"/>
+                                  </p:stCondLst>
+                                  <p:childTnLst>
+                                    <p:set>
+                                      <p:cBhvr>
+                                        <p:cTn id="28" dur="1" fill="hold">
+                                          <p:stCondLst>
+                                            <p:cond delay="0"/>
+                                          </p:stCondLst>
+                                        </p:cTn>
+                                        <p:tgtEl>
+                                          <p:spTgt spid="2">
+                                            <p:txEl>
+                                              <p:pRg st="5" end="5"/>
+                                            </p:txEl>
+                                          </p:spTgt>
+                                        </p:tgtEl>
+                                        <p:attrNameLst>
+                                          <p:attrName>style.visibility</p:attrName>
+                                        </p:attrNameLst>
+                                      </p:cBhvr>
+                                      <p:to>
+                                        <p:strVal val="visible"/>
+                                      </p:to>
+                                    </p:set>
+                                    <p:anim calcmode="lin" valueType="num">
+                                      <p:cBhvr additive="base">
+                                        <p:cTn id="29" dur="500" fill="hold"/>
+                                        <p:tgtEl>
+                                          <p:spTgt spid="2">
+                                            <p:txEl>
+                                              <p:pRg st="5" end="5"/>
+                                            </p:txEl>
+                                          </p:spTgt>
+                                        </p:tgtEl>
+                                        <p:attrNameLst>
+                                          <p:attrName>ppt_x</p:attrName>
+                                        </p:attrNameLst>
+                                      </p:cBhvr>
+                                      <p:tavLst>
+                                        <p:tav tm="0">
+                                          <p:val>
+                                            <p:strVal val="#ppt_x"/>
+                                          </p:val>
+                                        </p:tav>
+                                        <p:tav tm="100000">
+                                          <p:val>
+                                            <p:strVal val="#ppt_x"/>
+                                          </p:val>
+                                        </p:tav>
+                                      </p:tavLst>
+                                    </p:anim>
+                                    <p:anim calcmode="lin" valueType="num">
+                                      <p:cBhvr additive="base">
+                                        <p:cTn id="30" dur="500" fill="hold"/>
+                                        <p:tgtEl>
+                                          <p:spTgt spid="2">
+                                            <p:txEl>
+                                              <p:pRg st="5" end="5"/>
+                                            </p:txEl>
+                                          </p:spTgt>
+                                        </p:tgtEl>
+                                        <p:attrNameLst>
+                                          <p:attrName>ppt_y</p:attrName>
+                                        </p:attrNameLst>
+                                      </p:cBhvr>
+                                      <p:tavLst>
+                                        <p:tav tm="0">
+                                          <p:val>
+                                            <p:strVal val="1+#ppt_h/2"/>
+                                          </p:val>
+                                        </p:tav>
+                                        <p:tav tm="100000">
+                                          <p:val>
+                                            <p:strVal val="#ppt_y"/>
+                                          </p:val>
+                                        </p:tav>
+                                      </p:tavLst>
+                                    </p:anim>
+                                  </p:childTnLst>
+                                </p:cTn>
+                              </p:par>
+                            </p:childTnLst>
+                          </p:cTn>
+                        </p:par>
+                      </p:childTnLst>
+                    </p:cTn>
+                  </p:par>
+                </p:childTnLst>
+              </p:cTn>
+              <p:prevCondLst>
+                <p:cond evt="onPrev" delay="0">
+                  <p:tgtEl>
+                    <p:sldTgt/>
+                  </p:tgtEl>
+                </p:cond>
+              </p:prevCondLst>
+              <p:nextCondLst>
+                <p:cond evt="onNext" delay="0">
+                  <p:tgtEl>
+                    <p:sldTgt/>
+                  </p:tgtEl>
+                </p:cond>
+              </p:nextCondLst>
+            </p:seq>
+          </p:childTnLst>
+        </p:cTn>
+      </p:par>
+    </p:tnLst>
+  </p:timing>
+</p:sld>
+</file>
+
+<file path=ppt/slides/slide22.xml><?xml version="1.0" encoding="utf-8"?>
+<p:sld xmlns:a="http://schemas.openxmlformats.org/drawingml/2006/main" xmlns:r="http://schemas.openxmlformats.org/officeDocument/2006/relationships" xmlns:p="http://schemas.openxmlformats.org/presentationml/2006/main">
+  <p:cSld>
+    <p:spTree>
+      <p:nvGrpSpPr>
+        <p:cNvPr id="1" name=""/>
+        <p:cNvGrpSpPr/>
+        <p:nvPr/>
+      </p:nvGrpSpPr>
+      <p:grpSpPr>
+        <a:xfrm>
+          <a:off x="0" y="0"/>
+          <a:ext cx="0" cy="0"/>
+          <a:chOff x="0" y="0"/>
+          <a:chExt cx="0" cy="0"/>
+        </a:xfrm>
+      </p:grpSpPr>
+      <p:sp>
+        <p:nvSpPr>
+          <p:cNvPr id="2" name="内容占位符 1"/>
+          <p:cNvSpPr>
+            <a:spLocks noGrp="1"/>
+          </p:cNvSpPr>
+          <p:nvPr>
+            <p:ph idx="1"/>
+          </p:nvPr>
+        </p:nvSpPr>
+        <p:spPr>
+          <a:xfrm>
+            <a:off x="416744" y="1131590"/>
+            <a:ext cx="8229600" cy="3096344"/>
+          </a:xfrm>
+        </p:spPr>
+        <p:txBody>
+          <a:bodyPr>
+            <a:normAutofit/>
+          </a:bodyPr>
+          <a:lstStyle/>
+          <a:p>
+            <a:r>
+              <a:rPr lang="en-US" altLang="zh-CN" smtClean="0"/>
+              <a:t>Gdb </a:t>
+            </a:r>
+            <a:r>
+              <a:rPr lang="zh-CN" altLang="en-US" smtClean="0"/>
+              <a:t>调试</a:t>
+            </a:r>
+            <a:r>
+              <a:rPr lang="en-US" altLang="zh-CN" smtClean="0"/>
+              <a:t>core</a:t>
+            </a:r>
+            <a:r>
+              <a:rPr lang="zh-CN" altLang="en-US" smtClean="0"/>
+              <a:t>，请思考</a:t>
+            </a:r>
+            <a:r>
+              <a:rPr lang="en-US" altLang="zh-CN" smtClean="0"/>
+              <a:t>3</a:t>
+            </a:r>
+            <a:r>
+              <a:rPr lang="zh-CN" altLang="en-US" smtClean="0"/>
+              <a:t>秒回答</a:t>
+            </a:r>
+            <a:endParaRPr lang="en-US" altLang="zh-CN" smtClean="0"/>
+          </a:p>
+          <a:p>
+            <a:pPr marL="0" indent="0">
+              <a:buNone/>
+            </a:pPr>
+            <a:r>
+              <a:rPr lang="en-US" altLang="zh-CN">
+                <a:solidFill>
+                  <a:srgbClr val="FF0000"/>
+                </a:solidFill>
+              </a:rPr>
+              <a:t>100%</a:t>
+            </a:r>
+            <a:r>
+              <a:rPr lang="zh-CN" altLang="en-US">
+                <a:solidFill>
+                  <a:srgbClr val="FF0000"/>
+                </a:solidFill>
+              </a:rPr>
+              <a:t>正确速度</a:t>
+            </a:r>
+            <a:endParaRPr lang="en-US" altLang="zh-CN">
+              <a:solidFill>
+                <a:srgbClr val="FF0000"/>
+              </a:solidFill>
+            </a:endParaRPr>
+          </a:p>
+          <a:p>
+            <a:pPr marL="0" indent="0">
+              <a:buNone/>
+            </a:pPr>
+            <a:r>
+              <a:rPr lang="zh-CN" altLang="en-US" smtClean="0"/>
+              <a:t>考察要点</a:t>
+            </a:r>
+            <a:r>
+              <a:rPr lang="en-US" altLang="zh-CN" smtClean="0"/>
+              <a:t>1 </a:t>
+            </a:r>
+            <a:r>
+              <a:rPr lang="zh-CN" altLang="en-US" smtClean="0"/>
+              <a:t>不卡顿 这个还要想，必须脱口而出。（忘记了）</a:t>
+            </a:r>
+            <a:endParaRPr lang="en-US" altLang="zh-CN" smtClean="0"/>
+          </a:p>
+          <a:p>
+            <a:pPr marL="0" indent="0">
+              <a:buNone/>
+            </a:pPr>
+            <a:r>
+              <a:rPr lang="zh-CN" altLang="en-US"/>
+              <a:t>考察要</a:t>
+            </a:r>
+            <a:r>
+              <a:rPr lang="zh-CN" altLang="en-US" smtClean="0"/>
+              <a:t>点</a:t>
+            </a:r>
+            <a:r>
+              <a:rPr lang="en-US" altLang="zh-CN" smtClean="0"/>
+              <a:t>2 </a:t>
+            </a:r>
+            <a:r>
+              <a:rPr lang="zh-CN" altLang="en-US" smtClean="0"/>
+              <a:t>从那个几个方面回答。（</a:t>
+            </a:r>
+            <a:r>
+              <a:rPr lang="en-US" altLang="zh-CN"/>
+              <a:t> </a:t>
+            </a:r>
+            <a:r>
+              <a:rPr lang="zh-CN" altLang="en-US" smtClean="0"/>
+              <a:t>想不起起来 ）</a:t>
+            </a:r>
+            <a:endParaRPr lang="en-US" altLang="zh-CN" smtClean="0"/>
+          </a:p>
+          <a:p>
+            <a:pPr marL="0" indent="0">
+              <a:buNone/>
+            </a:pPr>
+            <a:r>
+              <a:rPr lang="zh-CN" altLang="en-US" smtClean="0"/>
+              <a:t>考</a:t>
+            </a:r>
+            <a:r>
+              <a:rPr lang="zh-CN" altLang="en-US"/>
+              <a:t>察要</a:t>
+            </a:r>
+            <a:r>
+              <a:rPr lang="zh-CN" altLang="en-US" smtClean="0"/>
+              <a:t>点</a:t>
+            </a:r>
+            <a:r>
+              <a:rPr lang="en-US" altLang="zh-CN" smtClean="0"/>
+              <a:t>3 </a:t>
+            </a:r>
+            <a:r>
+              <a:rPr lang="zh-CN" altLang="en-US" smtClean="0"/>
+              <a:t>具</a:t>
+            </a:r>
+            <a:r>
+              <a:rPr lang="zh-CN" altLang="en-US"/>
+              <a:t>体命令是什</a:t>
+            </a:r>
+            <a:r>
+              <a:rPr lang="zh-CN" altLang="en-US" smtClean="0"/>
+              <a:t>么</a:t>
+            </a:r>
+            <a:endParaRPr lang="en-US" altLang="zh-CN" smtClean="0"/>
+          </a:p>
+          <a:p>
+            <a:pPr marL="0" indent="0">
+              <a:buNone/>
+            </a:pPr>
+            <a:r>
+              <a:rPr lang="zh-CN" altLang="en-US" smtClean="0"/>
+              <a:t>最后问不是命令，是</a:t>
+            </a:r>
+            <a:r>
+              <a:rPr lang="zh-CN" altLang="en-US" dirty="0"/>
+              <a:t>考察面</a:t>
+            </a:r>
+            <a:r>
+              <a:rPr lang="zh-CN" altLang="en-US"/>
+              <a:t>试</a:t>
+            </a:r>
+            <a:r>
+              <a:rPr lang="zh-CN" altLang="en-US" smtClean="0"/>
+              <a:t>者计算机系统原理理解。</a:t>
+            </a:r>
+            <a:endParaRPr lang="en-US" altLang="zh-CN" smtClean="0"/>
+          </a:p>
+          <a:p>
+            <a:pPr marL="0" indent="0">
+              <a:buNone/>
+            </a:pPr>
+            <a:endParaRPr lang="en-US" altLang="zh-CN" smtClean="0"/>
+          </a:p>
+          <a:p>
+            <a:pPr marL="0" indent="0">
+              <a:buNone/>
+            </a:pPr>
+            <a:r>
+              <a:rPr lang="zh-CN" altLang="en-US">
+                <a:solidFill>
+                  <a:srgbClr val="FF0000"/>
+                </a:solidFill>
+              </a:rPr>
+              <a:t>动</a:t>
+            </a:r>
+            <a:r>
+              <a:rPr lang="zh-CN" altLang="en-US" smtClean="0">
+                <a:solidFill>
+                  <a:srgbClr val="FF0000"/>
+                </a:solidFill>
+              </a:rPr>
+              <a:t>手操作：</a:t>
+            </a:r>
+            <a:endParaRPr lang="en-US" altLang="zh-CN" smtClean="0">
+              <a:solidFill>
+                <a:srgbClr val="FF0000"/>
+              </a:solidFill>
+            </a:endParaRPr>
+          </a:p>
+          <a:p>
+            <a:pPr marL="0" indent="0">
+              <a:buNone/>
+            </a:pPr>
+            <a:r>
+              <a:rPr lang="zh-CN" altLang="en-US" smtClean="0">
+                <a:solidFill>
+                  <a:srgbClr val="FF0000"/>
+                </a:solidFill>
+              </a:rPr>
+              <a:t>寄存器，栈</a:t>
+            </a:r>
+            <a:endParaRPr lang="en-US" altLang="zh-CN" smtClean="0">
+              <a:solidFill>
+                <a:srgbClr val="FF0000"/>
+              </a:solidFill>
+            </a:endParaRPr>
+          </a:p>
+          <a:p>
+            <a:pPr marL="0" indent="0">
+              <a:buNone/>
+            </a:pPr>
+            <a:endParaRPr lang="en-US" altLang="zh-CN" smtClean="0"/>
+          </a:p>
+          <a:p>
+            <a:pPr marL="0" indent="0">
+              <a:buNone/>
+            </a:pPr>
+            <a:endParaRPr lang="en-US" altLang="zh-CN"/>
+          </a:p>
+          <a:p>
+            <a:pPr marL="0" indent="0">
+              <a:buNone/>
+            </a:pPr>
+            <a:endParaRPr lang="en-US" altLang="zh-CN" smtClean="0"/>
+          </a:p>
+          <a:p>
+            <a:pPr marL="0" indent="0">
+              <a:buNone/>
+            </a:pPr>
+            <a:endParaRPr lang="zh-CN" altLang="en-US"/>
+          </a:p>
+        </p:txBody>
+      </p:sp>
+      <p:sp>
+        <p:nvSpPr>
+          <p:cNvPr id="3" name="标题 2"/>
+          <p:cNvSpPr>
+            <a:spLocks noGrp="1"/>
+          </p:cNvSpPr>
+          <p:nvPr>
+            <p:ph type="title"/>
+          </p:nvPr>
+        </p:nvSpPr>
+        <p:spPr>
+          <a:xfrm>
+            <a:off x="417600" y="230400"/>
+            <a:ext cx="8474880" cy="857250"/>
+          </a:xfrm>
+        </p:spPr>
+        <p:style>
+          <a:lnRef idx="2">
+            <a:schemeClr val="dk1">
+              <a:shade val="50000"/>
+            </a:schemeClr>
+          </a:lnRef>
+          <a:fillRef idx="1">
+            <a:schemeClr val="dk1"/>
+          </a:fillRef>
+          <a:effectRef idx="0">
+            <a:schemeClr val="dk1"/>
+          </a:effectRef>
+          <a:fontRef idx="minor">
+            <a:schemeClr val="lt1"/>
+          </a:fontRef>
+        </p:style>
+        <p:txBody>
+          <a:bodyPr/>
+          <a:lstStyle/>
+          <a:p>
+            <a:r>
+              <a:rPr lang="zh-CN" altLang="en-US" smtClean="0"/>
+              <a:t>   性能优化</a:t>
+            </a:r>
+            <a:r>
+              <a:rPr lang="en-US" altLang="zh-CN" smtClean="0"/>
+              <a:t>—gdb</a:t>
+            </a:r>
+            <a:r>
+              <a:rPr lang="zh-CN" altLang="en-US" smtClean="0"/>
+              <a:t>（</a:t>
+            </a:r>
+            <a:r>
+              <a:rPr lang="en-US" altLang="zh-CN" smtClean="0"/>
+              <a:t>2</a:t>
+            </a:r>
+            <a:r>
+              <a:rPr lang="zh-CN" altLang="en-US" smtClean="0"/>
+              <a:t>）</a:t>
+            </a:r>
+            <a:endParaRPr lang="zh-CN" altLang="en-US"/>
+          </a:p>
+        </p:txBody>
+      </p:sp>
+    </p:spTree>
+    <p:extLst>
+      <p:ext uri="{BB962C8B-B14F-4D97-AF65-F5344CB8AC3E}">
+        <p14:creationId xmlns:p14="http://schemas.microsoft.com/office/powerpoint/2010/main" val="3800892314"/>
+      </p:ext>
+    </p:extLst>
+  </p:cSld>
+  <p:clrMapOvr>
+    <a:masterClrMapping/>
+  </p:clrMapOvr>
+  <p:timing>
+    <p:tnLst>
+      <p:par>
+        <p:cTn id="1" dur="indefinite" restart="never" nodeType="tmRoot">
+          <p:childTnLst>
+            <p:seq concurrent="1" nextAc="seek">
+              <p:cTn id="2" dur="indefinite" nodeType="mainSeq">
+                <p:childTnLst>
+                  <p:par>
+                    <p:cTn id="3" fill="hold">
+                      <p:stCondLst>
+                        <p:cond delay="indefinite"/>
+                      </p:stCondLst>
+                      <p:childTnLst>
+                        <p:par>
+                          <p:cTn id="4" fill="hold">
+                            <p:stCondLst>
+                              <p:cond delay="0"/>
+                            </p:stCondLst>
+                            <p:childTnLst>
+                              <p:par>
+                                <p:cTn id="5" presetID="2" presetClass="entr" presetSubtype="4" fill="hold" nodeType="clickEffect">
+                                  <p:stCondLst>
+                                    <p:cond delay="0"/>
+                                  </p:stCondLst>
+                                  <p:childTnLst>
+                                    <p:set>
+                                      <p:cBhvr>
+                                        <p:cTn id="6" dur="1" fill="hold">
+                                          <p:stCondLst>
+                                            <p:cond delay="0"/>
+                                          </p:stCondLst>
+                                        </p:cTn>
+                                        <p:tgtEl>
+                                          <p:spTgt spid="2">
+                                            <p:txEl>
+                                              <p:pRg st="7" end="7"/>
+                                            </p:txEl>
+                                          </p:spTgt>
+                                        </p:tgtEl>
+                                        <p:attrNameLst>
+                                          <p:attrName>style.visibility</p:attrName>
+                                        </p:attrNameLst>
+                                      </p:cBhvr>
+                                      <p:to>
+                                        <p:strVal val="visible"/>
+                                      </p:to>
+                                    </p:set>
+                                    <p:anim calcmode="lin" valueType="num">
+                                      <p:cBhvr additive="base">
+                                        <p:cTn id="7" dur="500" fill="hold"/>
+                                        <p:tgtEl>
+                                          <p:spTgt spid="2">
+                                            <p:txEl>
+                                              <p:pRg st="7" end="7"/>
+                                            </p:txEl>
+                                          </p:spTgt>
+                                        </p:tgtEl>
+                                        <p:attrNameLst>
+                                          <p:attrName>ppt_x</p:attrName>
+                                        </p:attrNameLst>
+                                      </p:cBhvr>
+                                      <p:tavLst>
+                                        <p:tav tm="0">
+                                          <p:val>
+                                            <p:strVal val="#ppt_x"/>
+                                          </p:val>
+                                        </p:tav>
+                                        <p:tav tm="100000">
+                                          <p:val>
+                                            <p:strVal val="#ppt_x"/>
+                                          </p:val>
+                                        </p:tav>
+                                      </p:tavLst>
+                                    </p:anim>
+                                    <p:anim calcmode="lin" valueType="num">
+                                      <p:cBhvr additive="base">
+                                        <p:cTn id="8" dur="500" fill="hold"/>
+                                        <p:tgtEl>
+                                          <p:spTgt spid="2">
+                                            <p:txEl>
+                                              <p:pRg st="7" end="7"/>
+                                            </p:txEl>
+                                          </p:spTgt>
+                                        </p:tgtEl>
+                                        <p:attrNameLst>
+                                          <p:attrName>ppt_y</p:attrName>
+                                        </p:attrNameLst>
+                                      </p:cBhvr>
+                                      <p:tavLst>
+                                        <p:tav tm="0">
+                                          <p:val>
+                                            <p:strVal val="1+#ppt_h/2"/>
+                                          </p:val>
+                                        </p:tav>
+                                        <p:tav tm="100000">
+                                          <p:val>
+                                            <p:strVal val="#ppt_y"/>
+                                          </p:val>
+                                        </p:tav>
+                                      </p:tavLst>
+                                    </p:anim>
+                                  </p:childTnLst>
+                                </p:cTn>
+                              </p:par>
+                            </p:childTnLst>
+                          </p:cTn>
+                        </p:par>
+                      </p:childTnLst>
+                    </p:cTn>
+                  </p:par>
+                  <p:par>
+                    <p:cTn id="9" fill="hold">
+                      <p:stCondLst>
+                        <p:cond delay="indefinite"/>
+                      </p:stCondLst>
+                      <p:childTnLst>
+                        <p:par>
+                          <p:cTn id="10" fill="hold">
+                            <p:stCondLst>
+                              <p:cond delay="0"/>
+                            </p:stCondLst>
+                            <p:childTnLst>
+                              <p:par>
+                                <p:cTn id="11" presetID="2" presetClass="entr" presetSubtype="4" fill="hold" nodeType="clickEffect">
+                                  <p:stCondLst>
+                                    <p:cond delay="0"/>
+                                  </p:stCondLst>
+                                  <p:childTnLst>
+                                    <p:set>
+                                      <p:cBhvr>
+                                        <p:cTn id="12" dur="1" fill="hold">
+                                          <p:stCondLst>
+                                            <p:cond delay="0"/>
+                                          </p:stCondLst>
+                                        </p:cTn>
+                                        <p:tgtEl>
+                                          <p:spTgt spid="2">
+                                            <p:txEl>
+                                              <p:pRg st="8" end="8"/>
+                                            </p:txEl>
+                                          </p:spTgt>
+                                        </p:tgtEl>
+                                        <p:attrNameLst>
+                                          <p:attrName>style.visibility</p:attrName>
+                                        </p:attrNameLst>
+                                      </p:cBhvr>
+                                      <p:to>
+                                        <p:strVal val="visible"/>
+                                      </p:to>
+                                    </p:set>
+                                    <p:anim calcmode="lin" valueType="num">
+                                      <p:cBhvr additive="base">
+                                        <p:cTn id="13" dur="500" fill="hold"/>
+                                        <p:tgtEl>
+                                          <p:spTgt spid="2">
+                                            <p:txEl>
+                                              <p:pRg st="8" end="8"/>
+                                            </p:txEl>
+                                          </p:spTgt>
+                                        </p:tgtEl>
+                                        <p:attrNameLst>
+                                          <p:attrName>ppt_x</p:attrName>
+                                        </p:attrNameLst>
+                                      </p:cBhvr>
+                                      <p:tavLst>
+                                        <p:tav tm="0">
+                                          <p:val>
+                                            <p:strVal val="#ppt_x"/>
+                                          </p:val>
+                                        </p:tav>
+                                        <p:tav tm="100000">
+                                          <p:val>
+                                            <p:strVal val="#ppt_x"/>
+                                          </p:val>
+                                        </p:tav>
+                                      </p:tavLst>
+                                    </p:anim>
+                                    <p:anim calcmode="lin" valueType="num">
+                                      <p:cBhvr additive="base">
+                                        <p:cTn id="14" dur="500" fill="hold"/>
+                                        <p:tgtEl>
+                                          <p:spTgt spid="2">
+                                            <p:txEl>
+                                              <p:pRg st="8" end="8"/>
+                                            </p:txEl>
+                                          </p:spTgt>
+                                        </p:tgtEl>
+                                        <p:attrNameLst>
+                                          <p:attrName>ppt_y</p:attrName>
+                                        </p:attrNameLst>
+                                      </p:cBhvr>
+                                      <p:tavLst>
+                                        <p:tav tm="0">
+                                          <p:val>
+                                            <p:strVal val="1+#ppt_h/2"/>
+                                          </p:val>
+                                        </p:tav>
+                                        <p:tav tm="100000">
+                                          <p:val>
+                                            <p:strVal val="#ppt_y"/>
+                                          </p:val>
+                                        </p:tav>
+                                      </p:tavLst>
+                                    </p:anim>
+                                  </p:childTnLst>
+                                </p:cTn>
+                              </p:par>
+                            </p:childTnLst>
+                          </p:cTn>
+                        </p:par>
+                      </p:childTnLst>
+                    </p:cTn>
+                  </p:par>
+                  <p:par>
+                    <p:cTn id="15" fill="hold">
+                      <p:stCondLst>
+                        <p:cond delay="indefinite"/>
+                      </p:stCondLst>
+                      <p:childTnLst>
+                        <p:par>
+                          <p:cTn id="16" fill="hold">
+                            <p:stCondLst>
+                              <p:cond delay="0"/>
+                            </p:stCondLst>
+                            <p:childTnLst>
+                              <p:par>
+                                <p:cTn id="17" presetID="2" presetClass="entr" presetSubtype="4" fill="hold" nodeType="clickEffect">
+                                  <p:stCondLst>
+                                    <p:cond delay="0"/>
+                                  </p:stCondLst>
+                                  <p:childTnLst>
+                                    <p:set>
+                                      <p:cBhvr>
+                                        <p:cTn id="18" dur="1" fill="hold">
+                                          <p:stCondLst>
+                                            <p:cond delay="0"/>
+                                          </p:stCondLst>
+                                        </p:cTn>
+                                        <p:tgtEl>
+                                          <p:spTgt spid="2">
+                                            <p:txEl>
+                                              <p:pRg st="2" end="2"/>
+                                            </p:txEl>
+                                          </p:spTgt>
+                                        </p:tgtEl>
+                                        <p:attrNameLst>
+                                          <p:attrName>style.visibility</p:attrName>
+                                        </p:attrNameLst>
+                                      </p:cBhvr>
+                                      <p:to>
+                                        <p:strVal val="visible"/>
+                                      </p:to>
+                                    </p:set>
+                                    <p:anim calcmode="lin" valueType="num">
+                                      <p:cBhvr additive="base">
+                                        <p:cTn id="19" dur="500" fill="hold"/>
+                                        <p:tgtEl>
+                                          <p:spTgt spid="2">
+                                            <p:txEl>
+                                              <p:pRg st="2" end="2"/>
+                                            </p:txEl>
+                                          </p:spTgt>
+                                        </p:tgtEl>
+                                        <p:attrNameLst>
+                                          <p:attrName>ppt_x</p:attrName>
+                                        </p:attrNameLst>
+                                      </p:cBhvr>
+                                      <p:tavLst>
+                                        <p:tav tm="0">
+                                          <p:val>
+                                            <p:strVal val="#ppt_x"/>
+                                          </p:val>
+                                        </p:tav>
+                                        <p:tav tm="100000">
+                                          <p:val>
+                                            <p:strVal val="#ppt_x"/>
+                                          </p:val>
+                                        </p:tav>
+                                      </p:tavLst>
+                                    </p:anim>
+                                    <p:anim calcmode="lin" valueType="num">
+                                      <p:cBhvr additive="base">
+                                        <p:cTn id="20" dur="500" fill="hold"/>
+                                        <p:tgtEl>
+                                          <p:spTgt spid="2">
+                                            <p:txEl>
+                                              <p:pRg st="2" end="2"/>
+                                            </p:txEl>
+                                          </p:spTgt>
+                                        </p:tgtEl>
+                                        <p:attrNameLst>
+                                          <p:attrName>ppt_y</p:attrName>
+                                        </p:attrNameLst>
+                                      </p:cBhvr>
+                                      <p:tavLst>
+                                        <p:tav tm="0">
+                                          <p:val>
+                                            <p:strVal val="1+#ppt_h/2"/>
+                                          </p:val>
+                                        </p:tav>
+                                        <p:tav tm="100000">
+                                          <p:val>
+                                            <p:strVal val="#ppt_y"/>
+                                          </p:val>
+                                        </p:tav>
+                                      </p:tavLst>
+                                    </p:anim>
+                                  </p:childTnLst>
+                                </p:cTn>
+                              </p:par>
+                              <p:par>
+                                <p:cTn id="21" presetID="2" presetClass="entr" presetSubtype="4" fill="hold" nodeType="withEffect">
+                                  <p:stCondLst>
+                                    <p:cond delay="0"/>
+                                  </p:stCondLst>
+                                  <p:childTnLst>
+                                    <p:set>
+                                      <p:cBhvr>
+                                        <p:cTn id="22" dur="1" fill="hold">
+                                          <p:stCondLst>
+                                            <p:cond delay="0"/>
+                                          </p:stCondLst>
+                                        </p:cTn>
+                                        <p:tgtEl>
+                                          <p:spTgt spid="2">
+                                            <p:txEl>
+                                              <p:pRg st="3" end="3"/>
+                                            </p:txEl>
+                                          </p:spTgt>
+                                        </p:tgtEl>
+                                        <p:attrNameLst>
+                                          <p:attrName>style.visibility</p:attrName>
+                                        </p:attrNameLst>
+                                      </p:cBhvr>
+                                      <p:to>
+                                        <p:strVal val="visible"/>
+                                      </p:to>
+                                    </p:set>
+                                    <p:anim calcmode="lin" valueType="num">
+                                      <p:cBhvr additive="base">
+                                        <p:cTn id="23" dur="500" fill="hold"/>
+                                        <p:tgtEl>
+                                          <p:spTgt spid="2">
+                                            <p:txEl>
+                                              <p:pRg st="3" end="3"/>
+                                            </p:txEl>
+                                          </p:spTgt>
+                                        </p:tgtEl>
+                                        <p:attrNameLst>
+                                          <p:attrName>ppt_x</p:attrName>
+                                        </p:attrNameLst>
+                                      </p:cBhvr>
+                                      <p:tavLst>
+                                        <p:tav tm="0">
+                                          <p:val>
+                                            <p:strVal val="#ppt_x"/>
+                                          </p:val>
+                                        </p:tav>
+                                        <p:tav tm="100000">
+                                          <p:val>
+                                            <p:strVal val="#ppt_x"/>
+                                          </p:val>
+                                        </p:tav>
+                                      </p:tavLst>
+                                    </p:anim>
+                                    <p:anim calcmode="lin" valueType="num">
+                                      <p:cBhvr additive="base">
+                                        <p:cTn id="24" dur="500" fill="hold"/>
+                                        <p:tgtEl>
+                                          <p:spTgt spid="2">
+                                            <p:txEl>
+                                              <p:pRg st="3" end="3"/>
+                                            </p:txEl>
+                                          </p:spTgt>
+                                        </p:tgtEl>
+                                        <p:attrNameLst>
+                                          <p:attrName>ppt_y</p:attrName>
+                                        </p:attrNameLst>
+                                      </p:cBhvr>
+                                      <p:tavLst>
+                                        <p:tav tm="0">
+                                          <p:val>
+                                            <p:strVal val="1+#ppt_h/2"/>
+                                          </p:val>
+                                        </p:tav>
+                                        <p:tav tm="100000">
+                                          <p:val>
+                                            <p:strVal val="#ppt_y"/>
+                                          </p:val>
+                                        </p:tav>
+                                      </p:tavLst>
+                                    </p:anim>
+                                  </p:childTnLst>
+                                </p:cTn>
+                              </p:par>
+                              <p:par>
+                                <p:cTn id="25" presetID="2" presetClass="entr" presetSubtype="4" fill="hold" nodeType="withEffect">
+                                  <p:stCondLst>
+                                    <p:cond delay="0"/>
+                                  </p:stCondLst>
+                                  <p:childTnLst>
+                                    <p:set>
+                                      <p:cBhvr>
+                                        <p:cTn id="26" dur="1" fill="hold">
+                                          <p:stCondLst>
+                                            <p:cond delay="0"/>
+                                          </p:stCondLst>
+                                        </p:cTn>
+                                        <p:tgtEl>
+                                          <p:spTgt spid="2">
+                                            <p:txEl>
+                                              <p:pRg st="4" end="4"/>
+                                            </p:txEl>
+                                          </p:spTgt>
+                                        </p:tgtEl>
+                                        <p:attrNameLst>
+                                          <p:attrName>style.visibility</p:attrName>
+                                        </p:attrNameLst>
+                                      </p:cBhvr>
+                                      <p:to>
+                                        <p:strVal val="visible"/>
+                                      </p:to>
+                                    </p:set>
+                                    <p:anim calcmode="lin" valueType="num">
+                                      <p:cBhvr additive="base">
+                                        <p:cTn id="27" dur="500" fill="hold"/>
+                                        <p:tgtEl>
+                                          <p:spTgt spid="2">
+                                            <p:txEl>
+                                              <p:pRg st="4" end="4"/>
+                                            </p:txEl>
+                                          </p:spTgt>
+                                        </p:tgtEl>
+                                        <p:attrNameLst>
+                                          <p:attrName>ppt_x</p:attrName>
+                                        </p:attrNameLst>
+                                      </p:cBhvr>
+                                      <p:tavLst>
+                                        <p:tav tm="0">
+                                          <p:val>
+                                            <p:strVal val="#ppt_x"/>
+                                          </p:val>
+                                        </p:tav>
+                                        <p:tav tm="100000">
+                                          <p:val>
+                                            <p:strVal val="#ppt_x"/>
+                                          </p:val>
+                                        </p:tav>
+                                      </p:tavLst>
+                                    </p:anim>
+                                    <p:anim calcmode="lin" valueType="num">
+                                      <p:cBhvr additive="base">
+                                        <p:cTn id="28" dur="500" fill="hold"/>
+                                        <p:tgtEl>
+                                          <p:spTgt spid="2">
+                                            <p:txEl>
+                                              <p:pRg st="4" end="4"/>
+                                            </p:txEl>
+                                          </p:spTgt>
+                                        </p:tgtEl>
+                                        <p:attrNameLst>
+                                          <p:attrName>ppt_y</p:attrName>
+                                        </p:attrNameLst>
+                                      </p:cBhvr>
+                                      <p:tavLst>
+                                        <p:tav tm="0">
+                                          <p:val>
+                                            <p:strVal val="1+#ppt_h/2"/>
+                                          </p:val>
+                                        </p:tav>
+                                        <p:tav tm="100000">
+                                          <p:val>
+                                            <p:strVal val="#ppt_y"/>
+                                          </p:val>
+                                        </p:tav>
+                                      </p:tavLst>
+                                    </p:anim>
+                                  </p:childTnLst>
+                                </p:cTn>
+                              </p:par>
+                              <p:par>
+                                <p:cTn id="29" presetID="2" presetClass="entr" presetSubtype="4" fill="hold" nodeType="withEffect">
+                                  <p:stCondLst>
+                                    <p:cond delay="0"/>
+                                  </p:stCondLst>
+                                  <p:childTnLst>
+                                    <p:set>
+                                      <p:cBhvr>
+                                        <p:cTn id="30" dur="1" fill="hold">
+                                          <p:stCondLst>
+                                            <p:cond delay="0"/>
+                                          </p:stCondLst>
+                                        </p:cTn>
+                                        <p:tgtEl>
+                                          <p:spTgt spid="2">
+                                            <p:txEl>
+                                              <p:pRg st="5" end="5"/>
+                                            </p:txEl>
+                                          </p:spTgt>
+                                        </p:tgtEl>
+                                        <p:attrNameLst>
+                                          <p:attrName>style.visibility</p:attrName>
+                                        </p:attrNameLst>
+                                      </p:cBhvr>
+                                      <p:to>
+                                        <p:strVal val="visible"/>
+                                      </p:to>
+                                    </p:set>
+                                    <p:anim calcmode="lin" valueType="num">
+                                      <p:cBhvr additive="base">
+                                        <p:cTn id="31" dur="500" fill="hold"/>
+                                        <p:tgtEl>
+                                          <p:spTgt spid="2">
+                                            <p:txEl>
+                                              <p:pRg st="5" end="5"/>
+                                            </p:txEl>
+                                          </p:spTgt>
+                                        </p:tgtEl>
+                                        <p:attrNameLst>
+                                          <p:attrName>ppt_x</p:attrName>
+                                        </p:attrNameLst>
+                                      </p:cBhvr>
+                                      <p:tavLst>
+                                        <p:tav tm="0">
+                                          <p:val>
+                                            <p:strVal val="#ppt_x"/>
+                                          </p:val>
+                                        </p:tav>
+                                        <p:tav tm="100000">
+                                          <p:val>
+                                            <p:strVal val="#ppt_x"/>
+                                          </p:val>
+                                        </p:tav>
+                                      </p:tavLst>
+                                    </p:anim>
+                                    <p:anim calcmode="lin" valueType="num">
+                                      <p:cBhvr additive="base">
+                                        <p:cTn id="32" dur="500" fill="hold"/>
+                                        <p:tgtEl>
+                                          <p:spTgt spid="2">
+                                            <p:txEl>
+                                              <p:pRg st="5" end="5"/>
+                                            </p:txEl>
+                                          </p:spTgt>
+                                        </p:tgtEl>
+                                        <p:attrNameLst>
+                                          <p:attrName>ppt_y</p:attrName>
+                                        </p:attrNameLst>
+                                      </p:cBhvr>
+                                      <p:tavLst>
+                                        <p:tav tm="0">
+                                          <p:val>
+                                            <p:strVal val="1+#ppt_h/2"/>
+                                          </p:val>
+                                        </p:tav>
+                                        <p:tav tm="100000">
+                                          <p:val>
+                                            <p:strVal val="#ppt_y"/>
+                                          </p:val>
+                                        </p:tav>
+                                      </p:tavLst>
+                                    </p:anim>
+                                  </p:childTnLst>
+                                </p:cTn>
+                              </p:par>
+                            </p:childTnLst>
+                          </p:cTn>
+                        </p:par>
+                      </p:childTnLst>
+                    </p:cTn>
+                  </p:par>
+                </p:childTnLst>
+              </p:cTn>
+              <p:prevCondLst>
+                <p:cond evt="onPrev" delay="0">
+                  <p:tgtEl>
+                    <p:sldTgt/>
+                  </p:tgtEl>
+                </p:cond>
+              </p:prevCondLst>
+              <p:nextCondLst>
+                <p:cond evt="onNext" delay="0">
+                  <p:tgtEl>
+                    <p:sldTgt/>
+                  </p:tgtEl>
+                </p:cond>
+              </p:nextCondLst>
+            </p:seq>
+          </p:childTnLst>
+        </p:cTn>
+      </p:par>
+    </p:tnLst>
+  </p:timing>
+</p:sld>
+</file>
+
+<file path=ppt/slides/slide23.xml><?xml version="1.0" encoding="utf-8"?>
 <p:sld xmlns:a="http://schemas.openxmlformats.org/drawingml/2006/main" xmlns:r="http://schemas.openxmlformats.org/officeDocument/2006/relationships" xmlns:p="http://schemas.openxmlformats.org/presentationml/2006/main">
   <p:cSld>
     <p:spTree>
@@ -10052,7 +12460,7 @@
             <a:fld id="{0C913308-F349-4B6D-A68A-DD1791B4A57B}" type="slidenum">
               <a:rPr lang="zh-CN" altLang="en-US" smtClean="0"/>
               <a:pPr/>
-              <a:t>20</a:t>
+              <a:t>22</a:t>
             </a:fld>
             <a:endParaRPr lang="zh-CN" altLang="en-US" dirty="0"/>
           </a:p>
@@ -10061,7 +12469,7 @@
     </p:spTree>
     <p:extLst>
       <p:ext uri="{BB962C8B-B14F-4D97-AF65-F5344CB8AC3E}">
-        <p14:creationId xmlns="" xmlns:p14="http://schemas.microsoft.com/office/powerpoint/2010/main" val="610401656"/>
+        <p14:creationId xmlns:p14="http://schemas.microsoft.com/office/powerpoint/2010/main" val="610401656"/>
       </p:ext>
     </p:extLst>
   </p:cSld>
@@ -10247,11 +12655,11 @@
   <p:clrMapOvr>
     <a:masterClrMapping/>
   </p:clrMapOvr>
-  <mc:AlternateContent xmlns:mc="http://schemas.openxmlformats.org/markup-compatibility/2006">
-    <mc:Choice xmlns="" xmlns:p14="http://schemas.microsoft.com/office/powerpoint/2010/main" Requires="p14">
+  <mc:AlternateContent xmlns:mc="http://schemas.openxmlformats.org/markup-compatibility/2006" xmlns:p14="http://schemas.microsoft.com/office/powerpoint/2010/main">
+    <mc:Choice Requires="p14">
       <p:transition spd="slow" p14:dur="2000"/>
     </mc:Choice>
-    <mc:Fallback>
+    <mc:Fallback xmlns="">
       <p:transition spd="slow"/>
     </mc:Fallback>
   </mc:AlternateContent>
@@ -10350,11 +12758,11 @@
   <p:clrMapOvr>
     <a:masterClrMapping/>
   </p:clrMapOvr>
-  <mc:AlternateContent xmlns:mc="http://schemas.openxmlformats.org/markup-compatibility/2006">
-    <mc:Choice xmlns="" xmlns:p14="http://schemas.microsoft.com/office/powerpoint/2010/main" Requires="p14">
+  <mc:AlternateContent xmlns:mc="http://schemas.openxmlformats.org/markup-compatibility/2006" xmlns:p14="http://schemas.microsoft.com/office/powerpoint/2010/main">
+    <mc:Choice Requires="p14">
       <p:transition spd="slow" p14:dur="2000"/>
     </mc:Choice>
-    <mc:Fallback>
+    <mc:Fallback xmlns="">
       <p:transition spd="slow"/>
     </mc:Fallback>
   </mc:AlternateContent>
@@ -10501,11 +12909,11 @@
   <p:clrMapOvr>
     <a:masterClrMapping/>
   </p:clrMapOvr>
-  <mc:AlternateContent xmlns:mc="http://schemas.openxmlformats.org/markup-compatibility/2006">
-    <mc:Choice xmlns="" xmlns:p14="http://schemas.microsoft.com/office/powerpoint/2010/main" Requires="p14">
+  <mc:AlternateContent xmlns:mc="http://schemas.openxmlformats.org/markup-compatibility/2006" xmlns:p14="http://schemas.microsoft.com/office/powerpoint/2010/main">
+    <mc:Choice Requires="p14">
       <p:transition spd="slow" p14:dur="2000"/>
     </mc:Choice>
-    <mc:Fallback>
+    <mc:Fallback xmlns="">
       <p:transition spd="slow"/>
     </mc:Fallback>
   </mc:AlternateContent>
@@ -10645,11 +13053,11 @@
   <p:clrMapOvr>
     <a:masterClrMapping/>
   </p:clrMapOvr>
-  <mc:AlternateContent xmlns:mc="http://schemas.openxmlformats.org/markup-compatibility/2006">
-    <mc:Choice xmlns="" xmlns:p14="http://schemas.microsoft.com/office/powerpoint/2010/main" Requires="p14">
+  <mc:AlternateContent xmlns:mc="http://schemas.openxmlformats.org/markup-compatibility/2006" xmlns:p14="http://schemas.microsoft.com/office/powerpoint/2010/main">
+    <mc:Choice Requires="p14">
       <p:transition spd="slow" p14:dur="2000"/>
     </mc:Choice>
-    <mc:Fallback>
+    <mc:Fallback xmlns="">
       <p:transition spd="slow"/>
     </mc:Fallback>
   </mc:AlternateContent>
@@ -10938,11 +13346,11 @@
   <p:clrMapOvr>
     <a:masterClrMapping/>
   </p:clrMapOvr>
-  <mc:AlternateContent xmlns:mc="http://schemas.openxmlformats.org/markup-compatibility/2006">
-    <mc:Choice xmlns="" xmlns:p14="http://schemas.microsoft.com/office/powerpoint/2010/main" Requires="p14">
+  <mc:AlternateContent xmlns:mc="http://schemas.openxmlformats.org/markup-compatibility/2006" xmlns:p14="http://schemas.microsoft.com/office/powerpoint/2010/main">
+    <mc:Choice Requires="p14">
       <p:transition spd="slow" p14:dur="2000"/>
     </mc:Choice>
-    <mc:Fallback>
+    <mc:Fallback xmlns="">
       <p:transition spd="slow"/>
     </mc:Fallback>
   </mc:AlternateContent>
@@ -11142,11 +13550,11 @@
   <p:clrMapOvr>
     <a:masterClrMapping/>
   </p:clrMapOvr>
-  <mc:AlternateContent xmlns:mc="http://schemas.openxmlformats.org/markup-compatibility/2006">
-    <mc:Choice xmlns="" xmlns:p14="http://schemas.microsoft.com/office/powerpoint/2010/main" Requires="p14">
+  <mc:AlternateContent xmlns:mc="http://schemas.openxmlformats.org/markup-compatibility/2006" xmlns:p14="http://schemas.microsoft.com/office/powerpoint/2010/main">
+    <mc:Choice Requires="p14">
       <p:transition spd="slow" p14:dur="2000"/>
     </mc:Choice>
-    <mc:Fallback>
+    <mc:Fallback xmlns="">
       <p:transition spd="slow"/>
     </mc:Fallback>
   </mc:AlternateContent>
@@ -11342,11 +13750,11 @@
   <p:clrMapOvr>
     <a:masterClrMapping/>
   </p:clrMapOvr>
-  <mc:AlternateContent xmlns:mc="http://schemas.openxmlformats.org/markup-compatibility/2006">
-    <mc:Choice xmlns="" xmlns:p14="http://schemas.microsoft.com/office/powerpoint/2010/main" Requires="p14">
+  <mc:AlternateContent xmlns:mc="http://schemas.openxmlformats.org/markup-compatibility/2006" xmlns:p14="http://schemas.microsoft.com/office/powerpoint/2010/main">
+    <mc:Choice Requires="p14">
       <p:transition spd="slow" p14:dur="2000"/>
     </mc:Choice>
-    <mc:Fallback>
+    <mc:Fallback xmlns="">
       <p:transition spd="slow"/>
     </mc:Fallback>
   </mc:AlternateContent>
@@ -11368,7 +13776,7 @@
         <a:sysClr val="windowText" lastClr="000000"/>
       </a:dk1>
       <a:lt1>
-        <a:sysClr val="window" lastClr="FFFFFF"/>
+        <a:sysClr val="window" lastClr="CCE8CF"/>
       </a:lt1>
       <a:dk2>
         <a:srgbClr val="1F497D"/>
@@ -11706,7 +14114,7 @@
         <a:sysClr val="windowText" lastClr="000000"/>
       </a:dk1>
       <a:lt1>
-        <a:sysClr val="window" lastClr="FFFFFF"/>
+        <a:sysClr val="window" lastClr="CCE8CF"/>
       </a:lt1>
       <a:dk2>
         <a:srgbClr val="44546A"/>
@@ -11967,7 +14375,7 @@
         <a:sysClr val="windowText" lastClr="000000"/>
       </a:dk1>
       <a:lt1>
-        <a:sysClr val="window" lastClr="FFFFFF"/>
+        <a:sysClr val="window" lastClr="CCE8CF"/>
       </a:lt1>
       <a:dk2>
         <a:srgbClr val="1F497D"/>
